--- a/presentation/(laitek) DICOM Intro Course.pptx
+++ b/presentation/(laitek) DICOM Intro Course.pptx
@@ -5,7 +5,7 @@
     <p:sldMasterId id="2147483648" r:id="rId5"/>
   </p:sldMasterIdLst>
   <p:notesMasterIdLst>
-    <p:notesMasterId r:id="rId53"/>
+    <p:notesMasterId r:id="rId52"/>
   </p:notesMasterIdLst>
   <p:sldIdLst>
     <p:sldId id="307" r:id="rId6"/>
@@ -13,48 +13,47 @@
     <p:sldId id="312" r:id="rId8"/>
     <p:sldId id="354" r:id="rId9"/>
     <p:sldId id="355" r:id="rId10"/>
-    <p:sldId id="351" r:id="rId11"/>
-    <p:sldId id="345" r:id="rId12"/>
-    <p:sldId id="353" r:id="rId13"/>
-    <p:sldId id="331" r:id="rId14"/>
-    <p:sldId id="337" r:id="rId15"/>
-    <p:sldId id="332" r:id="rId16"/>
-    <p:sldId id="335" r:id="rId17"/>
-    <p:sldId id="334" r:id="rId18"/>
-    <p:sldId id="336" r:id="rId19"/>
-    <p:sldId id="338" r:id="rId20"/>
-    <p:sldId id="357" r:id="rId21"/>
-    <p:sldId id="356" r:id="rId22"/>
-    <p:sldId id="346" r:id="rId23"/>
-    <p:sldId id="339" r:id="rId24"/>
-    <p:sldId id="341" r:id="rId25"/>
-    <p:sldId id="340" r:id="rId26"/>
-    <p:sldId id="349" r:id="rId27"/>
-    <p:sldId id="347" r:id="rId28"/>
-    <p:sldId id="342" r:id="rId29"/>
-    <p:sldId id="343" r:id="rId30"/>
-    <p:sldId id="348" r:id="rId31"/>
-    <p:sldId id="350" r:id="rId32"/>
-    <p:sldId id="344" r:id="rId33"/>
-    <p:sldId id="352" r:id="rId34"/>
-    <p:sldId id="333" r:id="rId35"/>
-    <p:sldId id="315" r:id="rId36"/>
-    <p:sldId id="314" r:id="rId37"/>
-    <p:sldId id="318" r:id="rId38"/>
-    <p:sldId id="326" r:id="rId39"/>
-    <p:sldId id="317" r:id="rId40"/>
-    <p:sldId id="257" r:id="rId41"/>
-    <p:sldId id="259" r:id="rId42"/>
-    <p:sldId id="316" r:id="rId43"/>
-    <p:sldId id="275" r:id="rId44"/>
-    <p:sldId id="327" r:id="rId45"/>
-    <p:sldId id="328" r:id="rId46"/>
-    <p:sldId id="305" r:id="rId47"/>
-    <p:sldId id="329" r:id="rId48"/>
-    <p:sldId id="330" r:id="rId49"/>
-    <p:sldId id="320" r:id="rId50"/>
-    <p:sldId id="321" r:id="rId51"/>
-    <p:sldId id="306" r:id="rId52"/>
+    <p:sldId id="345" r:id="rId11"/>
+    <p:sldId id="353" r:id="rId12"/>
+    <p:sldId id="331" r:id="rId13"/>
+    <p:sldId id="337" r:id="rId14"/>
+    <p:sldId id="332" r:id="rId15"/>
+    <p:sldId id="335" r:id="rId16"/>
+    <p:sldId id="334" r:id="rId17"/>
+    <p:sldId id="339" r:id="rId18"/>
+    <p:sldId id="341" r:id="rId19"/>
+    <p:sldId id="340" r:id="rId20"/>
+    <p:sldId id="347" r:id="rId21"/>
+    <p:sldId id="336" r:id="rId22"/>
+    <p:sldId id="338" r:id="rId23"/>
+    <p:sldId id="357" r:id="rId24"/>
+    <p:sldId id="356" r:id="rId25"/>
+    <p:sldId id="342" r:id="rId26"/>
+    <p:sldId id="346" r:id="rId27"/>
+    <p:sldId id="349" r:id="rId28"/>
+    <p:sldId id="343" r:id="rId29"/>
+    <p:sldId id="348" r:id="rId30"/>
+    <p:sldId id="350" r:id="rId31"/>
+    <p:sldId id="344" r:id="rId32"/>
+    <p:sldId id="352" r:id="rId33"/>
+    <p:sldId id="333" r:id="rId34"/>
+    <p:sldId id="315" r:id="rId35"/>
+    <p:sldId id="314" r:id="rId36"/>
+    <p:sldId id="318" r:id="rId37"/>
+    <p:sldId id="326" r:id="rId38"/>
+    <p:sldId id="317" r:id="rId39"/>
+    <p:sldId id="257" r:id="rId40"/>
+    <p:sldId id="259" r:id="rId41"/>
+    <p:sldId id="316" r:id="rId42"/>
+    <p:sldId id="275" r:id="rId43"/>
+    <p:sldId id="327" r:id="rId44"/>
+    <p:sldId id="328" r:id="rId45"/>
+    <p:sldId id="305" r:id="rId46"/>
+    <p:sldId id="329" r:id="rId47"/>
+    <p:sldId id="330" r:id="rId48"/>
+    <p:sldId id="320" r:id="rId49"/>
+    <p:sldId id="321" r:id="rId50"/>
+    <p:sldId id="306" r:id="rId51"/>
   </p:sldIdLst>
   <p:sldSz cx="12192000" cy="6858000"/>
   <p:notesSz cx="6858000" cy="9144000"/>
@@ -9948,7 +9947,7 @@
           <a:p>
             <a:fld id="{94E1AADC-93CF-4255-9F96-A61D8D2DA6A6}" type="slidenum">
               <a:rPr lang="en-US" smtClean="0"/>
-              <a:t>14</a:t>
+              <a:t>13</a:t>
             </a:fld>
             <a:endParaRPr lang="en-US"/>
           </a:p>
@@ -9957,7 +9956,7 @@
     </p:spTree>
     <p:extLst>
       <p:ext uri="{BB962C8B-B14F-4D97-AF65-F5344CB8AC3E}">
-        <p14:creationId xmlns:p14="http://schemas.microsoft.com/office/powerpoint/2010/main" val="3295091385"/>
+        <p14:creationId xmlns:p14="http://schemas.microsoft.com/office/powerpoint/2010/main" val="4119044793"/>
       </p:ext>
     </p:extLst>
   </p:cSld>
@@ -10032,7 +10031,7 @@
           <a:p>
             <a:fld id="{94E1AADC-93CF-4255-9F96-A61D8D2DA6A6}" type="slidenum">
               <a:rPr lang="en-US" smtClean="0"/>
-              <a:t>15</a:t>
+              <a:t>14</a:t>
             </a:fld>
             <a:endParaRPr lang="en-US"/>
           </a:p>
@@ -10041,7 +10040,7 @@
     </p:spTree>
     <p:extLst>
       <p:ext uri="{BB962C8B-B14F-4D97-AF65-F5344CB8AC3E}">
-        <p14:creationId xmlns:p14="http://schemas.microsoft.com/office/powerpoint/2010/main" val="2945515887"/>
+        <p14:creationId xmlns:p14="http://schemas.microsoft.com/office/powerpoint/2010/main" val="3342442428"/>
       </p:ext>
     </p:extLst>
   </p:cSld>
@@ -10116,7 +10115,7 @@
           <a:p>
             <a:fld id="{94E1AADC-93CF-4255-9F96-A61D8D2DA6A6}" type="slidenum">
               <a:rPr lang="en-US" smtClean="0"/>
-              <a:t>16</a:t>
+              <a:t>15</a:t>
             </a:fld>
             <a:endParaRPr lang="en-US"/>
           </a:p>
@@ -10125,7 +10124,7 @@
     </p:spTree>
     <p:extLst>
       <p:ext uri="{BB962C8B-B14F-4D97-AF65-F5344CB8AC3E}">
-        <p14:creationId xmlns:p14="http://schemas.microsoft.com/office/powerpoint/2010/main" val="1548051171"/>
+        <p14:creationId xmlns:p14="http://schemas.microsoft.com/office/powerpoint/2010/main" val="1479793296"/>
       </p:ext>
     </p:extLst>
   </p:cSld>
@@ -10200,7 +10199,7 @@
           <a:p>
             <a:fld id="{94E1AADC-93CF-4255-9F96-A61D8D2DA6A6}" type="slidenum">
               <a:rPr lang="en-US" smtClean="0"/>
-              <a:t>17</a:t>
+              <a:t>16</a:t>
             </a:fld>
             <a:endParaRPr lang="en-US"/>
           </a:p>
@@ -10209,7 +10208,7 @@
     </p:spTree>
     <p:extLst>
       <p:ext uri="{BB962C8B-B14F-4D97-AF65-F5344CB8AC3E}">
-        <p14:creationId xmlns:p14="http://schemas.microsoft.com/office/powerpoint/2010/main" val="4236429826"/>
+        <p14:creationId xmlns:p14="http://schemas.microsoft.com/office/powerpoint/2010/main" val="3755163221"/>
       </p:ext>
     </p:extLst>
   </p:cSld>
@@ -10284,7 +10283,7 @@
           <a:p>
             <a:fld id="{94E1AADC-93CF-4255-9F96-A61D8D2DA6A6}" type="slidenum">
               <a:rPr lang="en-US" smtClean="0"/>
-              <a:t>19</a:t>
+              <a:t>17</a:t>
             </a:fld>
             <a:endParaRPr lang="en-US"/>
           </a:p>
@@ -10293,7 +10292,7 @@
     </p:spTree>
     <p:extLst>
       <p:ext uri="{BB962C8B-B14F-4D97-AF65-F5344CB8AC3E}">
-        <p14:creationId xmlns:p14="http://schemas.microsoft.com/office/powerpoint/2010/main" val="4119044793"/>
+        <p14:creationId xmlns:p14="http://schemas.microsoft.com/office/powerpoint/2010/main" val="3295091385"/>
       </p:ext>
     </p:extLst>
   </p:cSld>
@@ -10368,7 +10367,7 @@
           <a:p>
             <a:fld id="{94E1AADC-93CF-4255-9F96-A61D8D2DA6A6}" type="slidenum">
               <a:rPr lang="en-US" smtClean="0"/>
-              <a:t>20</a:t>
+              <a:t>18</a:t>
             </a:fld>
             <a:endParaRPr lang="en-US"/>
           </a:p>
@@ -10377,7 +10376,7 @@
     </p:spTree>
     <p:extLst>
       <p:ext uri="{BB962C8B-B14F-4D97-AF65-F5344CB8AC3E}">
-        <p14:creationId xmlns:p14="http://schemas.microsoft.com/office/powerpoint/2010/main" val="3342442428"/>
+        <p14:creationId xmlns:p14="http://schemas.microsoft.com/office/powerpoint/2010/main" val="2945515887"/>
       </p:ext>
     </p:extLst>
   </p:cSld>
@@ -10452,7 +10451,7 @@
           <a:p>
             <a:fld id="{94E1AADC-93CF-4255-9F96-A61D8D2DA6A6}" type="slidenum">
               <a:rPr lang="en-US" smtClean="0"/>
-              <a:t>21</a:t>
+              <a:t>19</a:t>
             </a:fld>
             <a:endParaRPr lang="en-US"/>
           </a:p>
@@ -10461,7 +10460,7 @@
     </p:spTree>
     <p:extLst>
       <p:ext uri="{BB962C8B-B14F-4D97-AF65-F5344CB8AC3E}">
-        <p14:creationId xmlns:p14="http://schemas.microsoft.com/office/powerpoint/2010/main" val="1479793296"/>
+        <p14:creationId xmlns:p14="http://schemas.microsoft.com/office/powerpoint/2010/main" val="1548051171"/>
       </p:ext>
     </p:extLst>
   </p:cSld>
@@ -10536,7 +10535,7 @@
           <a:p>
             <a:fld id="{94E1AADC-93CF-4255-9F96-A61D8D2DA6A6}" type="slidenum">
               <a:rPr lang="en-US" smtClean="0"/>
-              <a:t>22</a:t>
+              <a:t>20</a:t>
             </a:fld>
             <a:endParaRPr lang="en-US"/>
           </a:p>
@@ -10545,7 +10544,7 @@
     </p:spTree>
     <p:extLst>
       <p:ext uri="{BB962C8B-B14F-4D97-AF65-F5344CB8AC3E}">
-        <p14:creationId xmlns:p14="http://schemas.microsoft.com/office/powerpoint/2010/main" val="2061360038"/>
+        <p14:creationId xmlns:p14="http://schemas.microsoft.com/office/powerpoint/2010/main" val="4236429826"/>
       </p:ext>
     </p:extLst>
   </p:cSld>
@@ -10620,7 +10619,7 @@
           <a:p>
             <a:fld id="{94E1AADC-93CF-4255-9F96-A61D8D2DA6A6}" type="slidenum">
               <a:rPr lang="en-US" smtClean="0"/>
-              <a:t>23</a:t>
+              <a:t>21</a:t>
             </a:fld>
             <a:endParaRPr lang="en-US"/>
           </a:p>
@@ -10629,7 +10628,7 @@
     </p:spTree>
     <p:extLst>
       <p:ext uri="{BB962C8B-B14F-4D97-AF65-F5344CB8AC3E}">
-        <p14:creationId xmlns:p14="http://schemas.microsoft.com/office/powerpoint/2010/main" val="3755163221"/>
+        <p14:creationId xmlns:p14="http://schemas.microsoft.com/office/powerpoint/2010/main" val="4111869619"/>
       </p:ext>
     </p:extLst>
   </p:cSld>
@@ -10704,7 +10703,7 @@
           <a:p>
             <a:fld id="{94E1AADC-93CF-4255-9F96-A61D8D2DA6A6}" type="slidenum">
               <a:rPr lang="en-US" smtClean="0"/>
-              <a:t>24</a:t>
+              <a:t>23</a:t>
             </a:fld>
             <a:endParaRPr lang="en-US"/>
           </a:p>
@@ -10713,7 +10712,7 @@
     </p:spTree>
     <p:extLst>
       <p:ext uri="{BB962C8B-B14F-4D97-AF65-F5344CB8AC3E}">
-        <p14:creationId xmlns:p14="http://schemas.microsoft.com/office/powerpoint/2010/main" val="4111869619"/>
+        <p14:creationId xmlns:p14="http://schemas.microsoft.com/office/powerpoint/2010/main" val="2061360038"/>
       </p:ext>
     </p:extLst>
   </p:cSld>
@@ -10872,7 +10871,7 @@
           <a:p>
             <a:fld id="{94E1AADC-93CF-4255-9F96-A61D8D2DA6A6}" type="slidenum">
               <a:rPr lang="en-US" smtClean="0"/>
-              <a:t>25</a:t>
+              <a:t>24</a:t>
             </a:fld>
             <a:endParaRPr lang="en-US"/>
           </a:p>
@@ -10956,7 +10955,7 @@
           <a:p>
             <a:fld id="{94E1AADC-93CF-4255-9F96-A61D8D2DA6A6}" type="slidenum">
               <a:rPr lang="en-US" smtClean="0"/>
-              <a:t>26</a:t>
+              <a:t>25</a:t>
             </a:fld>
             <a:endParaRPr lang="en-US"/>
           </a:p>
@@ -11040,7 +11039,7 @@
           <a:p>
             <a:fld id="{94E1AADC-93CF-4255-9F96-A61D8D2DA6A6}" type="slidenum">
               <a:rPr lang="en-US" smtClean="0"/>
-              <a:t>27</a:t>
+              <a:t>26</a:t>
             </a:fld>
             <a:endParaRPr lang="en-US"/>
           </a:p>
@@ -11124,7 +11123,7 @@
           <a:p>
             <a:fld id="{94E1AADC-93CF-4255-9F96-A61D8D2DA6A6}" type="slidenum">
               <a:rPr lang="en-US" smtClean="0"/>
-              <a:t>28</a:t>
+              <a:t>27</a:t>
             </a:fld>
             <a:endParaRPr lang="en-US"/>
           </a:p>
@@ -11208,7 +11207,7 @@
           <a:p>
             <a:fld id="{94E1AADC-93CF-4255-9F96-A61D8D2DA6A6}" type="slidenum">
               <a:rPr lang="en-US" smtClean="0"/>
-              <a:t>32</a:t>
+              <a:t>31</a:t>
             </a:fld>
             <a:endParaRPr lang="en-US"/>
           </a:p>
@@ -11474,7 +11473,7 @@
           <a:p>
             <a:fld id="{94E1AADC-93CF-4255-9F96-A61D8D2DA6A6}" type="slidenum">
               <a:rPr lang="en-US" smtClean="0"/>
-              <a:t>33</a:t>
+              <a:t>32</a:t>
             </a:fld>
             <a:endParaRPr lang="en-US"/>
           </a:p>
@@ -11800,7 +11799,7 @@
           <a:p>
             <a:fld id="{94E1AADC-93CF-4255-9F96-A61D8D2DA6A6}" type="slidenum">
               <a:rPr lang="en-US" smtClean="0"/>
-              <a:t>35</a:t>
+              <a:t>34</a:t>
             </a:fld>
             <a:endParaRPr lang="en-US"/>
           </a:p>
@@ -11884,7 +11883,7 @@
           <a:p>
             <a:fld id="{94E1AADC-93CF-4255-9F96-A61D8D2DA6A6}" type="slidenum">
               <a:rPr lang="en-US" smtClean="0"/>
-              <a:t>36</a:t>
+              <a:t>35</a:t>
             </a:fld>
             <a:endParaRPr lang="en-US"/>
           </a:p>
@@ -11968,7 +11967,7 @@
           <a:p>
             <a:fld id="{94E1AADC-93CF-4255-9F96-A61D8D2DA6A6}" type="slidenum">
               <a:rPr lang="en-US" smtClean="0"/>
-              <a:t>37</a:t>
+              <a:t>36</a:t>
             </a:fld>
             <a:endParaRPr lang="en-US"/>
           </a:p>
@@ -12065,7 +12064,7 @@
               <a:pPr>
                 <a:defRPr/>
               </a:pPr>
-              <a:t>45</a:t>
+              <a:t>44</a:t>
             </a:fld>
             <a:endParaRPr lang="en-US"/>
           </a:p>
@@ -12246,7 +12245,7 @@
               <a:pPr>
                 <a:defRPr/>
               </a:pPr>
-              <a:t>46</a:t>
+              <a:t>45</a:t>
             </a:fld>
             <a:endParaRPr lang="en-US"/>
           </a:p>
@@ -12330,7 +12329,7 @@
           <a:p>
             <a:fld id="{94E1AADC-93CF-4255-9F96-A61D8D2DA6A6}" type="slidenum">
               <a:rPr lang="en-US" smtClean="0"/>
-              <a:t>8</a:t>
+              <a:t>7</a:t>
             </a:fld>
             <a:endParaRPr lang="en-US"/>
           </a:p>
@@ -12426,7 +12425,7 @@
           <a:p>
             <a:fld id="{94E1AADC-93CF-4255-9F96-A61D8D2DA6A6}" type="slidenum">
               <a:rPr lang="en-US" smtClean="0"/>
-              <a:t>9</a:t>
+              <a:t>8</a:t>
             </a:fld>
             <a:endParaRPr lang="en-US"/>
           </a:p>
@@ -12596,7 +12595,7 @@
           <a:p>
             <a:fld id="{94E1AADC-93CF-4255-9F96-A61D8D2DA6A6}" type="slidenum">
               <a:rPr lang="en-US" smtClean="0"/>
-              <a:t>10</a:t>
+              <a:t>9</a:t>
             </a:fld>
             <a:endParaRPr lang="en-US"/>
           </a:p>
@@ -12680,7 +12679,7 @@
           <a:p>
             <a:fld id="{94E1AADC-93CF-4255-9F96-A61D8D2DA6A6}" type="slidenum">
               <a:rPr lang="en-US" smtClean="0"/>
-              <a:t>11</a:t>
+              <a:t>10</a:t>
             </a:fld>
             <a:endParaRPr lang="en-US"/>
           </a:p>
@@ -12764,7 +12763,7 @@
           <a:p>
             <a:fld id="{94E1AADC-93CF-4255-9F96-A61D8D2DA6A6}" type="slidenum">
               <a:rPr lang="en-US" smtClean="0"/>
-              <a:t>12</a:t>
+              <a:t>11</a:t>
             </a:fld>
             <a:endParaRPr lang="en-US"/>
           </a:p>
@@ -12848,7 +12847,7 @@
           <a:p>
             <a:fld id="{94E1AADC-93CF-4255-9F96-A61D8D2DA6A6}" type="slidenum">
               <a:rPr lang="en-US" smtClean="0"/>
-              <a:t>13</a:t>
+              <a:t>12</a:t>
             </a:fld>
             <a:endParaRPr lang="en-US"/>
           </a:p>
@@ -19182,7 +19181,7 @@
         </p:blipFill>
         <p:spPr>
           <a:xfrm>
-            <a:off x="0" y="0"/>
+            <a:off x="3048" y="0"/>
             <a:ext cx="12188952" cy="6858000"/>
           </a:xfrm>
           <a:prstGeom prst="rect">
@@ -19204,7 +19203,7 @@
         </p:nvSpPr>
         <p:spPr>
           <a:xfrm>
-            <a:off x="888617" y="94479"/>
+            <a:off x="977258" y="150463"/>
             <a:ext cx="7912360" cy="830997"/>
           </a:xfrm>
           <a:prstGeom prst="rect">
@@ -19225,17 +19224,185 @@
                   <a:srgbClr val="000066"/>
                 </a:solidFill>
               </a:rPr>
-              <a:t>Associations</a:t>
+              <a:t>DICOM Services</a:t>
             </a:r>
           </a:p>
         </p:txBody>
       </p:sp>
       <p:sp>
         <p:nvSpPr>
-          <p:cNvPr id="7" name="TextBox 6">
+          <p:cNvPr id="2" name="Rectangle 1">
             <a:extLst>
               <a:ext uri="{FF2B5EF4-FFF2-40B4-BE49-F238E27FC236}">
-                <a16:creationId xmlns:a16="http://schemas.microsoft.com/office/drawing/2014/main" id="{DF675596-D6A7-417B-B547-2E32CEACBDE3}"/>
+                <a16:creationId xmlns:a16="http://schemas.microsoft.com/office/drawing/2014/main" id="{706D2C4B-57C9-403C-B0EE-34D85527A4C3}"/>
+              </a:ext>
+            </a:extLst>
+          </p:cNvPr>
+          <p:cNvSpPr/>
+          <p:nvPr/>
+        </p:nvSpPr>
+        <p:spPr>
+          <a:xfrm>
+            <a:off x="793102" y="1898780"/>
+            <a:ext cx="1394927" cy="1586204"/>
+          </a:xfrm>
+          <a:prstGeom prst="rect">
+            <a:avLst/>
+          </a:prstGeom>
+        </p:spPr>
+        <p:style>
+          <a:lnRef idx="2">
+            <a:schemeClr val="accent1">
+              <a:shade val="50000"/>
+            </a:schemeClr>
+          </a:lnRef>
+          <a:fillRef idx="1">
+            <a:schemeClr val="accent1"/>
+          </a:fillRef>
+          <a:effectRef idx="0">
+            <a:schemeClr val="accent1"/>
+          </a:effectRef>
+          <a:fontRef idx="minor">
+            <a:schemeClr val="lt1"/>
+          </a:fontRef>
+        </p:style>
+        <p:txBody>
+          <a:bodyPr rtlCol="0" anchor="ctr"/>
+          <a:lstStyle/>
+          <a:p>
+            <a:pPr algn="ctr"/>
+            <a:r>
+              <a:rPr lang="en-US" dirty="0"/>
+              <a:t>US_EM</a:t>
+            </a:r>
+          </a:p>
+          <a:p>
+            <a:pPr algn="ctr"/>
+            <a:r>
+              <a:rPr lang="en-US" dirty="0"/>
+              <a:t>(SCU)</a:t>
+            </a:r>
+          </a:p>
+          <a:p>
+            <a:pPr algn="ctr"/>
+            <a:r>
+              <a:rPr lang="en-US" dirty="0"/>
+              <a:t>Ultrasound station </a:t>
+            </a:r>
+          </a:p>
+        </p:txBody>
+      </p:sp>
+      <p:sp>
+        <p:nvSpPr>
+          <p:cNvPr id="7" name="Rectangle 6">
+            <a:extLst>
+              <a:ext uri="{FF2B5EF4-FFF2-40B4-BE49-F238E27FC236}">
+                <a16:creationId xmlns:a16="http://schemas.microsoft.com/office/drawing/2014/main" id="{AFA9C38E-35AB-492B-8C7F-112A20A11CEC}"/>
+              </a:ext>
+            </a:extLst>
+          </p:cNvPr>
+          <p:cNvSpPr/>
+          <p:nvPr/>
+        </p:nvSpPr>
+        <p:spPr>
+          <a:xfrm>
+            <a:off x="6749143" y="1898780"/>
+            <a:ext cx="1394927" cy="1586204"/>
+          </a:xfrm>
+          <a:prstGeom prst="rect">
+            <a:avLst/>
+          </a:prstGeom>
+        </p:spPr>
+        <p:style>
+          <a:lnRef idx="2">
+            <a:schemeClr val="accent1">
+              <a:shade val="50000"/>
+            </a:schemeClr>
+          </a:lnRef>
+          <a:fillRef idx="1">
+            <a:schemeClr val="accent1"/>
+          </a:fillRef>
+          <a:effectRef idx="0">
+            <a:schemeClr val="accent1"/>
+          </a:effectRef>
+          <a:fontRef idx="minor">
+            <a:schemeClr val="lt1"/>
+          </a:fontRef>
+        </p:style>
+        <p:txBody>
+          <a:bodyPr rtlCol="0" anchor="ctr"/>
+          <a:lstStyle/>
+          <a:p>
+            <a:pPr algn="ctr"/>
+            <a:r>
+              <a:rPr lang="en-US" dirty="0"/>
+              <a:t>EA_VNA</a:t>
+            </a:r>
+          </a:p>
+          <a:p>
+            <a:pPr algn="ctr"/>
+            <a:r>
+              <a:rPr lang="en-US" dirty="0"/>
+              <a:t>(SCP)</a:t>
+            </a:r>
+          </a:p>
+          <a:p>
+            <a:pPr algn="ctr"/>
+            <a:r>
+              <a:rPr lang="en-US" dirty="0"/>
+              <a:t>Enterprise Archive</a:t>
+            </a:r>
+          </a:p>
+        </p:txBody>
+      </p:sp>
+      <p:cxnSp>
+        <p:nvCxnSpPr>
+          <p:cNvPr id="4" name="Straight Arrow Connector 3">
+            <a:extLst>
+              <a:ext uri="{FF2B5EF4-FFF2-40B4-BE49-F238E27FC236}">
+                <a16:creationId xmlns:a16="http://schemas.microsoft.com/office/drawing/2014/main" id="{4434D687-4DAF-4817-BD4B-1A3D6EF09883}"/>
+              </a:ext>
+            </a:extLst>
+          </p:cNvPr>
+          <p:cNvCxnSpPr>
+            <a:stCxn id="2" idx="3"/>
+            <a:endCxn id="7" idx="1"/>
+          </p:cNvCxnSpPr>
+          <p:nvPr/>
+        </p:nvCxnSpPr>
+        <p:spPr>
+          <a:xfrm>
+            <a:off x="2188029" y="2691882"/>
+            <a:ext cx="4561114" cy="0"/>
+          </a:xfrm>
+          <a:prstGeom prst="straightConnector1">
+            <a:avLst/>
+          </a:prstGeom>
+          <a:ln>
+            <a:tailEnd type="triangle"/>
+          </a:ln>
+        </p:spPr>
+        <p:style>
+          <a:lnRef idx="1">
+            <a:schemeClr val="accent1"/>
+          </a:lnRef>
+          <a:fillRef idx="0">
+            <a:schemeClr val="accent1"/>
+          </a:fillRef>
+          <a:effectRef idx="0">
+            <a:schemeClr val="accent1"/>
+          </a:effectRef>
+          <a:fontRef idx="minor">
+            <a:schemeClr val="tx1"/>
+          </a:fontRef>
+        </p:style>
+      </p:cxnSp>
+      <p:sp>
+        <p:nvSpPr>
+          <p:cNvPr id="8" name="TextBox 7">
+            <a:extLst>
+              <a:ext uri="{FF2B5EF4-FFF2-40B4-BE49-F238E27FC236}">
+                <a16:creationId xmlns:a16="http://schemas.microsoft.com/office/drawing/2014/main" id="{38929C98-E7F5-4BF1-8171-E7ECBFF1E11D}"/>
               </a:ext>
             </a:extLst>
           </p:cNvPr>
@@ -19244,8 +19411,8 @@
         </p:nvSpPr>
         <p:spPr>
           <a:xfrm>
-            <a:off x="324715" y="3176542"/>
-            <a:ext cx="9924964" cy="2585323"/>
+            <a:off x="2470250" y="2579914"/>
+            <a:ext cx="4292072" cy="646331"/>
           </a:xfrm>
           <a:prstGeom prst="rect">
             <a:avLst/>
@@ -19253,130 +19420,84 @@
           <a:noFill/>
         </p:spPr>
         <p:txBody>
-          <a:bodyPr wrap="square" lIns="91440" tIns="45720" rIns="91440" bIns="45720" anchor="t">
+          <a:bodyPr wrap="none" rtlCol="0">
             <a:spAutoFit/>
           </a:bodyPr>
           <a:lstStyle/>
           <a:p>
-            <a:pPr marL="285750" indent="-285750">
-              <a:buFont typeface="Arial" panose="020B0604020202020204" pitchFamily="34" charset="0"/>
-              <a:buChar char="•"/>
-            </a:pPr>
             <a:r>
               <a:rPr lang="en-US" dirty="0"/>
-              <a:t>Simple: </a:t>
-            </a:r>
-          </a:p>
-          <a:p>
-            <a:pPr marL="742950" lvl="1" indent="-285750">
-              <a:buFont typeface="Arial" panose="020B0604020202020204" pitchFamily="34" charset="0"/>
-              <a:buChar char="•"/>
-            </a:pPr>
+              <a:t>Store Ultrasound Image</a:t>
+            </a:r>
+          </a:p>
+          <a:p>
             <a:r>
               <a:rPr lang="en-US" dirty="0"/>
-              <a:t>The SCU will start the communication and will ask the SCP if it supports a certain service. </a:t>
-            </a:r>
-          </a:p>
-          <a:p>
-            <a:pPr marL="742950" lvl="1" indent="-285750">
-              <a:buFont typeface="Arial" panose="020B0604020202020204" pitchFamily="34" charset="0"/>
-              <a:buChar char="•"/>
-            </a:pPr>
-            <a:r>
-              <a:rPr lang="en-US" dirty="0"/>
-              <a:t>The SCP will respond accordingly.</a:t>
-            </a:r>
-          </a:p>
-          <a:p>
-            <a:pPr marL="742950" lvl="1" indent="-285750">
-              <a:buFont typeface="Arial" panose="020B0604020202020204" pitchFamily="34" charset="0"/>
-              <a:buChar char="•"/>
-            </a:pPr>
-            <a:r>
-              <a:rPr lang="en-US" dirty="0"/>
-              <a:t>The SCU will ask something related to that service (ex: do a </a:t>
-            </a:r>
-            <a:r>
-              <a:rPr lang="en-US" dirty="0" err="1"/>
-              <a:t>cfind</a:t>
-            </a:r>
-            <a:r>
-              <a:rPr lang="en-US" dirty="0"/>
-              <a:t> or store an image)</a:t>
-            </a:r>
-          </a:p>
-          <a:p>
-            <a:pPr marL="742950" lvl="1" indent="-285750">
-              <a:buFont typeface="Arial" panose="020B0604020202020204" pitchFamily="34" charset="0"/>
-              <a:buChar char="•"/>
-            </a:pPr>
-            <a:r>
-              <a:rPr lang="en-US" dirty="0"/>
-              <a:t>The SCP will provide the negotiated services (respond, store images)</a:t>
-            </a:r>
-          </a:p>
-          <a:p>
-            <a:pPr marL="742950" lvl="1" indent="-285750">
-              <a:buFont typeface="Arial" panose="020B0604020202020204" pitchFamily="34" charset="0"/>
-              <a:buChar char="•"/>
-            </a:pPr>
-            <a:r>
-              <a:rPr lang="en-US" dirty="0"/>
-              <a:t>The SCU when done can drop the association or ask an association release</a:t>
-            </a:r>
-          </a:p>
-          <a:p>
-            <a:pPr marL="742950" lvl="1" indent="-285750">
-              <a:buFont typeface="Arial" panose="020B0604020202020204" pitchFamily="34" charset="0"/>
-              <a:buChar char="•"/>
-            </a:pPr>
-            <a:r>
-              <a:rPr lang="en-US" dirty="0"/>
-              <a:t>The SCP will acknowledge the association release	</a:t>
-            </a:r>
-          </a:p>
-          <a:p>
-            <a:r>
-              <a:rPr lang="en-US" dirty="0"/>
-              <a:t>(the initial service request and how that service will be managed by the two participants during communications is the actual association negotiation)</a:t>
-            </a:r>
+              <a:t>(service class: </a:t>
+            </a:r>
+            <a:r>
+              <a:rPr lang="en-US" b="0" i="0" dirty="0">
+                <a:solidFill>
+                  <a:srgbClr val="000000"/>
+                </a:solidFill>
+                <a:effectLst/>
+                <a:latin typeface="Helvetica" panose="020B0604020202020204" pitchFamily="34" charset="0"/>
+              </a:rPr>
+              <a:t>Ultrasound Image Storage)</a:t>
+            </a:r>
+            <a:endParaRPr lang="en-US" dirty="0"/>
           </a:p>
         </p:txBody>
       </p:sp>
-      <p:pic>
-        <p:nvPicPr>
-          <p:cNvPr id="8" name="Picture 7">
+      <p:sp>
+        <p:nvSpPr>
+          <p:cNvPr id="9" name="TextBox 8">
             <a:extLst>
               <a:ext uri="{FF2B5EF4-FFF2-40B4-BE49-F238E27FC236}">
-                <a16:creationId xmlns:a16="http://schemas.microsoft.com/office/drawing/2014/main" id="{7758DD89-4B2A-4213-B505-66922F83DEAA}"/>
+                <a16:creationId xmlns:a16="http://schemas.microsoft.com/office/drawing/2014/main" id="{9715E797-ECB3-4D70-AE80-C3AD68E4212B}"/>
               </a:ext>
             </a:extLst>
           </p:cNvPr>
-          <p:cNvPicPr>
-            <a:picLocks noChangeAspect="1"/>
-          </p:cNvPicPr>
+          <p:cNvSpPr txBox="1"/>
           <p:nvPr/>
-        </p:nvPicPr>
-        <p:blipFill>
-          <a:blip r:embed="rId4"/>
-          <a:stretch>
-            <a:fillRect/>
-          </a:stretch>
-        </p:blipFill>
+        </p:nvSpPr>
         <p:spPr>
           <a:xfrm>
-            <a:off x="2877917" y="1252272"/>
-            <a:ext cx="4457700" cy="1381125"/>
+            <a:off x="793102" y="4226767"/>
+            <a:ext cx="8136294" cy="369332"/>
           </a:xfrm>
           <a:prstGeom prst="rect">
             <a:avLst/>
           </a:prstGeom>
+          <a:noFill/>
         </p:spPr>
-      </p:pic>
+        <p:txBody>
+          <a:bodyPr wrap="square" rtlCol="0">
+            <a:spAutoFit/>
+          </a:bodyPr>
+          <a:lstStyle/>
+          <a:p>
+            <a:r>
+              <a:rPr lang="en-US" dirty="0"/>
+              <a:t>List of SOP classes: </a:t>
+            </a:r>
+            <a:r>
+              <a:rPr lang="en-US" dirty="0">
+                <a:hlinkClick r:id="rId4"/>
+              </a:rPr>
+              <a:t>B.5 Standard SOP Classes (nema.org)</a:t>
+            </a:r>
+            <a:r>
+              <a:rPr lang="en-US" dirty="0"/>
+              <a:t> </a:t>
+            </a:r>
+          </a:p>
+        </p:txBody>
+      </p:sp>
     </p:spTree>
     <p:extLst>
       <p:ext uri="{BB962C8B-B14F-4D97-AF65-F5344CB8AC3E}">
-        <p14:creationId xmlns:p14="http://schemas.microsoft.com/office/powerpoint/2010/main" val="1066047630"/>
+        <p14:creationId xmlns:p14="http://schemas.microsoft.com/office/powerpoint/2010/main" val="2551780617"/>
       </p:ext>
     </p:extLst>
   </p:cSld>
@@ -19387,6 +19508,406 @@
 </file>
 
 <file path=ppt/slides/slide11.xml><?xml version="1.0" encoding="utf-8"?>
+<p:sld xmlns:a="http://schemas.openxmlformats.org/drawingml/2006/main" xmlns:r="http://schemas.openxmlformats.org/officeDocument/2006/relationships" xmlns:p="http://schemas.openxmlformats.org/presentationml/2006/main">
+  <p:cSld>
+    <p:spTree>
+      <p:nvGrpSpPr>
+        <p:cNvPr id="1" name=""/>
+        <p:cNvGrpSpPr/>
+        <p:nvPr/>
+      </p:nvGrpSpPr>
+      <p:grpSpPr>
+        <a:xfrm>
+          <a:off x="0" y="0"/>
+          <a:ext cx="0" cy="0"/>
+          <a:chOff x="0" y="0"/>
+          <a:chExt cx="0" cy="0"/>
+        </a:xfrm>
+      </p:grpSpPr>
+      <p:pic>
+        <p:nvPicPr>
+          <p:cNvPr id="5" name="Picture 4" descr="A close up of a mans face&#10;&#10;Description generated with high confidence">
+            <a:extLst>
+              <a:ext uri="{FF2B5EF4-FFF2-40B4-BE49-F238E27FC236}">
+                <a16:creationId xmlns:a16="http://schemas.microsoft.com/office/drawing/2014/main" id="{9C7AB213-0D7F-4A73-9919-4DF65C8E04AB}"/>
+              </a:ext>
+            </a:extLst>
+          </p:cNvPr>
+          <p:cNvPicPr>
+            <a:picLocks noChangeAspect="1"/>
+          </p:cNvPicPr>
+          <p:nvPr/>
+        </p:nvPicPr>
+        <p:blipFill>
+          <a:blip r:embed="rId3">
+            <a:extLst>
+              <a:ext uri="{28A0092B-C50C-407E-A947-70E740481C1C}">
+                <a14:useLocalDpi xmlns:a14="http://schemas.microsoft.com/office/drawing/2010/main" val="0"/>
+              </a:ext>
+            </a:extLst>
+          </a:blip>
+          <a:stretch>
+            <a:fillRect/>
+          </a:stretch>
+        </p:blipFill>
+        <p:spPr>
+          <a:xfrm>
+            <a:off x="3048" y="0"/>
+            <a:ext cx="12188952" cy="6858000"/>
+          </a:xfrm>
+          <a:prstGeom prst="rect">
+            <a:avLst/>
+          </a:prstGeom>
+        </p:spPr>
+      </p:pic>
+      <p:sp>
+        <p:nvSpPr>
+          <p:cNvPr id="6" name="TextBox 5">
+            <a:extLst>
+              <a:ext uri="{FF2B5EF4-FFF2-40B4-BE49-F238E27FC236}">
+                <a16:creationId xmlns:a16="http://schemas.microsoft.com/office/drawing/2014/main" id="{F5C12D09-08F6-4A17-B25F-43A9B8E607AE}"/>
+              </a:ext>
+            </a:extLst>
+          </p:cNvPr>
+          <p:cNvSpPr txBox="1"/>
+          <p:nvPr/>
+        </p:nvSpPr>
+        <p:spPr>
+          <a:xfrm>
+            <a:off x="963262" y="113141"/>
+            <a:ext cx="7912360" cy="830997"/>
+          </a:xfrm>
+          <a:prstGeom prst="rect">
+            <a:avLst/>
+          </a:prstGeom>
+          <a:noFill/>
+        </p:spPr>
+        <p:txBody>
+          <a:bodyPr wrap="square" rtlCol="0">
+            <a:spAutoFit/>
+          </a:bodyPr>
+          <a:lstStyle/>
+          <a:p>
+            <a:pPr algn="ctr"/>
+            <a:r>
+              <a:rPr lang="en-US" sz="4800" dirty="0">
+                <a:solidFill>
+                  <a:srgbClr val="000066"/>
+                </a:solidFill>
+              </a:rPr>
+              <a:t>Information Object</a:t>
+            </a:r>
+          </a:p>
+        </p:txBody>
+      </p:sp>
+      <p:sp>
+        <p:nvSpPr>
+          <p:cNvPr id="2" name="TextBox 1">
+            <a:extLst>
+              <a:ext uri="{FF2B5EF4-FFF2-40B4-BE49-F238E27FC236}">
+                <a16:creationId xmlns:a16="http://schemas.microsoft.com/office/drawing/2014/main" id="{C7B29E07-2E18-48DC-BA99-B320FADA6648}"/>
+              </a:ext>
+            </a:extLst>
+          </p:cNvPr>
+          <p:cNvSpPr txBox="1"/>
+          <p:nvPr/>
+        </p:nvSpPr>
+        <p:spPr>
+          <a:xfrm>
+            <a:off x="811763" y="1492898"/>
+            <a:ext cx="184731" cy="369332"/>
+          </a:xfrm>
+          <a:prstGeom prst="rect">
+            <a:avLst/>
+          </a:prstGeom>
+          <a:noFill/>
+        </p:spPr>
+        <p:txBody>
+          <a:bodyPr wrap="none" rtlCol="0">
+            <a:spAutoFit/>
+          </a:bodyPr>
+          <a:lstStyle/>
+          <a:p>
+            <a:endParaRPr lang="en-US" dirty="0"/>
+          </a:p>
+        </p:txBody>
+      </p:sp>
+      <p:sp>
+        <p:nvSpPr>
+          <p:cNvPr id="4" name="TextBox 3">
+            <a:extLst>
+              <a:ext uri="{FF2B5EF4-FFF2-40B4-BE49-F238E27FC236}">
+                <a16:creationId xmlns:a16="http://schemas.microsoft.com/office/drawing/2014/main" id="{715317C3-8E8E-4504-828F-EDDD52B054F0}"/>
+              </a:ext>
+            </a:extLst>
+          </p:cNvPr>
+          <p:cNvSpPr txBox="1"/>
+          <p:nvPr/>
+        </p:nvSpPr>
+        <p:spPr>
+          <a:xfrm>
+            <a:off x="340567" y="1131923"/>
+            <a:ext cx="9778482" cy="923330"/>
+          </a:xfrm>
+          <a:prstGeom prst="rect">
+            <a:avLst/>
+          </a:prstGeom>
+          <a:noFill/>
+        </p:spPr>
+        <p:txBody>
+          <a:bodyPr wrap="square" rtlCol="0">
+            <a:spAutoFit/>
+          </a:bodyPr>
+          <a:lstStyle/>
+          <a:p>
+            <a:r>
+              <a:rPr lang="en-US" b="0" i="0" dirty="0">
+                <a:solidFill>
+                  <a:srgbClr val="000000"/>
+                </a:solidFill>
+                <a:effectLst/>
+                <a:latin typeface="Helvetica" panose="020B0604020202020204" pitchFamily="34" charset="0"/>
+              </a:rPr>
+              <a:t>An Information Object Definition (IOD) is an object-oriented abstract data model used to specify information about Real-World Objects. An IOD provides communicating Application Entities with a common view of the information to be exchanged.</a:t>
+            </a:r>
+            <a:endParaRPr lang="en-US" dirty="0"/>
+          </a:p>
+        </p:txBody>
+      </p:sp>
+      <p:sp>
+        <p:nvSpPr>
+          <p:cNvPr id="7" name="Rectangle 6">
+            <a:extLst>
+              <a:ext uri="{FF2B5EF4-FFF2-40B4-BE49-F238E27FC236}">
+                <a16:creationId xmlns:a16="http://schemas.microsoft.com/office/drawing/2014/main" id="{CEC5526B-B91E-4E54-84C3-379441B0699A}"/>
+              </a:ext>
+            </a:extLst>
+          </p:cNvPr>
+          <p:cNvSpPr/>
+          <p:nvPr/>
+        </p:nvSpPr>
+        <p:spPr>
+          <a:xfrm>
+            <a:off x="811763" y="2831841"/>
+            <a:ext cx="1394927" cy="1586204"/>
+          </a:xfrm>
+          <a:prstGeom prst="rect">
+            <a:avLst/>
+          </a:prstGeom>
+        </p:spPr>
+        <p:style>
+          <a:lnRef idx="2">
+            <a:schemeClr val="accent1">
+              <a:shade val="50000"/>
+            </a:schemeClr>
+          </a:lnRef>
+          <a:fillRef idx="1">
+            <a:schemeClr val="accent1"/>
+          </a:fillRef>
+          <a:effectRef idx="0">
+            <a:schemeClr val="accent1"/>
+          </a:effectRef>
+          <a:fontRef idx="minor">
+            <a:schemeClr val="lt1"/>
+          </a:fontRef>
+        </p:style>
+        <p:txBody>
+          <a:bodyPr rtlCol="0" anchor="ctr"/>
+          <a:lstStyle/>
+          <a:p>
+            <a:pPr algn="ctr"/>
+            <a:r>
+              <a:rPr lang="en-US" dirty="0"/>
+              <a:t>US_EM</a:t>
+            </a:r>
+          </a:p>
+          <a:p>
+            <a:pPr algn="ctr"/>
+            <a:r>
+              <a:rPr lang="en-US" dirty="0"/>
+              <a:t>(SCU)</a:t>
+            </a:r>
+          </a:p>
+          <a:p>
+            <a:pPr algn="ctr"/>
+            <a:r>
+              <a:rPr lang="en-US" dirty="0"/>
+              <a:t>Ultrasound station </a:t>
+            </a:r>
+          </a:p>
+        </p:txBody>
+      </p:sp>
+      <p:sp>
+        <p:nvSpPr>
+          <p:cNvPr id="8" name="Rectangle 7">
+            <a:extLst>
+              <a:ext uri="{FF2B5EF4-FFF2-40B4-BE49-F238E27FC236}">
+                <a16:creationId xmlns:a16="http://schemas.microsoft.com/office/drawing/2014/main" id="{9C8C0B5A-44E3-44D9-84FF-7873C6670D05}"/>
+              </a:ext>
+            </a:extLst>
+          </p:cNvPr>
+          <p:cNvSpPr/>
+          <p:nvPr/>
+        </p:nvSpPr>
+        <p:spPr>
+          <a:xfrm>
+            <a:off x="6767804" y="2831841"/>
+            <a:ext cx="1394927" cy="1586204"/>
+          </a:xfrm>
+          <a:prstGeom prst="rect">
+            <a:avLst/>
+          </a:prstGeom>
+        </p:spPr>
+        <p:style>
+          <a:lnRef idx="2">
+            <a:schemeClr val="accent1">
+              <a:shade val="50000"/>
+            </a:schemeClr>
+          </a:lnRef>
+          <a:fillRef idx="1">
+            <a:schemeClr val="accent1"/>
+          </a:fillRef>
+          <a:effectRef idx="0">
+            <a:schemeClr val="accent1"/>
+          </a:effectRef>
+          <a:fontRef idx="minor">
+            <a:schemeClr val="lt1"/>
+          </a:fontRef>
+        </p:style>
+        <p:txBody>
+          <a:bodyPr rtlCol="0" anchor="ctr"/>
+          <a:lstStyle/>
+          <a:p>
+            <a:pPr algn="ctr"/>
+            <a:r>
+              <a:rPr lang="en-US" dirty="0"/>
+              <a:t>EA_VNA</a:t>
+            </a:r>
+          </a:p>
+          <a:p>
+            <a:pPr algn="ctr"/>
+            <a:r>
+              <a:rPr lang="en-US" dirty="0"/>
+              <a:t>(SCU)</a:t>
+            </a:r>
+          </a:p>
+          <a:p>
+            <a:pPr algn="ctr"/>
+            <a:r>
+              <a:rPr lang="en-US" dirty="0"/>
+              <a:t>Enterprise Archive</a:t>
+            </a:r>
+          </a:p>
+        </p:txBody>
+      </p:sp>
+      <p:cxnSp>
+        <p:nvCxnSpPr>
+          <p:cNvPr id="9" name="Straight Arrow Connector 8">
+            <a:extLst>
+              <a:ext uri="{FF2B5EF4-FFF2-40B4-BE49-F238E27FC236}">
+                <a16:creationId xmlns:a16="http://schemas.microsoft.com/office/drawing/2014/main" id="{933A4576-184E-46BA-81BD-BC41BEB59545}"/>
+              </a:ext>
+            </a:extLst>
+          </p:cNvPr>
+          <p:cNvCxnSpPr>
+            <a:stCxn id="7" idx="3"/>
+            <a:endCxn id="8" idx="1"/>
+          </p:cNvCxnSpPr>
+          <p:nvPr/>
+        </p:nvCxnSpPr>
+        <p:spPr>
+          <a:xfrm>
+            <a:off x="2206690" y="3624943"/>
+            <a:ext cx="4561114" cy="0"/>
+          </a:xfrm>
+          <a:prstGeom prst="straightConnector1">
+            <a:avLst/>
+          </a:prstGeom>
+          <a:ln>
+            <a:tailEnd type="triangle"/>
+          </a:ln>
+        </p:spPr>
+        <p:style>
+          <a:lnRef idx="1">
+            <a:schemeClr val="accent1"/>
+          </a:lnRef>
+          <a:fillRef idx="0">
+            <a:schemeClr val="accent1"/>
+          </a:fillRef>
+          <a:effectRef idx="0">
+            <a:schemeClr val="accent1"/>
+          </a:effectRef>
+          <a:fontRef idx="minor">
+            <a:schemeClr val="tx1"/>
+          </a:fontRef>
+        </p:style>
+      </p:cxnSp>
+      <p:sp>
+        <p:nvSpPr>
+          <p:cNvPr id="10" name="TextBox 9">
+            <a:extLst>
+              <a:ext uri="{FF2B5EF4-FFF2-40B4-BE49-F238E27FC236}">
+                <a16:creationId xmlns:a16="http://schemas.microsoft.com/office/drawing/2014/main" id="{2BD793C8-6DA7-43E7-9707-6A281E6B14B7}"/>
+              </a:ext>
+            </a:extLst>
+          </p:cNvPr>
+          <p:cNvSpPr txBox="1"/>
+          <p:nvPr/>
+        </p:nvSpPr>
+        <p:spPr>
+          <a:xfrm>
+            <a:off x="2488911" y="3512975"/>
+            <a:ext cx="3581430" cy="646331"/>
+          </a:xfrm>
+          <a:prstGeom prst="rect">
+            <a:avLst/>
+          </a:prstGeom>
+          <a:noFill/>
+        </p:spPr>
+        <p:txBody>
+          <a:bodyPr wrap="none" rtlCol="0">
+            <a:spAutoFit/>
+          </a:bodyPr>
+          <a:lstStyle/>
+          <a:p>
+            <a:r>
+              <a:rPr lang="en-US" dirty="0"/>
+              <a:t>Store Ultrasound Image</a:t>
+            </a:r>
+          </a:p>
+          <a:p>
+            <a:r>
+              <a:rPr lang="en-US" dirty="0"/>
+              <a:t>(class: </a:t>
+            </a:r>
+            <a:r>
+              <a:rPr lang="en-US" b="0" i="0" dirty="0">
+                <a:solidFill>
+                  <a:srgbClr val="000000"/>
+                </a:solidFill>
+                <a:effectLst/>
+                <a:latin typeface="Helvetica" panose="020B0604020202020204" pitchFamily="34" charset="0"/>
+              </a:rPr>
+              <a:t>Ultrasound Image Storage)</a:t>
+            </a:r>
+            <a:endParaRPr lang="en-US" dirty="0"/>
+          </a:p>
+        </p:txBody>
+      </p:sp>
+    </p:spTree>
+    <p:extLst>
+      <p:ext uri="{BB962C8B-B14F-4D97-AF65-F5344CB8AC3E}">
+        <p14:creationId xmlns:p14="http://schemas.microsoft.com/office/powerpoint/2010/main" val="1885084300"/>
+      </p:ext>
+    </p:extLst>
+  </p:cSld>
+  <p:clrMapOvr>
+    <a:masterClrMapping/>
+  </p:clrMapOvr>
+</p:sld>
+</file>
+
+<file path=ppt/slides/slide12.xml><?xml version="1.0" encoding="utf-8"?>
 <p:sld xmlns:a="http://schemas.openxmlformats.org/drawingml/2006/main" xmlns:r="http://schemas.openxmlformats.org/officeDocument/2006/relationships" xmlns:p="http://schemas.openxmlformats.org/presentationml/2006/main">
   <p:cSld>
     <p:spTree>
@@ -19469,777 +19990,6 @@
           <a:p>
             <a:pPr algn="ctr"/>
             <a:r>
-              <a:rPr lang="en-US" sz="4800" dirty="0">
-                <a:solidFill>
-                  <a:srgbClr val="000066"/>
-                </a:solidFill>
-              </a:rPr>
-              <a:t>DICOM Services</a:t>
-            </a:r>
-          </a:p>
-        </p:txBody>
-      </p:sp>
-      <p:sp>
-        <p:nvSpPr>
-          <p:cNvPr id="2" name="Rectangle 1">
-            <a:extLst>
-              <a:ext uri="{FF2B5EF4-FFF2-40B4-BE49-F238E27FC236}">
-                <a16:creationId xmlns:a16="http://schemas.microsoft.com/office/drawing/2014/main" id="{706D2C4B-57C9-403C-B0EE-34D85527A4C3}"/>
-              </a:ext>
-            </a:extLst>
-          </p:cNvPr>
-          <p:cNvSpPr/>
-          <p:nvPr/>
-        </p:nvSpPr>
-        <p:spPr>
-          <a:xfrm>
-            <a:off x="793102" y="1898780"/>
-            <a:ext cx="1394927" cy="1586204"/>
-          </a:xfrm>
-          <a:prstGeom prst="rect">
-            <a:avLst/>
-          </a:prstGeom>
-        </p:spPr>
-        <p:style>
-          <a:lnRef idx="2">
-            <a:schemeClr val="accent1">
-              <a:shade val="50000"/>
-            </a:schemeClr>
-          </a:lnRef>
-          <a:fillRef idx="1">
-            <a:schemeClr val="accent1"/>
-          </a:fillRef>
-          <a:effectRef idx="0">
-            <a:schemeClr val="accent1"/>
-          </a:effectRef>
-          <a:fontRef idx="minor">
-            <a:schemeClr val="lt1"/>
-          </a:fontRef>
-        </p:style>
-        <p:txBody>
-          <a:bodyPr rtlCol="0" anchor="ctr"/>
-          <a:lstStyle/>
-          <a:p>
-            <a:pPr algn="ctr"/>
-            <a:r>
-              <a:rPr lang="en-US" dirty="0"/>
-              <a:t>US_EM</a:t>
-            </a:r>
-          </a:p>
-          <a:p>
-            <a:pPr algn="ctr"/>
-            <a:r>
-              <a:rPr lang="en-US" dirty="0"/>
-              <a:t>(SCU)</a:t>
-            </a:r>
-          </a:p>
-          <a:p>
-            <a:pPr algn="ctr"/>
-            <a:r>
-              <a:rPr lang="en-US" dirty="0"/>
-              <a:t>Ultrasound station </a:t>
-            </a:r>
-          </a:p>
-        </p:txBody>
-      </p:sp>
-      <p:sp>
-        <p:nvSpPr>
-          <p:cNvPr id="7" name="Rectangle 6">
-            <a:extLst>
-              <a:ext uri="{FF2B5EF4-FFF2-40B4-BE49-F238E27FC236}">
-                <a16:creationId xmlns:a16="http://schemas.microsoft.com/office/drawing/2014/main" id="{AFA9C38E-35AB-492B-8C7F-112A20A11CEC}"/>
-              </a:ext>
-            </a:extLst>
-          </p:cNvPr>
-          <p:cNvSpPr/>
-          <p:nvPr/>
-        </p:nvSpPr>
-        <p:spPr>
-          <a:xfrm>
-            <a:off x="6749143" y="1898780"/>
-            <a:ext cx="1394927" cy="1586204"/>
-          </a:xfrm>
-          <a:prstGeom prst="rect">
-            <a:avLst/>
-          </a:prstGeom>
-        </p:spPr>
-        <p:style>
-          <a:lnRef idx="2">
-            <a:schemeClr val="accent1">
-              <a:shade val="50000"/>
-            </a:schemeClr>
-          </a:lnRef>
-          <a:fillRef idx="1">
-            <a:schemeClr val="accent1"/>
-          </a:fillRef>
-          <a:effectRef idx="0">
-            <a:schemeClr val="accent1"/>
-          </a:effectRef>
-          <a:fontRef idx="minor">
-            <a:schemeClr val="lt1"/>
-          </a:fontRef>
-        </p:style>
-        <p:txBody>
-          <a:bodyPr rtlCol="0" anchor="ctr"/>
-          <a:lstStyle/>
-          <a:p>
-            <a:pPr algn="ctr"/>
-            <a:r>
-              <a:rPr lang="en-US" dirty="0"/>
-              <a:t>EA_VNA</a:t>
-            </a:r>
-          </a:p>
-          <a:p>
-            <a:pPr algn="ctr"/>
-            <a:r>
-              <a:rPr lang="en-US" dirty="0"/>
-              <a:t>(SCP)</a:t>
-            </a:r>
-          </a:p>
-          <a:p>
-            <a:pPr algn="ctr"/>
-            <a:r>
-              <a:rPr lang="en-US" dirty="0"/>
-              <a:t>Enterprise Archive</a:t>
-            </a:r>
-          </a:p>
-        </p:txBody>
-      </p:sp>
-      <p:cxnSp>
-        <p:nvCxnSpPr>
-          <p:cNvPr id="4" name="Straight Arrow Connector 3">
-            <a:extLst>
-              <a:ext uri="{FF2B5EF4-FFF2-40B4-BE49-F238E27FC236}">
-                <a16:creationId xmlns:a16="http://schemas.microsoft.com/office/drawing/2014/main" id="{4434D687-4DAF-4817-BD4B-1A3D6EF09883}"/>
-              </a:ext>
-            </a:extLst>
-          </p:cNvPr>
-          <p:cNvCxnSpPr>
-            <a:stCxn id="2" idx="3"/>
-            <a:endCxn id="7" idx="1"/>
-          </p:cNvCxnSpPr>
-          <p:nvPr/>
-        </p:nvCxnSpPr>
-        <p:spPr>
-          <a:xfrm>
-            <a:off x="2188029" y="2691882"/>
-            <a:ext cx="4561114" cy="0"/>
-          </a:xfrm>
-          <a:prstGeom prst="straightConnector1">
-            <a:avLst/>
-          </a:prstGeom>
-          <a:ln>
-            <a:tailEnd type="triangle"/>
-          </a:ln>
-        </p:spPr>
-        <p:style>
-          <a:lnRef idx="1">
-            <a:schemeClr val="accent1"/>
-          </a:lnRef>
-          <a:fillRef idx="0">
-            <a:schemeClr val="accent1"/>
-          </a:fillRef>
-          <a:effectRef idx="0">
-            <a:schemeClr val="accent1"/>
-          </a:effectRef>
-          <a:fontRef idx="minor">
-            <a:schemeClr val="tx1"/>
-          </a:fontRef>
-        </p:style>
-      </p:cxnSp>
-      <p:sp>
-        <p:nvSpPr>
-          <p:cNvPr id="8" name="TextBox 7">
-            <a:extLst>
-              <a:ext uri="{FF2B5EF4-FFF2-40B4-BE49-F238E27FC236}">
-                <a16:creationId xmlns:a16="http://schemas.microsoft.com/office/drawing/2014/main" id="{38929C98-E7F5-4BF1-8171-E7ECBFF1E11D}"/>
-              </a:ext>
-            </a:extLst>
-          </p:cNvPr>
-          <p:cNvSpPr txBox="1"/>
-          <p:nvPr/>
-        </p:nvSpPr>
-        <p:spPr>
-          <a:xfrm>
-            <a:off x="2470250" y="2579914"/>
-            <a:ext cx="4292072" cy="646331"/>
-          </a:xfrm>
-          <a:prstGeom prst="rect">
-            <a:avLst/>
-          </a:prstGeom>
-          <a:noFill/>
-        </p:spPr>
-        <p:txBody>
-          <a:bodyPr wrap="none" rtlCol="0">
-            <a:spAutoFit/>
-          </a:bodyPr>
-          <a:lstStyle/>
-          <a:p>
-            <a:r>
-              <a:rPr lang="en-US" dirty="0"/>
-              <a:t>Store Ultrasound Image</a:t>
-            </a:r>
-          </a:p>
-          <a:p>
-            <a:r>
-              <a:rPr lang="en-US" dirty="0"/>
-              <a:t>(service class: </a:t>
-            </a:r>
-            <a:r>
-              <a:rPr lang="en-US" b="0" i="0" dirty="0">
-                <a:solidFill>
-                  <a:srgbClr val="000000"/>
-                </a:solidFill>
-                <a:effectLst/>
-                <a:latin typeface="Helvetica" panose="020B0604020202020204" pitchFamily="34" charset="0"/>
-              </a:rPr>
-              <a:t>Ultrasound Image Storage)</a:t>
-            </a:r>
-            <a:endParaRPr lang="en-US" dirty="0"/>
-          </a:p>
-        </p:txBody>
-      </p:sp>
-      <p:sp>
-        <p:nvSpPr>
-          <p:cNvPr id="9" name="TextBox 8">
-            <a:extLst>
-              <a:ext uri="{FF2B5EF4-FFF2-40B4-BE49-F238E27FC236}">
-                <a16:creationId xmlns:a16="http://schemas.microsoft.com/office/drawing/2014/main" id="{9715E797-ECB3-4D70-AE80-C3AD68E4212B}"/>
-              </a:ext>
-            </a:extLst>
-          </p:cNvPr>
-          <p:cNvSpPr txBox="1"/>
-          <p:nvPr/>
-        </p:nvSpPr>
-        <p:spPr>
-          <a:xfrm>
-            <a:off x="793102" y="4226767"/>
-            <a:ext cx="8136294" cy="369332"/>
-          </a:xfrm>
-          <a:prstGeom prst="rect">
-            <a:avLst/>
-          </a:prstGeom>
-          <a:noFill/>
-        </p:spPr>
-        <p:txBody>
-          <a:bodyPr wrap="square" rtlCol="0">
-            <a:spAutoFit/>
-          </a:bodyPr>
-          <a:lstStyle/>
-          <a:p>
-            <a:r>
-              <a:rPr lang="en-US" dirty="0"/>
-              <a:t>List of SOP classes: </a:t>
-            </a:r>
-            <a:r>
-              <a:rPr lang="en-US" dirty="0">
-                <a:hlinkClick r:id="rId4"/>
-              </a:rPr>
-              <a:t>B.5 Standard SOP Classes (nema.org)</a:t>
-            </a:r>
-            <a:r>
-              <a:rPr lang="en-US" dirty="0"/>
-              <a:t> </a:t>
-            </a:r>
-          </a:p>
-        </p:txBody>
-      </p:sp>
-    </p:spTree>
-    <p:extLst>
-      <p:ext uri="{BB962C8B-B14F-4D97-AF65-F5344CB8AC3E}">
-        <p14:creationId xmlns:p14="http://schemas.microsoft.com/office/powerpoint/2010/main" val="2551780617"/>
-      </p:ext>
-    </p:extLst>
-  </p:cSld>
-  <p:clrMapOvr>
-    <a:masterClrMapping/>
-  </p:clrMapOvr>
-</p:sld>
-</file>
-
-<file path=ppt/slides/slide12.xml><?xml version="1.0" encoding="utf-8"?>
-<p:sld xmlns:a="http://schemas.openxmlformats.org/drawingml/2006/main" xmlns:r="http://schemas.openxmlformats.org/officeDocument/2006/relationships" xmlns:p="http://schemas.openxmlformats.org/presentationml/2006/main">
-  <p:cSld>
-    <p:spTree>
-      <p:nvGrpSpPr>
-        <p:cNvPr id="1" name=""/>
-        <p:cNvGrpSpPr/>
-        <p:nvPr/>
-      </p:nvGrpSpPr>
-      <p:grpSpPr>
-        <a:xfrm>
-          <a:off x="0" y="0"/>
-          <a:ext cx="0" cy="0"/>
-          <a:chOff x="0" y="0"/>
-          <a:chExt cx="0" cy="0"/>
-        </a:xfrm>
-      </p:grpSpPr>
-      <p:pic>
-        <p:nvPicPr>
-          <p:cNvPr id="5" name="Picture 4" descr="A close up of a mans face&#10;&#10;Description generated with high confidence">
-            <a:extLst>
-              <a:ext uri="{FF2B5EF4-FFF2-40B4-BE49-F238E27FC236}">
-                <a16:creationId xmlns:a16="http://schemas.microsoft.com/office/drawing/2014/main" id="{9C7AB213-0D7F-4A73-9919-4DF65C8E04AB}"/>
-              </a:ext>
-            </a:extLst>
-          </p:cNvPr>
-          <p:cNvPicPr>
-            <a:picLocks noChangeAspect="1"/>
-          </p:cNvPicPr>
-          <p:nvPr/>
-        </p:nvPicPr>
-        <p:blipFill>
-          <a:blip r:embed="rId3">
-            <a:extLst>
-              <a:ext uri="{28A0092B-C50C-407E-A947-70E740481C1C}">
-                <a14:useLocalDpi xmlns:a14="http://schemas.microsoft.com/office/drawing/2010/main" val="0"/>
-              </a:ext>
-            </a:extLst>
-          </a:blip>
-          <a:stretch>
-            <a:fillRect/>
-          </a:stretch>
-        </p:blipFill>
-        <p:spPr>
-          <a:xfrm>
-            <a:off x="3048" y="0"/>
-            <a:ext cx="12188952" cy="6858000"/>
-          </a:xfrm>
-          <a:prstGeom prst="rect">
-            <a:avLst/>
-          </a:prstGeom>
-        </p:spPr>
-      </p:pic>
-      <p:sp>
-        <p:nvSpPr>
-          <p:cNvPr id="6" name="TextBox 5">
-            <a:extLst>
-              <a:ext uri="{FF2B5EF4-FFF2-40B4-BE49-F238E27FC236}">
-                <a16:creationId xmlns:a16="http://schemas.microsoft.com/office/drawing/2014/main" id="{F5C12D09-08F6-4A17-B25F-43A9B8E607AE}"/>
-              </a:ext>
-            </a:extLst>
-          </p:cNvPr>
-          <p:cNvSpPr txBox="1"/>
-          <p:nvPr/>
-        </p:nvSpPr>
-        <p:spPr>
-          <a:xfrm>
-            <a:off x="963262" y="113141"/>
-            <a:ext cx="7912360" cy="830997"/>
-          </a:xfrm>
-          <a:prstGeom prst="rect">
-            <a:avLst/>
-          </a:prstGeom>
-          <a:noFill/>
-        </p:spPr>
-        <p:txBody>
-          <a:bodyPr wrap="square" rtlCol="0">
-            <a:spAutoFit/>
-          </a:bodyPr>
-          <a:lstStyle/>
-          <a:p>
-            <a:pPr algn="ctr"/>
-            <a:r>
-              <a:rPr lang="en-US" sz="4800" dirty="0">
-                <a:solidFill>
-                  <a:srgbClr val="000066"/>
-                </a:solidFill>
-              </a:rPr>
-              <a:t>Information Object</a:t>
-            </a:r>
-          </a:p>
-        </p:txBody>
-      </p:sp>
-      <p:sp>
-        <p:nvSpPr>
-          <p:cNvPr id="2" name="TextBox 1">
-            <a:extLst>
-              <a:ext uri="{FF2B5EF4-FFF2-40B4-BE49-F238E27FC236}">
-                <a16:creationId xmlns:a16="http://schemas.microsoft.com/office/drawing/2014/main" id="{C7B29E07-2E18-48DC-BA99-B320FADA6648}"/>
-              </a:ext>
-            </a:extLst>
-          </p:cNvPr>
-          <p:cNvSpPr txBox="1"/>
-          <p:nvPr/>
-        </p:nvSpPr>
-        <p:spPr>
-          <a:xfrm>
-            <a:off x="811763" y="1492898"/>
-            <a:ext cx="184731" cy="369332"/>
-          </a:xfrm>
-          <a:prstGeom prst="rect">
-            <a:avLst/>
-          </a:prstGeom>
-          <a:noFill/>
-        </p:spPr>
-        <p:txBody>
-          <a:bodyPr wrap="none" rtlCol="0">
-            <a:spAutoFit/>
-          </a:bodyPr>
-          <a:lstStyle/>
-          <a:p>
-            <a:endParaRPr lang="en-US" dirty="0"/>
-          </a:p>
-        </p:txBody>
-      </p:sp>
-      <p:sp>
-        <p:nvSpPr>
-          <p:cNvPr id="4" name="TextBox 3">
-            <a:extLst>
-              <a:ext uri="{FF2B5EF4-FFF2-40B4-BE49-F238E27FC236}">
-                <a16:creationId xmlns:a16="http://schemas.microsoft.com/office/drawing/2014/main" id="{715317C3-8E8E-4504-828F-EDDD52B054F0}"/>
-              </a:ext>
-            </a:extLst>
-          </p:cNvPr>
-          <p:cNvSpPr txBox="1"/>
-          <p:nvPr/>
-        </p:nvSpPr>
-        <p:spPr>
-          <a:xfrm>
-            <a:off x="340567" y="1131923"/>
-            <a:ext cx="9778482" cy="923330"/>
-          </a:xfrm>
-          <a:prstGeom prst="rect">
-            <a:avLst/>
-          </a:prstGeom>
-          <a:noFill/>
-        </p:spPr>
-        <p:txBody>
-          <a:bodyPr wrap="square" rtlCol="0">
-            <a:spAutoFit/>
-          </a:bodyPr>
-          <a:lstStyle/>
-          <a:p>
-            <a:r>
-              <a:rPr lang="en-US" b="0" i="0" dirty="0">
-                <a:solidFill>
-                  <a:srgbClr val="000000"/>
-                </a:solidFill>
-                <a:effectLst/>
-                <a:latin typeface="Helvetica" panose="020B0604020202020204" pitchFamily="34" charset="0"/>
-              </a:rPr>
-              <a:t>An Information Object Definition (IOD) is an object-oriented abstract data model used to specify information about Real-World Objects. An IOD provides communicating Application Entities with a common view of the information to be exchanged.</a:t>
-            </a:r>
-            <a:endParaRPr lang="en-US" dirty="0"/>
-          </a:p>
-        </p:txBody>
-      </p:sp>
-      <p:sp>
-        <p:nvSpPr>
-          <p:cNvPr id="7" name="Rectangle 6">
-            <a:extLst>
-              <a:ext uri="{FF2B5EF4-FFF2-40B4-BE49-F238E27FC236}">
-                <a16:creationId xmlns:a16="http://schemas.microsoft.com/office/drawing/2014/main" id="{CEC5526B-B91E-4E54-84C3-379441B0699A}"/>
-              </a:ext>
-            </a:extLst>
-          </p:cNvPr>
-          <p:cNvSpPr/>
-          <p:nvPr/>
-        </p:nvSpPr>
-        <p:spPr>
-          <a:xfrm>
-            <a:off x="811763" y="2831841"/>
-            <a:ext cx="1394927" cy="1586204"/>
-          </a:xfrm>
-          <a:prstGeom prst="rect">
-            <a:avLst/>
-          </a:prstGeom>
-        </p:spPr>
-        <p:style>
-          <a:lnRef idx="2">
-            <a:schemeClr val="accent1">
-              <a:shade val="50000"/>
-            </a:schemeClr>
-          </a:lnRef>
-          <a:fillRef idx="1">
-            <a:schemeClr val="accent1"/>
-          </a:fillRef>
-          <a:effectRef idx="0">
-            <a:schemeClr val="accent1"/>
-          </a:effectRef>
-          <a:fontRef idx="minor">
-            <a:schemeClr val="lt1"/>
-          </a:fontRef>
-        </p:style>
-        <p:txBody>
-          <a:bodyPr rtlCol="0" anchor="ctr"/>
-          <a:lstStyle/>
-          <a:p>
-            <a:pPr algn="ctr"/>
-            <a:r>
-              <a:rPr lang="en-US" dirty="0"/>
-              <a:t>US_EM</a:t>
-            </a:r>
-          </a:p>
-          <a:p>
-            <a:pPr algn="ctr"/>
-            <a:r>
-              <a:rPr lang="en-US" dirty="0"/>
-              <a:t>(SCU)</a:t>
-            </a:r>
-          </a:p>
-          <a:p>
-            <a:pPr algn="ctr"/>
-            <a:r>
-              <a:rPr lang="en-US" dirty="0"/>
-              <a:t>Ultrasound station </a:t>
-            </a:r>
-          </a:p>
-        </p:txBody>
-      </p:sp>
-      <p:sp>
-        <p:nvSpPr>
-          <p:cNvPr id="8" name="Rectangle 7">
-            <a:extLst>
-              <a:ext uri="{FF2B5EF4-FFF2-40B4-BE49-F238E27FC236}">
-                <a16:creationId xmlns:a16="http://schemas.microsoft.com/office/drawing/2014/main" id="{9C8C0B5A-44E3-44D9-84FF-7873C6670D05}"/>
-              </a:ext>
-            </a:extLst>
-          </p:cNvPr>
-          <p:cNvSpPr/>
-          <p:nvPr/>
-        </p:nvSpPr>
-        <p:spPr>
-          <a:xfrm>
-            <a:off x="6767804" y="2831841"/>
-            <a:ext cx="1394927" cy="1586204"/>
-          </a:xfrm>
-          <a:prstGeom prst="rect">
-            <a:avLst/>
-          </a:prstGeom>
-        </p:spPr>
-        <p:style>
-          <a:lnRef idx="2">
-            <a:schemeClr val="accent1">
-              <a:shade val="50000"/>
-            </a:schemeClr>
-          </a:lnRef>
-          <a:fillRef idx="1">
-            <a:schemeClr val="accent1"/>
-          </a:fillRef>
-          <a:effectRef idx="0">
-            <a:schemeClr val="accent1"/>
-          </a:effectRef>
-          <a:fontRef idx="minor">
-            <a:schemeClr val="lt1"/>
-          </a:fontRef>
-        </p:style>
-        <p:txBody>
-          <a:bodyPr rtlCol="0" anchor="ctr"/>
-          <a:lstStyle/>
-          <a:p>
-            <a:pPr algn="ctr"/>
-            <a:r>
-              <a:rPr lang="en-US" dirty="0"/>
-              <a:t>EA_VNA</a:t>
-            </a:r>
-          </a:p>
-          <a:p>
-            <a:pPr algn="ctr"/>
-            <a:r>
-              <a:rPr lang="en-US" dirty="0"/>
-              <a:t>(SCU)</a:t>
-            </a:r>
-          </a:p>
-          <a:p>
-            <a:pPr algn="ctr"/>
-            <a:r>
-              <a:rPr lang="en-US" dirty="0"/>
-              <a:t>Enterprise Archive</a:t>
-            </a:r>
-          </a:p>
-        </p:txBody>
-      </p:sp>
-      <p:cxnSp>
-        <p:nvCxnSpPr>
-          <p:cNvPr id="9" name="Straight Arrow Connector 8">
-            <a:extLst>
-              <a:ext uri="{FF2B5EF4-FFF2-40B4-BE49-F238E27FC236}">
-                <a16:creationId xmlns:a16="http://schemas.microsoft.com/office/drawing/2014/main" id="{933A4576-184E-46BA-81BD-BC41BEB59545}"/>
-              </a:ext>
-            </a:extLst>
-          </p:cNvPr>
-          <p:cNvCxnSpPr>
-            <a:stCxn id="7" idx="3"/>
-            <a:endCxn id="8" idx="1"/>
-          </p:cNvCxnSpPr>
-          <p:nvPr/>
-        </p:nvCxnSpPr>
-        <p:spPr>
-          <a:xfrm>
-            <a:off x="2206690" y="3624943"/>
-            <a:ext cx="4561114" cy="0"/>
-          </a:xfrm>
-          <a:prstGeom prst="straightConnector1">
-            <a:avLst/>
-          </a:prstGeom>
-          <a:ln>
-            <a:tailEnd type="triangle"/>
-          </a:ln>
-        </p:spPr>
-        <p:style>
-          <a:lnRef idx="1">
-            <a:schemeClr val="accent1"/>
-          </a:lnRef>
-          <a:fillRef idx="0">
-            <a:schemeClr val="accent1"/>
-          </a:fillRef>
-          <a:effectRef idx="0">
-            <a:schemeClr val="accent1"/>
-          </a:effectRef>
-          <a:fontRef idx="minor">
-            <a:schemeClr val="tx1"/>
-          </a:fontRef>
-        </p:style>
-      </p:cxnSp>
-      <p:sp>
-        <p:nvSpPr>
-          <p:cNvPr id="10" name="TextBox 9">
-            <a:extLst>
-              <a:ext uri="{FF2B5EF4-FFF2-40B4-BE49-F238E27FC236}">
-                <a16:creationId xmlns:a16="http://schemas.microsoft.com/office/drawing/2014/main" id="{2BD793C8-6DA7-43E7-9707-6A281E6B14B7}"/>
-              </a:ext>
-            </a:extLst>
-          </p:cNvPr>
-          <p:cNvSpPr txBox="1"/>
-          <p:nvPr/>
-        </p:nvSpPr>
-        <p:spPr>
-          <a:xfrm>
-            <a:off x="2488911" y="3512975"/>
-            <a:ext cx="3581430" cy="646331"/>
-          </a:xfrm>
-          <a:prstGeom prst="rect">
-            <a:avLst/>
-          </a:prstGeom>
-          <a:noFill/>
-        </p:spPr>
-        <p:txBody>
-          <a:bodyPr wrap="none" rtlCol="0">
-            <a:spAutoFit/>
-          </a:bodyPr>
-          <a:lstStyle/>
-          <a:p>
-            <a:r>
-              <a:rPr lang="en-US" dirty="0"/>
-              <a:t>Store Ultrasound Image</a:t>
-            </a:r>
-          </a:p>
-          <a:p>
-            <a:r>
-              <a:rPr lang="en-US" dirty="0"/>
-              <a:t>(class: </a:t>
-            </a:r>
-            <a:r>
-              <a:rPr lang="en-US" b="0" i="0" dirty="0">
-                <a:solidFill>
-                  <a:srgbClr val="000000"/>
-                </a:solidFill>
-                <a:effectLst/>
-                <a:latin typeface="Helvetica" panose="020B0604020202020204" pitchFamily="34" charset="0"/>
-              </a:rPr>
-              <a:t>Ultrasound Image Storage)</a:t>
-            </a:r>
-            <a:endParaRPr lang="en-US" dirty="0"/>
-          </a:p>
-        </p:txBody>
-      </p:sp>
-    </p:spTree>
-    <p:extLst>
-      <p:ext uri="{BB962C8B-B14F-4D97-AF65-F5344CB8AC3E}">
-        <p14:creationId xmlns:p14="http://schemas.microsoft.com/office/powerpoint/2010/main" val="1885084300"/>
-      </p:ext>
-    </p:extLst>
-  </p:cSld>
-  <p:clrMapOvr>
-    <a:masterClrMapping/>
-  </p:clrMapOvr>
-</p:sld>
-</file>
-
-<file path=ppt/slides/slide13.xml><?xml version="1.0" encoding="utf-8"?>
-<p:sld xmlns:a="http://schemas.openxmlformats.org/drawingml/2006/main" xmlns:r="http://schemas.openxmlformats.org/officeDocument/2006/relationships" xmlns:p="http://schemas.openxmlformats.org/presentationml/2006/main">
-  <p:cSld>
-    <p:spTree>
-      <p:nvGrpSpPr>
-        <p:cNvPr id="1" name=""/>
-        <p:cNvGrpSpPr/>
-        <p:nvPr/>
-      </p:nvGrpSpPr>
-      <p:grpSpPr>
-        <a:xfrm>
-          <a:off x="0" y="0"/>
-          <a:ext cx="0" cy="0"/>
-          <a:chOff x="0" y="0"/>
-          <a:chExt cx="0" cy="0"/>
-        </a:xfrm>
-      </p:grpSpPr>
-      <p:pic>
-        <p:nvPicPr>
-          <p:cNvPr id="5" name="Picture 4" descr="A close up of a mans face&#10;&#10;Description generated with high confidence">
-            <a:extLst>
-              <a:ext uri="{FF2B5EF4-FFF2-40B4-BE49-F238E27FC236}">
-                <a16:creationId xmlns:a16="http://schemas.microsoft.com/office/drawing/2014/main" id="{9C7AB213-0D7F-4A73-9919-4DF65C8E04AB}"/>
-              </a:ext>
-            </a:extLst>
-          </p:cNvPr>
-          <p:cNvPicPr>
-            <a:picLocks noChangeAspect="1"/>
-          </p:cNvPicPr>
-          <p:nvPr/>
-        </p:nvPicPr>
-        <p:blipFill>
-          <a:blip r:embed="rId3">
-            <a:extLst>
-              <a:ext uri="{28A0092B-C50C-407E-A947-70E740481C1C}">
-                <a14:useLocalDpi xmlns:a14="http://schemas.microsoft.com/office/drawing/2010/main" val="0"/>
-              </a:ext>
-            </a:extLst>
-          </a:blip>
-          <a:stretch>
-            <a:fillRect/>
-          </a:stretch>
-        </p:blipFill>
-        <p:spPr>
-          <a:xfrm>
-            <a:off x="3048" y="0"/>
-            <a:ext cx="12188952" cy="6858000"/>
-          </a:xfrm>
-          <a:prstGeom prst="rect">
-            <a:avLst/>
-          </a:prstGeom>
-        </p:spPr>
-      </p:pic>
-      <p:sp>
-        <p:nvSpPr>
-          <p:cNvPr id="6" name="TextBox 5">
-            <a:extLst>
-              <a:ext uri="{FF2B5EF4-FFF2-40B4-BE49-F238E27FC236}">
-                <a16:creationId xmlns:a16="http://schemas.microsoft.com/office/drawing/2014/main" id="{F5C12D09-08F6-4A17-B25F-43A9B8E607AE}"/>
-              </a:ext>
-            </a:extLst>
-          </p:cNvPr>
-          <p:cNvSpPr txBox="1"/>
-          <p:nvPr/>
-        </p:nvSpPr>
-        <p:spPr>
-          <a:xfrm>
-            <a:off x="977258" y="150463"/>
-            <a:ext cx="7912360" cy="830997"/>
-          </a:xfrm>
-          <a:prstGeom prst="rect">
-            <a:avLst/>
-          </a:prstGeom>
-          <a:noFill/>
-        </p:spPr>
-        <p:txBody>
-          <a:bodyPr wrap="square" rtlCol="0">
-            <a:spAutoFit/>
-          </a:bodyPr>
-          <a:lstStyle/>
-          <a:p>
-            <a:pPr algn="ctr"/>
-            <a:r>
               <a:rPr lang="en-US" sz="4800">
                 <a:solidFill>
                   <a:srgbClr val="000066"/>
@@ -20361,996 +20111,7 @@
 </p:sld>
 </file>
 
-<file path=ppt/slides/slide14.xml><?xml version="1.0" encoding="utf-8"?>
-<p:sld xmlns:a="http://schemas.openxmlformats.org/drawingml/2006/main" xmlns:r="http://schemas.openxmlformats.org/officeDocument/2006/relationships" xmlns:p="http://schemas.openxmlformats.org/presentationml/2006/main">
-  <p:cSld>
-    <p:spTree>
-      <p:nvGrpSpPr>
-        <p:cNvPr id="1" name=""/>
-        <p:cNvGrpSpPr/>
-        <p:nvPr/>
-      </p:nvGrpSpPr>
-      <p:grpSpPr>
-        <a:xfrm>
-          <a:off x="0" y="0"/>
-          <a:ext cx="0" cy="0"/>
-          <a:chOff x="0" y="0"/>
-          <a:chExt cx="0" cy="0"/>
-        </a:xfrm>
-      </p:grpSpPr>
-      <p:pic>
-        <p:nvPicPr>
-          <p:cNvPr id="5" name="Picture 4" descr="A close up of a mans face&#10;&#10;Description generated with high confidence">
-            <a:extLst>
-              <a:ext uri="{FF2B5EF4-FFF2-40B4-BE49-F238E27FC236}">
-                <a16:creationId xmlns:a16="http://schemas.microsoft.com/office/drawing/2014/main" id="{9C7AB213-0D7F-4A73-9919-4DF65C8E04AB}"/>
-              </a:ext>
-            </a:extLst>
-          </p:cNvPr>
-          <p:cNvPicPr>
-            <a:picLocks noChangeAspect="1"/>
-          </p:cNvPicPr>
-          <p:nvPr/>
-        </p:nvPicPr>
-        <p:blipFill>
-          <a:blip r:embed="rId3">
-            <a:extLst>
-              <a:ext uri="{28A0092B-C50C-407E-A947-70E740481C1C}">
-                <a14:useLocalDpi xmlns:a14="http://schemas.microsoft.com/office/drawing/2010/main" val="0"/>
-              </a:ext>
-            </a:extLst>
-          </a:blip>
-          <a:stretch>
-            <a:fillRect/>
-          </a:stretch>
-        </p:blipFill>
-        <p:spPr>
-          <a:xfrm>
-            <a:off x="3048" y="0"/>
-            <a:ext cx="12188952" cy="6858000"/>
-          </a:xfrm>
-          <a:prstGeom prst="rect">
-            <a:avLst/>
-          </a:prstGeom>
-        </p:spPr>
-      </p:pic>
-      <p:sp>
-        <p:nvSpPr>
-          <p:cNvPr id="6" name="TextBox 5">
-            <a:extLst>
-              <a:ext uri="{FF2B5EF4-FFF2-40B4-BE49-F238E27FC236}">
-                <a16:creationId xmlns:a16="http://schemas.microsoft.com/office/drawing/2014/main" id="{F5C12D09-08F6-4A17-B25F-43A9B8E607AE}"/>
-              </a:ext>
-            </a:extLst>
-          </p:cNvPr>
-          <p:cNvSpPr txBox="1"/>
-          <p:nvPr/>
-        </p:nvSpPr>
-        <p:spPr>
-          <a:xfrm>
-            <a:off x="977258" y="113140"/>
-            <a:ext cx="7912360" cy="830997"/>
-          </a:xfrm>
-          <a:prstGeom prst="rect">
-            <a:avLst/>
-          </a:prstGeom>
-          <a:noFill/>
-        </p:spPr>
-        <p:txBody>
-          <a:bodyPr wrap="square" rtlCol="0">
-            <a:spAutoFit/>
-          </a:bodyPr>
-          <a:lstStyle/>
-          <a:p>
-            <a:pPr algn="ctr"/>
-            <a:r>
-              <a:rPr lang="en-US" sz="4800" dirty="0">
-                <a:solidFill>
-                  <a:srgbClr val="000066"/>
-                </a:solidFill>
-              </a:rPr>
-              <a:t>Informational Objects</a:t>
-            </a:r>
-          </a:p>
-        </p:txBody>
-      </p:sp>
-      <p:sp>
-        <p:nvSpPr>
-          <p:cNvPr id="4" name="TextBox 3">
-            <a:extLst>
-              <a:ext uri="{FF2B5EF4-FFF2-40B4-BE49-F238E27FC236}">
-                <a16:creationId xmlns:a16="http://schemas.microsoft.com/office/drawing/2014/main" id="{A6D0314E-EE92-4ED7-B94F-25142942C466}"/>
-              </a:ext>
-            </a:extLst>
-          </p:cNvPr>
-          <p:cNvSpPr txBox="1"/>
-          <p:nvPr/>
-        </p:nvSpPr>
-        <p:spPr>
-          <a:xfrm>
-            <a:off x="362038" y="1972893"/>
-            <a:ext cx="9924964" cy="3416320"/>
-          </a:xfrm>
-          <a:prstGeom prst="rect">
-            <a:avLst/>
-          </a:prstGeom>
-          <a:noFill/>
-        </p:spPr>
-        <p:txBody>
-          <a:bodyPr wrap="square" lIns="91440" tIns="45720" rIns="91440" bIns="45720" anchor="t">
-            <a:spAutoFit/>
-          </a:bodyPr>
-          <a:lstStyle/>
-          <a:p>
-            <a:r>
-              <a:rPr lang="en-US" dirty="0"/>
-              <a:t>Informational Object Class – provides </a:t>
-            </a:r>
-            <a:r>
-              <a:rPr lang="en-US" b="0" i="0" dirty="0">
-                <a:solidFill>
-                  <a:srgbClr val="000000"/>
-                </a:solidFill>
-                <a:effectLst/>
-                <a:latin typeface="Helvetica" panose="020B0604020202020204" pitchFamily="34" charset="0"/>
-              </a:rPr>
-              <a:t>an abstract definition of real-world entities applicable to communication of digital medical images and related information (e.g., waveforms, structured reports, radiation therapy dose, etc.).</a:t>
-            </a:r>
-          </a:p>
-          <a:p>
-            <a:endParaRPr lang="en-US" dirty="0">
-              <a:solidFill>
-                <a:srgbClr val="000000"/>
-              </a:solidFill>
-              <a:latin typeface="Helvetica" panose="020B0604020202020204" pitchFamily="34" charset="0"/>
-            </a:endParaRPr>
-          </a:p>
-          <a:p>
-            <a:r>
-              <a:rPr lang="en-US" dirty="0">
-                <a:solidFill>
-                  <a:srgbClr val="000000"/>
-                </a:solidFill>
-                <a:latin typeface="Helvetica" panose="020B0604020202020204" pitchFamily="34" charset="0"/>
-              </a:rPr>
-              <a:t>Two types:</a:t>
-            </a:r>
-          </a:p>
-          <a:p>
-            <a:pPr marL="342900" indent="-342900">
-              <a:buAutoNum type="arabicPeriod"/>
-            </a:pPr>
-            <a:r>
-              <a:rPr lang="en-US" dirty="0">
-                <a:solidFill>
-                  <a:srgbClr val="000000"/>
-                </a:solidFill>
-                <a:latin typeface="Helvetica" panose="020B0604020202020204" pitchFamily="34" charset="0"/>
-              </a:rPr>
-              <a:t>Normalized: include only Attributes inherent in the real-world entity</a:t>
-            </a:r>
-          </a:p>
-          <a:p>
-            <a:pPr marL="342900" indent="-342900">
-              <a:buAutoNum type="arabicPeriod"/>
-            </a:pPr>
-            <a:r>
-              <a:rPr lang="en-US" dirty="0">
-                <a:solidFill>
-                  <a:srgbClr val="000000"/>
-                </a:solidFill>
-                <a:latin typeface="Helvetica" panose="020B0604020202020204" pitchFamily="34" charset="0"/>
-              </a:rPr>
-              <a:t>Composite: include Attributes </a:t>
-            </a:r>
-            <a:r>
-              <a:rPr lang="en-US" b="0" i="0" dirty="0">
-                <a:solidFill>
-                  <a:srgbClr val="000000"/>
-                </a:solidFill>
-                <a:effectLst/>
-                <a:latin typeface="Helvetica" panose="020B0604020202020204" pitchFamily="34" charset="0"/>
-              </a:rPr>
-              <a:t> that are related to but not inherent in the real-world entity. </a:t>
-            </a:r>
-            <a:r>
-              <a:rPr lang="en-US" b="0" i="0" dirty="0" err="1">
-                <a:solidFill>
-                  <a:srgbClr val="000000"/>
-                </a:solidFill>
-                <a:effectLst/>
-                <a:latin typeface="Helvetica" panose="020B0604020202020204" pitchFamily="34" charset="0"/>
-              </a:rPr>
-              <a:t>Eg</a:t>
-            </a:r>
-            <a:r>
-              <a:rPr lang="en-US" b="0" i="0" dirty="0">
-                <a:solidFill>
-                  <a:srgbClr val="000000"/>
-                </a:solidFill>
-                <a:effectLst/>
-                <a:latin typeface="Helvetica" panose="020B0604020202020204" pitchFamily="34" charset="0"/>
-              </a:rPr>
-              <a:t> patient name in a CT image</a:t>
-            </a:r>
-          </a:p>
-          <a:p>
-            <a:pPr marL="342900" indent="-342900">
-              <a:buAutoNum type="arabicPeriod"/>
-            </a:pPr>
-            <a:endParaRPr lang="en-US" dirty="0">
-              <a:solidFill>
-                <a:srgbClr val="000000"/>
-              </a:solidFill>
-              <a:latin typeface="Helvetica" panose="020B0604020202020204" pitchFamily="34" charset="0"/>
-            </a:endParaRPr>
-          </a:p>
-          <a:p>
-            <a:r>
-              <a:rPr lang="en-US" dirty="0">
-                <a:solidFill>
-                  <a:srgbClr val="000000"/>
-                </a:solidFill>
-                <a:latin typeface="Helvetica" panose="020B0604020202020204" pitchFamily="34" charset="0"/>
-              </a:rPr>
-              <a:t>Abstract Syntax – service class or IOD referenced when negotiating associations between </a:t>
-            </a:r>
-            <a:r>
-              <a:rPr lang="en-US" dirty="0" err="1">
-                <a:solidFill>
-                  <a:srgbClr val="000000"/>
-                </a:solidFill>
-                <a:latin typeface="Helvetica" panose="020B0604020202020204" pitchFamily="34" charset="0"/>
-              </a:rPr>
-              <a:t>Aes</a:t>
-            </a:r>
-            <a:endParaRPr lang="en-US" dirty="0">
-              <a:solidFill>
-                <a:srgbClr val="000000"/>
-              </a:solidFill>
-              <a:latin typeface="Helvetica" panose="020B0604020202020204" pitchFamily="34" charset="0"/>
-            </a:endParaRPr>
-          </a:p>
-          <a:p>
-            <a:endParaRPr lang="en-US" dirty="0">
-              <a:solidFill>
-                <a:srgbClr val="000000"/>
-              </a:solidFill>
-              <a:latin typeface="Helvetica" panose="020B0604020202020204" pitchFamily="34" charset="0"/>
-            </a:endParaRPr>
-          </a:p>
-          <a:p>
-            <a:r>
-              <a:rPr lang="en-US" dirty="0">
-                <a:solidFill>
-                  <a:srgbClr val="000000"/>
-                </a:solidFill>
-                <a:latin typeface="Helvetica" panose="020B0604020202020204" pitchFamily="34" charset="0"/>
-              </a:rPr>
-              <a:t>Ref </a:t>
-            </a:r>
-            <a:r>
-              <a:rPr lang="en-US" dirty="0">
-                <a:hlinkClick r:id="rId4"/>
-              </a:rPr>
-              <a:t>A.3.5 Basics of DICOM Communication (nema.org)</a:t>
-            </a:r>
-            <a:endParaRPr lang="en-US" dirty="0">
-              <a:solidFill>
-                <a:srgbClr val="000000"/>
-              </a:solidFill>
-              <a:latin typeface="Helvetica" panose="020B0604020202020204" pitchFamily="34" charset="0"/>
-            </a:endParaRPr>
-          </a:p>
-        </p:txBody>
-      </p:sp>
-    </p:spTree>
-    <p:extLst>
-      <p:ext uri="{BB962C8B-B14F-4D97-AF65-F5344CB8AC3E}">
-        <p14:creationId xmlns:p14="http://schemas.microsoft.com/office/powerpoint/2010/main" val="2432008995"/>
-      </p:ext>
-    </p:extLst>
-  </p:cSld>
-  <p:clrMapOvr>
-    <a:masterClrMapping/>
-  </p:clrMapOvr>
-</p:sld>
-</file>
-
-<file path=ppt/slides/slide15.xml><?xml version="1.0" encoding="utf-8"?>
-<p:sld xmlns:a="http://schemas.openxmlformats.org/drawingml/2006/main" xmlns:r="http://schemas.openxmlformats.org/officeDocument/2006/relationships" xmlns:p="http://schemas.openxmlformats.org/presentationml/2006/main">
-  <p:cSld>
-    <p:spTree>
-      <p:nvGrpSpPr>
-        <p:cNvPr id="1" name=""/>
-        <p:cNvGrpSpPr/>
-        <p:nvPr/>
-      </p:nvGrpSpPr>
-      <p:grpSpPr>
-        <a:xfrm>
-          <a:off x="0" y="0"/>
-          <a:ext cx="0" cy="0"/>
-          <a:chOff x="0" y="0"/>
-          <a:chExt cx="0" cy="0"/>
-        </a:xfrm>
-      </p:grpSpPr>
-      <p:pic>
-        <p:nvPicPr>
-          <p:cNvPr id="5" name="Picture 4" descr="A close up of a mans face&#10;&#10;Description generated with high confidence">
-            <a:extLst>
-              <a:ext uri="{FF2B5EF4-FFF2-40B4-BE49-F238E27FC236}">
-                <a16:creationId xmlns:a16="http://schemas.microsoft.com/office/drawing/2014/main" id="{9C7AB213-0D7F-4A73-9919-4DF65C8E04AB}"/>
-              </a:ext>
-            </a:extLst>
-          </p:cNvPr>
-          <p:cNvPicPr>
-            <a:picLocks noChangeAspect="1"/>
-          </p:cNvPicPr>
-          <p:nvPr/>
-        </p:nvPicPr>
-        <p:blipFill>
-          <a:blip r:embed="rId3">
-            <a:extLst>
-              <a:ext uri="{28A0092B-C50C-407E-A947-70E740481C1C}">
-                <a14:useLocalDpi xmlns:a14="http://schemas.microsoft.com/office/drawing/2010/main" val="0"/>
-              </a:ext>
-            </a:extLst>
-          </a:blip>
-          <a:stretch>
-            <a:fillRect/>
-          </a:stretch>
-        </p:blipFill>
-        <p:spPr>
-          <a:xfrm>
-            <a:off x="3048" y="0"/>
-            <a:ext cx="12188952" cy="6858000"/>
-          </a:xfrm>
-          <a:prstGeom prst="rect">
-            <a:avLst/>
-          </a:prstGeom>
-        </p:spPr>
-      </p:pic>
-      <p:sp>
-        <p:nvSpPr>
-          <p:cNvPr id="6" name="TextBox 5">
-            <a:extLst>
-              <a:ext uri="{FF2B5EF4-FFF2-40B4-BE49-F238E27FC236}">
-                <a16:creationId xmlns:a16="http://schemas.microsoft.com/office/drawing/2014/main" id="{F5C12D09-08F6-4A17-B25F-43A9B8E607AE}"/>
-              </a:ext>
-            </a:extLst>
-          </p:cNvPr>
-          <p:cNvSpPr txBox="1"/>
-          <p:nvPr/>
-        </p:nvSpPr>
-        <p:spPr>
-          <a:xfrm>
-            <a:off x="977258" y="113141"/>
-            <a:ext cx="7912360" cy="830997"/>
-          </a:xfrm>
-          <a:prstGeom prst="rect">
-            <a:avLst/>
-          </a:prstGeom>
-          <a:noFill/>
-        </p:spPr>
-        <p:txBody>
-          <a:bodyPr wrap="square" rtlCol="0">
-            <a:spAutoFit/>
-          </a:bodyPr>
-          <a:lstStyle/>
-          <a:p>
-            <a:pPr algn="ctr"/>
-            <a:r>
-              <a:rPr lang="en-US" sz="4800" dirty="0">
-                <a:solidFill>
-                  <a:srgbClr val="000066"/>
-                </a:solidFill>
-              </a:rPr>
-              <a:t>Composite IOD - modules</a:t>
-            </a:r>
-          </a:p>
-        </p:txBody>
-      </p:sp>
-      <p:pic>
-        <p:nvPicPr>
-          <p:cNvPr id="4" name="Picture 3">
-            <a:extLst>
-              <a:ext uri="{FF2B5EF4-FFF2-40B4-BE49-F238E27FC236}">
-                <a16:creationId xmlns:a16="http://schemas.microsoft.com/office/drawing/2014/main" id="{5289BB4C-9D96-47BC-A82D-315BD37526F1}"/>
-              </a:ext>
-            </a:extLst>
-          </p:cNvPr>
-          <p:cNvPicPr>
-            <a:picLocks noChangeAspect="1"/>
-          </p:cNvPicPr>
-          <p:nvPr/>
-        </p:nvPicPr>
-        <p:blipFill>
-          <a:blip r:embed="rId4"/>
-          <a:stretch>
-            <a:fillRect/>
-          </a:stretch>
-        </p:blipFill>
-        <p:spPr>
-          <a:xfrm>
-            <a:off x="2314964" y="1057279"/>
-            <a:ext cx="4781550" cy="5067300"/>
-          </a:xfrm>
-          <a:prstGeom prst="rect">
-            <a:avLst/>
-          </a:prstGeom>
-        </p:spPr>
-      </p:pic>
-    </p:spTree>
-    <p:extLst>
-      <p:ext uri="{BB962C8B-B14F-4D97-AF65-F5344CB8AC3E}">
-        <p14:creationId xmlns:p14="http://schemas.microsoft.com/office/powerpoint/2010/main" val="44825386"/>
-      </p:ext>
-    </p:extLst>
-  </p:cSld>
-  <p:clrMapOvr>
-    <a:masterClrMapping/>
-  </p:clrMapOvr>
-</p:sld>
-</file>
-
-<file path=ppt/slides/slide16.xml><?xml version="1.0" encoding="utf-8"?>
-<p:sld xmlns:a="http://schemas.openxmlformats.org/drawingml/2006/main" xmlns:r="http://schemas.openxmlformats.org/officeDocument/2006/relationships" xmlns:p="http://schemas.openxmlformats.org/presentationml/2006/main">
-  <p:cSld>
-    <p:spTree>
-      <p:nvGrpSpPr>
-        <p:cNvPr id="1" name=""/>
-        <p:cNvGrpSpPr/>
-        <p:nvPr/>
-      </p:nvGrpSpPr>
-      <p:grpSpPr>
-        <a:xfrm>
-          <a:off x="0" y="0"/>
-          <a:ext cx="0" cy="0"/>
-          <a:chOff x="0" y="0"/>
-          <a:chExt cx="0" cy="0"/>
-        </a:xfrm>
-      </p:grpSpPr>
-      <p:pic>
-        <p:nvPicPr>
-          <p:cNvPr id="5" name="Picture 4" descr="A close up of a mans face&#10;&#10;Description generated with high confidence">
-            <a:extLst>
-              <a:ext uri="{FF2B5EF4-FFF2-40B4-BE49-F238E27FC236}">
-                <a16:creationId xmlns:a16="http://schemas.microsoft.com/office/drawing/2014/main" id="{9C7AB213-0D7F-4A73-9919-4DF65C8E04AB}"/>
-              </a:ext>
-            </a:extLst>
-          </p:cNvPr>
-          <p:cNvPicPr>
-            <a:picLocks noChangeAspect="1"/>
-          </p:cNvPicPr>
-          <p:nvPr/>
-        </p:nvPicPr>
-        <p:blipFill>
-          <a:blip r:embed="rId3">
-            <a:extLst>
-              <a:ext uri="{28A0092B-C50C-407E-A947-70E740481C1C}">
-                <a14:useLocalDpi xmlns:a14="http://schemas.microsoft.com/office/drawing/2010/main" val="0"/>
-              </a:ext>
-            </a:extLst>
-          </a:blip>
-          <a:stretch>
-            <a:fillRect/>
-          </a:stretch>
-        </p:blipFill>
-        <p:spPr>
-          <a:xfrm>
-            <a:off x="3048" y="0"/>
-            <a:ext cx="12188952" cy="6858000"/>
-          </a:xfrm>
-          <a:prstGeom prst="rect">
-            <a:avLst/>
-          </a:prstGeom>
-        </p:spPr>
-      </p:pic>
-      <p:sp>
-        <p:nvSpPr>
-          <p:cNvPr id="6" name="TextBox 5">
-            <a:extLst>
-              <a:ext uri="{FF2B5EF4-FFF2-40B4-BE49-F238E27FC236}">
-                <a16:creationId xmlns:a16="http://schemas.microsoft.com/office/drawing/2014/main" id="{F5C12D09-08F6-4A17-B25F-43A9B8E607AE}"/>
-              </a:ext>
-            </a:extLst>
-          </p:cNvPr>
-          <p:cNvSpPr txBox="1"/>
-          <p:nvPr/>
-        </p:nvSpPr>
-        <p:spPr>
-          <a:xfrm>
-            <a:off x="977258" y="113141"/>
-            <a:ext cx="7912360" cy="830997"/>
-          </a:xfrm>
-          <a:prstGeom prst="rect">
-            <a:avLst/>
-          </a:prstGeom>
-          <a:noFill/>
-        </p:spPr>
-        <p:txBody>
-          <a:bodyPr wrap="square" rtlCol="0">
-            <a:spAutoFit/>
-          </a:bodyPr>
-          <a:lstStyle/>
-          <a:p>
-            <a:pPr algn="ctr"/>
-            <a:r>
-              <a:rPr lang="en-US" sz="4800" dirty="0">
-                <a:solidFill>
-                  <a:srgbClr val="000066"/>
-                </a:solidFill>
-              </a:rPr>
-              <a:t>DICOM Attributes</a:t>
-            </a:r>
-          </a:p>
-        </p:txBody>
-      </p:sp>
-      <p:sp>
-        <p:nvSpPr>
-          <p:cNvPr id="7" name="TextBox 6">
-            <a:extLst>
-              <a:ext uri="{FF2B5EF4-FFF2-40B4-BE49-F238E27FC236}">
-                <a16:creationId xmlns:a16="http://schemas.microsoft.com/office/drawing/2014/main" id="{704FC93A-0765-44A8-8772-9EB82808AFDB}"/>
-              </a:ext>
-            </a:extLst>
-          </p:cNvPr>
-          <p:cNvSpPr txBox="1"/>
-          <p:nvPr/>
-        </p:nvSpPr>
-        <p:spPr>
-          <a:xfrm>
-            <a:off x="671804" y="1057278"/>
-            <a:ext cx="9335278" cy="3139321"/>
-          </a:xfrm>
-          <a:prstGeom prst="rect">
-            <a:avLst/>
-          </a:prstGeom>
-          <a:noFill/>
-        </p:spPr>
-        <p:txBody>
-          <a:bodyPr wrap="square">
-            <a:spAutoFit/>
-          </a:bodyPr>
-          <a:lstStyle/>
-          <a:p>
-            <a:r>
-              <a:rPr lang="en-US" dirty="0"/>
-              <a:t>Attributes – smallest unit of information in IODs</a:t>
-            </a:r>
-          </a:p>
-          <a:p>
-            <a:endParaRPr lang="en-US" dirty="0"/>
-          </a:p>
-          <a:p>
-            <a:r>
-              <a:rPr lang="en-US" dirty="0"/>
-              <a:t>Definition - (</a:t>
-            </a:r>
-            <a:r>
-              <a:rPr lang="en-US" dirty="0" err="1"/>
-              <a:t>group,element</a:t>
-            </a:r>
-            <a:r>
-              <a:rPr lang="en-US" dirty="0"/>
-              <a:t>), VR, Value Length, Value</a:t>
-            </a:r>
-          </a:p>
-          <a:p>
-            <a:endParaRPr lang="en-US" dirty="0"/>
-          </a:p>
-          <a:p>
-            <a:pPr marL="285750" indent="-285750">
-              <a:buFont typeface="Arial" panose="020B0604020202020204" pitchFamily="34" charset="0"/>
-              <a:buChar char="•"/>
-            </a:pPr>
-            <a:r>
-              <a:rPr lang="en-US" dirty="0"/>
-              <a:t>(</a:t>
-            </a:r>
-            <a:r>
-              <a:rPr lang="en-US" dirty="0" err="1"/>
-              <a:t>Group,element</a:t>
-            </a:r>
-            <a:r>
-              <a:rPr lang="en-US" dirty="0"/>
-              <a:t>) – semantic meaning of the attribute, coded as 4B, e.g. </a:t>
-            </a:r>
-            <a:r>
-              <a:rPr lang="en-US" dirty="0" err="1"/>
-              <a:t>PatientName</a:t>
-            </a:r>
-            <a:r>
-              <a:rPr lang="en-US" dirty="0"/>
-              <a:t>, </a:t>
-            </a:r>
-            <a:r>
-              <a:rPr lang="en-US" dirty="0" err="1"/>
-              <a:t>StudyInstanceUID</a:t>
-            </a:r>
-            <a:r>
-              <a:rPr lang="en-US" dirty="0"/>
-              <a:t>, </a:t>
-            </a:r>
-            <a:r>
-              <a:rPr lang="en-US" dirty="0" err="1"/>
-              <a:t>SamplesPerPixel</a:t>
-            </a:r>
-            <a:endParaRPr lang="en-US" dirty="0"/>
-          </a:p>
-          <a:p>
-            <a:pPr marL="285750" indent="-285750">
-              <a:buFont typeface="Arial" panose="020B0604020202020204" pitchFamily="34" charset="0"/>
-              <a:buChar char="•"/>
-            </a:pPr>
-            <a:r>
-              <a:rPr lang="en-US" dirty="0"/>
-              <a:t>VR – Value Representation, represented as 2B, </a:t>
-            </a:r>
-            <a:r>
-              <a:rPr lang="en-US" dirty="0" err="1"/>
-              <a:t>eg</a:t>
-            </a:r>
-            <a:r>
-              <a:rPr lang="en-US" dirty="0"/>
-              <a:t>: CS – Coded string, UL – unsigned long; </a:t>
-            </a:r>
-            <a:r>
-              <a:rPr lang="en-US" dirty="0">
-                <a:hlinkClick r:id="rId4"/>
-              </a:rPr>
-              <a:t>6.2 Value Representation (VR) (nema.org)</a:t>
-            </a:r>
-            <a:endParaRPr lang="en-US" dirty="0"/>
-          </a:p>
-          <a:p>
-            <a:pPr marL="285750" indent="-285750">
-              <a:buFont typeface="Arial" panose="020B0604020202020204" pitchFamily="34" charset="0"/>
-              <a:buChar char="•"/>
-            </a:pPr>
-            <a:r>
-              <a:rPr lang="en-US" dirty="0"/>
-              <a:t>Value length 2B – Length in bytes of value (data)</a:t>
-            </a:r>
-          </a:p>
-          <a:p>
-            <a:pPr marL="285750" indent="-285750">
-              <a:buFont typeface="Arial" panose="020B0604020202020204" pitchFamily="34" charset="0"/>
-              <a:buChar char="•"/>
-            </a:pPr>
-            <a:r>
-              <a:rPr lang="en-US" dirty="0"/>
-              <a:t>Value – actual value of the attribute</a:t>
-            </a:r>
-          </a:p>
-          <a:p>
-            <a:endParaRPr lang="en-US" dirty="0"/>
-          </a:p>
-        </p:txBody>
-      </p:sp>
-    </p:spTree>
-    <p:extLst>
-      <p:ext uri="{BB962C8B-B14F-4D97-AF65-F5344CB8AC3E}">
-        <p14:creationId xmlns:p14="http://schemas.microsoft.com/office/powerpoint/2010/main" val="3442866681"/>
-      </p:ext>
-    </p:extLst>
-  </p:cSld>
-  <p:clrMapOvr>
-    <a:masterClrMapping/>
-  </p:clrMapOvr>
-</p:sld>
-</file>
-
-<file path=ppt/slides/slide17.xml><?xml version="1.0" encoding="utf-8"?>
-<p:sld xmlns:a="http://schemas.openxmlformats.org/drawingml/2006/main" xmlns:r="http://schemas.openxmlformats.org/officeDocument/2006/relationships" xmlns:p="http://schemas.openxmlformats.org/presentationml/2006/main">
-  <p:cSld>
-    <p:spTree>
-      <p:nvGrpSpPr>
-        <p:cNvPr id="1" name=""/>
-        <p:cNvGrpSpPr/>
-        <p:nvPr/>
-      </p:nvGrpSpPr>
-      <p:grpSpPr>
-        <a:xfrm>
-          <a:off x="0" y="0"/>
-          <a:ext cx="0" cy="0"/>
-          <a:chOff x="0" y="0"/>
-          <a:chExt cx="0" cy="0"/>
-        </a:xfrm>
-      </p:grpSpPr>
-      <p:pic>
-        <p:nvPicPr>
-          <p:cNvPr id="5" name="Picture 4" descr="A close up of a mans face&#10;&#10;Description generated with high confidence">
-            <a:extLst>
-              <a:ext uri="{FF2B5EF4-FFF2-40B4-BE49-F238E27FC236}">
-                <a16:creationId xmlns:a16="http://schemas.microsoft.com/office/drawing/2014/main" id="{9C7AB213-0D7F-4A73-9919-4DF65C8E04AB}"/>
-              </a:ext>
-            </a:extLst>
-          </p:cNvPr>
-          <p:cNvPicPr>
-            <a:picLocks noChangeAspect="1"/>
-          </p:cNvPicPr>
-          <p:nvPr/>
-        </p:nvPicPr>
-        <p:blipFill>
-          <a:blip r:embed="rId3">
-            <a:extLst>
-              <a:ext uri="{28A0092B-C50C-407E-A947-70E740481C1C}">
-                <a14:useLocalDpi xmlns:a14="http://schemas.microsoft.com/office/drawing/2010/main" val="0"/>
-              </a:ext>
-            </a:extLst>
-          </a:blip>
-          <a:stretch>
-            <a:fillRect/>
-          </a:stretch>
-        </p:blipFill>
-        <p:spPr>
-          <a:xfrm>
-            <a:off x="3048" y="0"/>
-            <a:ext cx="12188952" cy="6858000"/>
-          </a:xfrm>
-          <a:prstGeom prst="rect">
-            <a:avLst/>
-          </a:prstGeom>
-        </p:spPr>
-      </p:pic>
-      <p:sp>
-        <p:nvSpPr>
-          <p:cNvPr id="6" name="TextBox 5">
-            <a:extLst>
-              <a:ext uri="{FF2B5EF4-FFF2-40B4-BE49-F238E27FC236}">
-                <a16:creationId xmlns:a16="http://schemas.microsoft.com/office/drawing/2014/main" id="{F5C12D09-08F6-4A17-B25F-43A9B8E607AE}"/>
-              </a:ext>
-            </a:extLst>
-          </p:cNvPr>
-          <p:cNvSpPr txBox="1"/>
-          <p:nvPr/>
-        </p:nvSpPr>
-        <p:spPr>
-          <a:xfrm>
-            <a:off x="977258" y="113141"/>
-            <a:ext cx="7912360" cy="830997"/>
-          </a:xfrm>
-          <a:prstGeom prst="rect">
-            <a:avLst/>
-          </a:prstGeom>
-          <a:noFill/>
-        </p:spPr>
-        <p:txBody>
-          <a:bodyPr wrap="square" rtlCol="0">
-            <a:spAutoFit/>
-          </a:bodyPr>
-          <a:lstStyle/>
-          <a:p>
-            <a:pPr algn="ctr"/>
-            <a:r>
-              <a:rPr lang="en-US" sz="4800" dirty="0">
-                <a:solidFill>
-                  <a:srgbClr val="000066"/>
-                </a:solidFill>
-              </a:rPr>
-              <a:t>Image Module - highlights</a:t>
-            </a:r>
-          </a:p>
-        </p:txBody>
-      </p:sp>
-      <p:sp>
-        <p:nvSpPr>
-          <p:cNvPr id="7" name="Content Placeholder 2">
-            <a:extLst>
-              <a:ext uri="{FF2B5EF4-FFF2-40B4-BE49-F238E27FC236}">
-                <a16:creationId xmlns:a16="http://schemas.microsoft.com/office/drawing/2014/main" id="{3E58B0FA-A8C5-44F1-97DC-CA78F4EB275F}"/>
-              </a:ext>
-            </a:extLst>
-          </p:cNvPr>
-          <p:cNvSpPr>
-            <a:spLocks noGrp="1"/>
-          </p:cNvSpPr>
-          <p:nvPr>
-            <p:ph idx="1"/>
-          </p:nvPr>
-        </p:nvSpPr>
-        <p:spPr>
-          <a:xfrm>
-            <a:off x="642257" y="1321772"/>
-            <a:ext cx="10515600" cy="4351338"/>
-          </a:xfrm>
-        </p:spPr>
-        <p:txBody>
-          <a:bodyPr/>
-          <a:lstStyle/>
-          <a:p>
-            <a:r>
-              <a:rPr lang="en-US" dirty="0"/>
-              <a:t>Samples per pixel = 1/3</a:t>
-            </a:r>
-          </a:p>
-          <a:p>
-            <a:r>
-              <a:rPr lang="en-US" dirty="0"/>
-              <a:t>Bits per sample = 8/16</a:t>
-            </a:r>
-          </a:p>
-          <a:p>
-            <a:r>
-              <a:rPr lang="en-US" dirty="0"/>
-              <a:t>High bit = 7,8 / 12,14,16</a:t>
-            </a:r>
-          </a:p>
-          <a:p>
-            <a:r>
-              <a:rPr lang="en-US" dirty="0"/>
-              <a:t>Photometric Interpretation = MONO1/2, RGB, YUV, YUV 422, YUV 420</a:t>
-            </a:r>
-          </a:p>
-          <a:p>
-            <a:r>
-              <a:rPr lang="en-US" dirty="0"/>
-              <a:t>Planar Configuration = 0,1 – jpeg compression over planar 1</a:t>
-            </a:r>
-          </a:p>
-          <a:p>
-            <a:endParaRPr lang="en-US" dirty="0"/>
-          </a:p>
-          <a:p>
-            <a:r>
-              <a:rPr lang="en-US" dirty="0"/>
-              <a:t>According to the modality, there are specific attributes, </a:t>
-            </a:r>
-            <a:r>
-              <a:rPr lang="en-US" dirty="0" err="1"/>
-              <a:t>eg</a:t>
-            </a:r>
-            <a:r>
-              <a:rPr lang="en-US"/>
-              <a:t> </a:t>
-            </a:r>
-            <a:r>
-              <a:rPr lang="en-US">
-                <a:hlinkClick r:id="rId4"/>
-              </a:rPr>
-              <a:t>https://dicom.nema.org/medical/dicom/current/output/chtml/part03/sect_C.8.11.7.html</a:t>
-            </a:r>
-            <a:r>
-              <a:rPr lang="en-US"/>
-              <a:t> </a:t>
-            </a:r>
-            <a:endParaRPr lang="en-US" dirty="0"/>
-          </a:p>
-        </p:txBody>
-      </p:sp>
-    </p:spTree>
-    <p:extLst>
-      <p:ext uri="{BB962C8B-B14F-4D97-AF65-F5344CB8AC3E}">
-        <p14:creationId xmlns:p14="http://schemas.microsoft.com/office/powerpoint/2010/main" val="3899352193"/>
-      </p:ext>
-    </p:extLst>
-  </p:cSld>
-  <p:clrMapOvr>
-    <a:masterClrMapping/>
-  </p:clrMapOvr>
-</p:sld>
-</file>
-
-<file path=ppt/slides/slide18.xml><?xml version="1.0" encoding="utf-8"?>
-<p:sld xmlns:a="http://schemas.openxmlformats.org/drawingml/2006/main" xmlns:r="http://schemas.openxmlformats.org/officeDocument/2006/relationships" xmlns:p="http://schemas.openxmlformats.org/presentationml/2006/main" show="0">
-  <p:cSld>
-    <p:spTree>
-      <p:nvGrpSpPr>
-        <p:cNvPr id="1" name=""/>
-        <p:cNvGrpSpPr/>
-        <p:nvPr/>
-      </p:nvGrpSpPr>
-      <p:grpSpPr>
-        <a:xfrm>
-          <a:off x="0" y="0"/>
-          <a:ext cx="0" cy="0"/>
-          <a:chOff x="0" y="0"/>
-          <a:chExt cx="0" cy="0"/>
-        </a:xfrm>
-      </p:grpSpPr>
-      <p:sp>
-        <p:nvSpPr>
-          <p:cNvPr id="2" name="Title 1">
-            <a:extLst>
-              <a:ext uri="{FF2B5EF4-FFF2-40B4-BE49-F238E27FC236}">
-                <a16:creationId xmlns:a16="http://schemas.microsoft.com/office/drawing/2014/main" id="{A80E96C0-3CDC-442A-AFC0-BDDB2654539D}"/>
-              </a:ext>
-            </a:extLst>
-          </p:cNvPr>
-          <p:cNvSpPr>
-            <a:spLocks noGrp="1"/>
-          </p:cNvSpPr>
-          <p:nvPr>
-            <p:ph type="title"/>
-          </p:nvPr>
-        </p:nvSpPr>
-        <p:spPr/>
-        <p:txBody>
-          <a:bodyPr/>
-          <a:lstStyle/>
-          <a:p>
-            <a:r>
-              <a:rPr lang="en-US" dirty="0"/>
-              <a:t>Image attributes</a:t>
-            </a:r>
-          </a:p>
-        </p:txBody>
-      </p:sp>
-      <p:sp>
-        <p:nvSpPr>
-          <p:cNvPr id="3" name="Content Placeholder 2">
-            <a:extLst>
-              <a:ext uri="{FF2B5EF4-FFF2-40B4-BE49-F238E27FC236}">
-                <a16:creationId xmlns:a16="http://schemas.microsoft.com/office/drawing/2014/main" id="{BDFDCB64-DA36-46E1-8100-121D3B5A7A67}"/>
-              </a:ext>
-            </a:extLst>
-          </p:cNvPr>
-          <p:cNvSpPr>
-            <a:spLocks noGrp="1"/>
-          </p:cNvSpPr>
-          <p:nvPr>
-            <p:ph idx="1"/>
-          </p:nvPr>
-        </p:nvSpPr>
-        <p:spPr/>
-        <p:txBody>
-          <a:bodyPr/>
-          <a:lstStyle/>
-          <a:p>
-            <a:r>
-              <a:rPr lang="en-US" dirty="0"/>
-              <a:t>Samples per pixel = 1/3</a:t>
-            </a:r>
-          </a:p>
-          <a:p>
-            <a:r>
-              <a:rPr lang="en-US" dirty="0"/>
-              <a:t>Bits per sample = 8/16</a:t>
-            </a:r>
-          </a:p>
-          <a:p>
-            <a:r>
-              <a:rPr lang="en-US" dirty="0"/>
-              <a:t>High bit = 7,8 / 12,14,16</a:t>
-            </a:r>
-          </a:p>
-          <a:p>
-            <a:r>
-              <a:rPr lang="en-US" dirty="0"/>
-              <a:t>Photometric </a:t>
-            </a:r>
-            <a:r>
-              <a:rPr lang="en-US" dirty="0" err="1"/>
-              <a:t>Intepretation</a:t>
-            </a:r>
-            <a:r>
-              <a:rPr lang="en-US" dirty="0"/>
-              <a:t> = MONO1.2, RGB, YUV, YUV 422, YUV 420</a:t>
-            </a:r>
-          </a:p>
-          <a:p>
-            <a:r>
-              <a:rPr lang="en-US" dirty="0"/>
-              <a:t>Planar Configuration = 0,1 – jpeg compression over planar 1</a:t>
-            </a:r>
-          </a:p>
-        </p:txBody>
-      </p:sp>
-    </p:spTree>
-    <p:extLst>
-      <p:ext uri="{BB962C8B-B14F-4D97-AF65-F5344CB8AC3E}">
-        <p14:creationId xmlns:p14="http://schemas.microsoft.com/office/powerpoint/2010/main" val="1128070362"/>
-      </p:ext>
-    </p:extLst>
-  </p:cSld>
-  <p:clrMapOvr>
-    <a:masterClrMapping/>
-  </p:clrMapOvr>
-</p:sld>
-</file>
-
-<file path=ppt/slides/slide19.xml><?xml version="1.0" encoding="utf-8"?>
+<file path=ppt/slides/slide13.xml><?xml version="1.0" encoding="utf-8"?>
 <p:sld xmlns:a="http://schemas.openxmlformats.org/drawingml/2006/main" xmlns:r="http://schemas.openxmlformats.org/officeDocument/2006/relationships" xmlns:p="http://schemas.openxmlformats.org/presentationml/2006/main">
   <p:cSld>
     <p:spTree>
@@ -22866,173 +21627,7 @@
 </p:sld>
 </file>
 
-<file path=ppt/slides/slide2.xml><?xml version="1.0" encoding="utf-8"?>
-<p:sld xmlns:a="http://schemas.openxmlformats.org/drawingml/2006/main" xmlns:r="http://schemas.openxmlformats.org/officeDocument/2006/relationships" xmlns:p="http://schemas.openxmlformats.org/presentationml/2006/main">
-  <p:cSld>
-    <p:spTree>
-      <p:nvGrpSpPr>
-        <p:cNvPr id="1" name=""/>
-        <p:cNvGrpSpPr/>
-        <p:nvPr/>
-      </p:nvGrpSpPr>
-      <p:grpSpPr>
-        <a:xfrm>
-          <a:off x="0" y="0"/>
-          <a:ext cx="0" cy="0"/>
-          <a:chOff x="0" y="0"/>
-          <a:chExt cx="0" cy="0"/>
-        </a:xfrm>
-      </p:grpSpPr>
-      <p:pic>
-        <p:nvPicPr>
-          <p:cNvPr id="5" name="Picture 4">
-            <a:extLst>
-              <a:ext uri="{FF2B5EF4-FFF2-40B4-BE49-F238E27FC236}">
-                <a16:creationId xmlns:a16="http://schemas.microsoft.com/office/drawing/2014/main" id="{7BE9423C-D407-4191-AA1D-9DD2E902C09C}"/>
-              </a:ext>
-            </a:extLst>
-          </p:cNvPr>
-          <p:cNvPicPr>
-            <a:picLocks noChangeAspect="1"/>
-          </p:cNvPicPr>
-          <p:nvPr/>
-        </p:nvPicPr>
-        <p:blipFill>
-          <a:blip r:embed="rId2">
-            <a:extLst>
-              <a:ext uri="{28A0092B-C50C-407E-A947-70E740481C1C}">
-                <a14:useLocalDpi xmlns:a14="http://schemas.microsoft.com/office/drawing/2010/main" val="0"/>
-              </a:ext>
-            </a:extLst>
-          </a:blip>
-          <a:stretch>
-            <a:fillRect/>
-          </a:stretch>
-        </p:blipFill>
-        <p:spPr>
-          <a:xfrm>
-            <a:off x="79807" y="0"/>
-            <a:ext cx="12188952" cy="6858000"/>
-          </a:xfrm>
-          <a:prstGeom prst="rect">
-            <a:avLst/>
-          </a:prstGeom>
-        </p:spPr>
-      </p:pic>
-      <p:sp>
-        <p:nvSpPr>
-          <p:cNvPr id="4" name="TextBox 3">
-            <a:extLst>
-              <a:ext uri="{FF2B5EF4-FFF2-40B4-BE49-F238E27FC236}">
-                <a16:creationId xmlns:a16="http://schemas.microsoft.com/office/drawing/2014/main" id="{6B32A576-E599-408E-A36B-D58FE0EF57B9}"/>
-              </a:ext>
-            </a:extLst>
-          </p:cNvPr>
-          <p:cNvSpPr txBox="1"/>
-          <p:nvPr/>
-        </p:nvSpPr>
-        <p:spPr>
-          <a:xfrm>
-            <a:off x="585373" y="2553596"/>
-            <a:ext cx="7912360" cy="954107"/>
-          </a:xfrm>
-          <a:prstGeom prst="rect">
-            <a:avLst/>
-          </a:prstGeom>
-          <a:noFill/>
-        </p:spPr>
-        <p:txBody>
-          <a:bodyPr wrap="square" rtlCol="0">
-            <a:spAutoFit/>
-          </a:bodyPr>
-          <a:lstStyle/>
-          <a:p>
-            <a:r>
-              <a:rPr lang="en-US" sz="2800" dirty="0">
-                <a:solidFill>
-                  <a:srgbClr val="000066"/>
-                </a:solidFill>
-              </a:rPr>
-              <a:t>Bogdan Petrovan</a:t>
-            </a:r>
-          </a:p>
-          <a:p>
-            <a:r>
-              <a:rPr lang="en-US" sz="2800" dirty="0">
-                <a:solidFill>
-                  <a:srgbClr val="000066"/>
-                </a:solidFill>
-              </a:rPr>
-              <a:t>Director of Product Engineering</a:t>
-            </a:r>
-          </a:p>
-        </p:txBody>
-      </p:sp>
-      <p:sp>
-        <p:nvSpPr>
-          <p:cNvPr id="2" name="TextBox 1">
-            <a:extLst>
-              <a:ext uri="{FF2B5EF4-FFF2-40B4-BE49-F238E27FC236}">
-                <a16:creationId xmlns:a16="http://schemas.microsoft.com/office/drawing/2014/main" id="{CB53DFFE-7B78-455F-B901-9B94C5FA9DC4}"/>
-              </a:ext>
-            </a:extLst>
-          </p:cNvPr>
-          <p:cNvSpPr txBox="1"/>
-          <p:nvPr/>
-        </p:nvSpPr>
-        <p:spPr>
-          <a:xfrm>
-            <a:off x="391886" y="4264090"/>
-            <a:ext cx="6649384" cy="830997"/>
-          </a:xfrm>
-          <a:prstGeom prst="rect">
-            <a:avLst/>
-          </a:prstGeom>
-          <a:noFill/>
-        </p:spPr>
-        <p:txBody>
-          <a:bodyPr wrap="none" rtlCol="0">
-            <a:spAutoFit/>
-          </a:bodyPr>
-          <a:lstStyle/>
-          <a:p>
-            <a:r>
-              <a:rPr lang="en-US" dirty="0"/>
-              <a:t>Support repo: </a:t>
-            </a:r>
-            <a:r>
-              <a:rPr lang="en-US" dirty="0">
-                <a:hlinkClick r:id="rId3"/>
-              </a:rPr>
-              <a:t>https://github.com/</a:t>
-            </a:r>
-            <a:r>
-              <a:rPr lang="en-US" sz="2400" dirty="0">
-                <a:hlinkClick r:id="rId3"/>
-              </a:rPr>
-              <a:t>petrovanster/dicom_intro</a:t>
-            </a:r>
-            <a:endParaRPr lang="en-US" sz="2400" dirty="0"/>
-          </a:p>
-          <a:p>
-            <a:endParaRPr lang="en-US" sz="2400" dirty="0"/>
-          </a:p>
-        </p:txBody>
-      </p:sp>
-    </p:spTree>
-    <p:extLst>
-      <p:ext uri="{BB962C8B-B14F-4D97-AF65-F5344CB8AC3E}">
-        <p14:creationId xmlns:p14="http://schemas.microsoft.com/office/powerpoint/2010/main" val="2491925098"/>
-      </p:ext>
-    </p:extLst>
-  </p:cSld>
-  <p:clrMapOvr>
-    <a:masterClrMapping/>
-  </p:clrMapOvr>
-</p:sld>
-</file>
-
-<file path=ppt/slides/slide20.xml><?xml version="1.0" encoding="utf-8"?>
+<file path=ppt/slides/slide14.xml><?xml version="1.0" encoding="utf-8"?>
 <p:sld xmlns:a="http://schemas.openxmlformats.org/drawingml/2006/main" xmlns:r="http://schemas.openxmlformats.org/officeDocument/2006/relationships" xmlns:p="http://schemas.openxmlformats.org/presentationml/2006/main">
   <p:cSld>
     <p:spTree>
@@ -24356,7 +22951,7 @@
 </p:sld>
 </file>
 
-<file path=ppt/slides/slide21.xml><?xml version="1.0" encoding="utf-8"?>
+<file path=ppt/slides/slide15.xml><?xml version="1.0" encoding="utf-8"?>
 <p:sld xmlns:a="http://schemas.openxmlformats.org/drawingml/2006/main" xmlns:r="http://schemas.openxmlformats.org/officeDocument/2006/relationships" xmlns:p="http://schemas.openxmlformats.org/presentationml/2006/main">
   <p:cSld>
     <p:spTree>
@@ -25033,7 +23628,1592 @@
 </p:sld>
 </file>
 
+<file path=ppt/slides/slide16.xml><?xml version="1.0" encoding="utf-8"?>
+<p:sld xmlns:a="http://schemas.openxmlformats.org/drawingml/2006/main" xmlns:r="http://schemas.openxmlformats.org/officeDocument/2006/relationships" xmlns:p="http://schemas.openxmlformats.org/presentationml/2006/main">
+  <p:cSld>
+    <p:spTree>
+      <p:nvGrpSpPr>
+        <p:cNvPr id="1" name=""/>
+        <p:cNvGrpSpPr/>
+        <p:nvPr/>
+      </p:nvGrpSpPr>
+      <p:grpSpPr>
+        <a:xfrm>
+          <a:off x="0" y="0"/>
+          <a:ext cx="0" cy="0"/>
+          <a:chOff x="0" y="0"/>
+          <a:chExt cx="0" cy="0"/>
+        </a:xfrm>
+      </p:grpSpPr>
+      <p:pic>
+        <p:nvPicPr>
+          <p:cNvPr id="5" name="Picture 4" descr="A close up of a mans face&#10;&#10;Description generated with high confidence">
+            <a:extLst>
+              <a:ext uri="{FF2B5EF4-FFF2-40B4-BE49-F238E27FC236}">
+                <a16:creationId xmlns:a16="http://schemas.microsoft.com/office/drawing/2014/main" id="{9C7AB213-0D7F-4A73-9919-4DF65C8E04AB}"/>
+              </a:ext>
+            </a:extLst>
+          </p:cNvPr>
+          <p:cNvPicPr>
+            <a:picLocks noChangeAspect="1"/>
+          </p:cNvPicPr>
+          <p:nvPr/>
+        </p:nvPicPr>
+        <p:blipFill>
+          <a:blip r:embed="rId3">
+            <a:extLst>
+              <a:ext uri="{28A0092B-C50C-407E-A947-70E740481C1C}">
+                <a14:useLocalDpi xmlns:a14="http://schemas.microsoft.com/office/drawing/2010/main" val="0"/>
+              </a:ext>
+            </a:extLst>
+          </a:blip>
+          <a:stretch>
+            <a:fillRect/>
+          </a:stretch>
+        </p:blipFill>
+        <p:spPr>
+          <a:xfrm>
+            <a:off x="3048" y="0"/>
+            <a:ext cx="12188952" cy="6858000"/>
+          </a:xfrm>
+          <a:prstGeom prst="rect">
+            <a:avLst/>
+          </a:prstGeom>
+        </p:spPr>
+      </p:pic>
+      <p:sp>
+        <p:nvSpPr>
+          <p:cNvPr id="6" name="TextBox 5">
+            <a:extLst>
+              <a:ext uri="{FF2B5EF4-FFF2-40B4-BE49-F238E27FC236}">
+                <a16:creationId xmlns:a16="http://schemas.microsoft.com/office/drawing/2014/main" id="{F5C12D09-08F6-4A17-B25F-43A9B8E607AE}"/>
+              </a:ext>
+            </a:extLst>
+          </p:cNvPr>
+          <p:cNvSpPr txBox="1"/>
+          <p:nvPr/>
+        </p:nvSpPr>
+        <p:spPr>
+          <a:xfrm>
+            <a:off x="977258" y="-85913"/>
+            <a:ext cx="7912360" cy="1569660"/>
+          </a:xfrm>
+          <a:prstGeom prst="rect">
+            <a:avLst/>
+          </a:prstGeom>
+          <a:noFill/>
+        </p:spPr>
+        <p:txBody>
+          <a:bodyPr wrap="square" rtlCol="0">
+            <a:spAutoFit/>
+          </a:bodyPr>
+          <a:lstStyle/>
+          <a:p>
+            <a:pPr algn="ctr"/>
+            <a:r>
+              <a:rPr lang="en-US" sz="4800" dirty="0">
+                <a:solidFill>
+                  <a:srgbClr val="000066"/>
+                </a:solidFill>
+              </a:rPr>
+              <a:t>App 1: Association Negotiation sample</a:t>
+            </a:r>
+          </a:p>
+        </p:txBody>
+      </p:sp>
+    </p:spTree>
+    <p:extLst>
+      <p:ext uri="{BB962C8B-B14F-4D97-AF65-F5344CB8AC3E}">
+        <p14:creationId xmlns:p14="http://schemas.microsoft.com/office/powerpoint/2010/main" val="4043594007"/>
+      </p:ext>
+    </p:extLst>
+  </p:cSld>
+  <p:clrMapOvr>
+    <a:masterClrMapping/>
+  </p:clrMapOvr>
+</p:sld>
+</file>
+
+<file path=ppt/slides/slide17.xml><?xml version="1.0" encoding="utf-8"?>
+<p:sld xmlns:a="http://schemas.openxmlformats.org/drawingml/2006/main" xmlns:r="http://schemas.openxmlformats.org/officeDocument/2006/relationships" xmlns:p="http://schemas.openxmlformats.org/presentationml/2006/main">
+  <p:cSld>
+    <p:spTree>
+      <p:nvGrpSpPr>
+        <p:cNvPr id="1" name=""/>
+        <p:cNvGrpSpPr/>
+        <p:nvPr/>
+      </p:nvGrpSpPr>
+      <p:grpSpPr>
+        <a:xfrm>
+          <a:off x="0" y="0"/>
+          <a:ext cx="0" cy="0"/>
+          <a:chOff x="0" y="0"/>
+          <a:chExt cx="0" cy="0"/>
+        </a:xfrm>
+      </p:grpSpPr>
+      <p:pic>
+        <p:nvPicPr>
+          <p:cNvPr id="5" name="Picture 4" descr="A close up of a mans face&#10;&#10;Description generated with high confidence">
+            <a:extLst>
+              <a:ext uri="{FF2B5EF4-FFF2-40B4-BE49-F238E27FC236}">
+                <a16:creationId xmlns:a16="http://schemas.microsoft.com/office/drawing/2014/main" id="{9C7AB213-0D7F-4A73-9919-4DF65C8E04AB}"/>
+              </a:ext>
+            </a:extLst>
+          </p:cNvPr>
+          <p:cNvPicPr>
+            <a:picLocks noChangeAspect="1"/>
+          </p:cNvPicPr>
+          <p:nvPr/>
+        </p:nvPicPr>
+        <p:blipFill>
+          <a:blip r:embed="rId3">
+            <a:extLst>
+              <a:ext uri="{28A0092B-C50C-407E-A947-70E740481C1C}">
+                <a14:useLocalDpi xmlns:a14="http://schemas.microsoft.com/office/drawing/2010/main" val="0"/>
+              </a:ext>
+            </a:extLst>
+          </a:blip>
+          <a:stretch>
+            <a:fillRect/>
+          </a:stretch>
+        </p:blipFill>
+        <p:spPr>
+          <a:xfrm>
+            <a:off x="3048" y="0"/>
+            <a:ext cx="12188952" cy="6858000"/>
+          </a:xfrm>
+          <a:prstGeom prst="rect">
+            <a:avLst/>
+          </a:prstGeom>
+        </p:spPr>
+      </p:pic>
+      <p:sp>
+        <p:nvSpPr>
+          <p:cNvPr id="6" name="TextBox 5">
+            <a:extLst>
+              <a:ext uri="{FF2B5EF4-FFF2-40B4-BE49-F238E27FC236}">
+                <a16:creationId xmlns:a16="http://schemas.microsoft.com/office/drawing/2014/main" id="{F5C12D09-08F6-4A17-B25F-43A9B8E607AE}"/>
+              </a:ext>
+            </a:extLst>
+          </p:cNvPr>
+          <p:cNvSpPr txBox="1"/>
+          <p:nvPr/>
+        </p:nvSpPr>
+        <p:spPr>
+          <a:xfrm>
+            <a:off x="977258" y="113140"/>
+            <a:ext cx="7912360" cy="830997"/>
+          </a:xfrm>
+          <a:prstGeom prst="rect">
+            <a:avLst/>
+          </a:prstGeom>
+          <a:noFill/>
+        </p:spPr>
+        <p:txBody>
+          <a:bodyPr wrap="square" rtlCol="0">
+            <a:spAutoFit/>
+          </a:bodyPr>
+          <a:lstStyle/>
+          <a:p>
+            <a:pPr algn="ctr"/>
+            <a:r>
+              <a:rPr lang="en-US" sz="4800" dirty="0">
+                <a:solidFill>
+                  <a:srgbClr val="000066"/>
+                </a:solidFill>
+              </a:rPr>
+              <a:t>Informational Objects</a:t>
+            </a:r>
+          </a:p>
+        </p:txBody>
+      </p:sp>
+      <p:sp>
+        <p:nvSpPr>
+          <p:cNvPr id="4" name="TextBox 3">
+            <a:extLst>
+              <a:ext uri="{FF2B5EF4-FFF2-40B4-BE49-F238E27FC236}">
+                <a16:creationId xmlns:a16="http://schemas.microsoft.com/office/drawing/2014/main" id="{A6D0314E-EE92-4ED7-B94F-25142942C466}"/>
+              </a:ext>
+            </a:extLst>
+          </p:cNvPr>
+          <p:cNvSpPr txBox="1"/>
+          <p:nvPr/>
+        </p:nvSpPr>
+        <p:spPr>
+          <a:xfrm>
+            <a:off x="362038" y="1972893"/>
+            <a:ext cx="9924964" cy="3416320"/>
+          </a:xfrm>
+          <a:prstGeom prst="rect">
+            <a:avLst/>
+          </a:prstGeom>
+          <a:noFill/>
+        </p:spPr>
+        <p:txBody>
+          <a:bodyPr wrap="square" lIns="91440" tIns="45720" rIns="91440" bIns="45720" anchor="t">
+            <a:spAutoFit/>
+          </a:bodyPr>
+          <a:lstStyle/>
+          <a:p>
+            <a:r>
+              <a:rPr lang="en-US" dirty="0"/>
+              <a:t>Informational Object Class – provides </a:t>
+            </a:r>
+            <a:r>
+              <a:rPr lang="en-US" b="0" i="0" dirty="0">
+                <a:solidFill>
+                  <a:srgbClr val="000000"/>
+                </a:solidFill>
+                <a:effectLst/>
+                <a:latin typeface="Helvetica" panose="020B0604020202020204" pitchFamily="34" charset="0"/>
+              </a:rPr>
+              <a:t>an abstract definition of real-world entities applicable to communication of digital medical images and related information (e.g., waveforms, structured reports, radiation therapy dose, etc.).</a:t>
+            </a:r>
+          </a:p>
+          <a:p>
+            <a:endParaRPr lang="en-US" dirty="0">
+              <a:solidFill>
+                <a:srgbClr val="000000"/>
+              </a:solidFill>
+              <a:latin typeface="Helvetica" panose="020B0604020202020204" pitchFamily="34" charset="0"/>
+            </a:endParaRPr>
+          </a:p>
+          <a:p>
+            <a:r>
+              <a:rPr lang="en-US" dirty="0">
+                <a:solidFill>
+                  <a:srgbClr val="000000"/>
+                </a:solidFill>
+                <a:latin typeface="Helvetica" panose="020B0604020202020204" pitchFamily="34" charset="0"/>
+              </a:rPr>
+              <a:t>Two types:</a:t>
+            </a:r>
+          </a:p>
+          <a:p>
+            <a:pPr marL="342900" indent="-342900">
+              <a:buAutoNum type="arabicPeriod"/>
+            </a:pPr>
+            <a:r>
+              <a:rPr lang="en-US" dirty="0">
+                <a:solidFill>
+                  <a:srgbClr val="000000"/>
+                </a:solidFill>
+                <a:latin typeface="Helvetica" panose="020B0604020202020204" pitchFamily="34" charset="0"/>
+              </a:rPr>
+              <a:t>Normalized: include only Attributes inherent in the real-world entity</a:t>
+            </a:r>
+          </a:p>
+          <a:p>
+            <a:pPr marL="342900" indent="-342900">
+              <a:buAutoNum type="arabicPeriod"/>
+            </a:pPr>
+            <a:r>
+              <a:rPr lang="en-US" dirty="0">
+                <a:solidFill>
+                  <a:srgbClr val="000000"/>
+                </a:solidFill>
+                <a:latin typeface="Helvetica" panose="020B0604020202020204" pitchFamily="34" charset="0"/>
+              </a:rPr>
+              <a:t>Composite: include Attributes </a:t>
+            </a:r>
+            <a:r>
+              <a:rPr lang="en-US" b="0" i="0" dirty="0">
+                <a:solidFill>
+                  <a:srgbClr val="000000"/>
+                </a:solidFill>
+                <a:effectLst/>
+                <a:latin typeface="Helvetica" panose="020B0604020202020204" pitchFamily="34" charset="0"/>
+              </a:rPr>
+              <a:t> that are related to but not inherent in the real-world entity. </a:t>
+            </a:r>
+            <a:r>
+              <a:rPr lang="en-US" b="0" i="0" dirty="0" err="1">
+                <a:solidFill>
+                  <a:srgbClr val="000000"/>
+                </a:solidFill>
+                <a:effectLst/>
+                <a:latin typeface="Helvetica" panose="020B0604020202020204" pitchFamily="34" charset="0"/>
+              </a:rPr>
+              <a:t>Eg</a:t>
+            </a:r>
+            <a:r>
+              <a:rPr lang="en-US" b="0" i="0" dirty="0">
+                <a:solidFill>
+                  <a:srgbClr val="000000"/>
+                </a:solidFill>
+                <a:effectLst/>
+                <a:latin typeface="Helvetica" panose="020B0604020202020204" pitchFamily="34" charset="0"/>
+              </a:rPr>
+              <a:t> patient name in a CT image</a:t>
+            </a:r>
+          </a:p>
+          <a:p>
+            <a:pPr marL="342900" indent="-342900">
+              <a:buAutoNum type="arabicPeriod"/>
+            </a:pPr>
+            <a:endParaRPr lang="en-US" dirty="0">
+              <a:solidFill>
+                <a:srgbClr val="000000"/>
+              </a:solidFill>
+              <a:latin typeface="Helvetica" panose="020B0604020202020204" pitchFamily="34" charset="0"/>
+            </a:endParaRPr>
+          </a:p>
+          <a:p>
+            <a:r>
+              <a:rPr lang="en-US" dirty="0">
+                <a:solidFill>
+                  <a:srgbClr val="000000"/>
+                </a:solidFill>
+                <a:latin typeface="Helvetica" panose="020B0604020202020204" pitchFamily="34" charset="0"/>
+              </a:rPr>
+              <a:t>Abstract Syntax – service class or IOD referenced when negotiating associations between </a:t>
+            </a:r>
+            <a:r>
+              <a:rPr lang="en-US" dirty="0" err="1">
+                <a:solidFill>
+                  <a:srgbClr val="000000"/>
+                </a:solidFill>
+                <a:latin typeface="Helvetica" panose="020B0604020202020204" pitchFamily="34" charset="0"/>
+              </a:rPr>
+              <a:t>Aes</a:t>
+            </a:r>
+            <a:endParaRPr lang="en-US" dirty="0">
+              <a:solidFill>
+                <a:srgbClr val="000000"/>
+              </a:solidFill>
+              <a:latin typeface="Helvetica" panose="020B0604020202020204" pitchFamily="34" charset="0"/>
+            </a:endParaRPr>
+          </a:p>
+          <a:p>
+            <a:endParaRPr lang="en-US" dirty="0">
+              <a:solidFill>
+                <a:srgbClr val="000000"/>
+              </a:solidFill>
+              <a:latin typeface="Helvetica" panose="020B0604020202020204" pitchFamily="34" charset="0"/>
+            </a:endParaRPr>
+          </a:p>
+          <a:p>
+            <a:r>
+              <a:rPr lang="en-US" dirty="0">
+                <a:solidFill>
+                  <a:srgbClr val="000000"/>
+                </a:solidFill>
+                <a:latin typeface="Helvetica" panose="020B0604020202020204" pitchFamily="34" charset="0"/>
+              </a:rPr>
+              <a:t>Ref </a:t>
+            </a:r>
+            <a:r>
+              <a:rPr lang="en-US" dirty="0">
+                <a:hlinkClick r:id="rId4"/>
+              </a:rPr>
+              <a:t>A.3.5 Basics of DICOM Communication (nema.org)</a:t>
+            </a:r>
+            <a:endParaRPr lang="en-US" dirty="0">
+              <a:solidFill>
+                <a:srgbClr val="000000"/>
+              </a:solidFill>
+              <a:latin typeface="Helvetica" panose="020B0604020202020204" pitchFamily="34" charset="0"/>
+            </a:endParaRPr>
+          </a:p>
+        </p:txBody>
+      </p:sp>
+    </p:spTree>
+    <p:extLst>
+      <p:ext uri="{BB962C8B-B14F-4D97-AF65-F5344CB8AC3E}">
+        <p14:creationId xmlns:p14="http://schemas.microsoft.com/office/powerpoint/2010/main" val="2432008995"/>
+      </p:ext>
+    </p:extLst>
+  </p:cSld>
+  <p:clrMapOvr>
+    <a:masterClrMapping/>
+  </p:clrMapOvr>
+</p:sld>
+</file>
+
+<file path=ppt/slides/slide18.xml><?xml version="1.0" encoding="utf-8"?>
+<p:sld xmlns:a="http://schemas.openxmlformats.org/drawingml/2006/main" xmlns:r="http://schemas.openxmlformats.org/officeDocument/2006/relationships" xmlns:p="http://schemas.openxmlformats.org/presentationml/2006/main">
+  <p:cSld>
+    <p:spTree>
+      <p:nvGrpSpPr>
+        <p:cNvPr id="1" name=""/>
+        <p:cNvGrpSpPr/>
+        <p:nvPr/>
+      </p:nvGrpSpPr>
+      <p:grpSpPr>
+        <a:xfrm>
+          <a:off x="0" y="0"/>
+          <a:ext cx="0" cy="0"/>
+          <a:chOff x="0" y="0"/>
+          <a:chExt cx="0" cy="0"/>
+        </a:xfrm>
+      </p:grpSpPr>
+      <p:pic>
+        <p:nvPicPr>
+          <p:cNvPr id="5" name="Picture 4" descr="A close up of a mans face&#10;&#10;Description generated with high confidence">
+            <a:extLst>
+              <a:ext uri="{FF2B5EF4-FFF2-40B4-BE49-F238E27FC236}">
+                <a16:creationId xmlns:a16="http://schemas.microsoft.com/office/drawing/2014/main" id="{9C7AB213-0D7F-4A73-9919-4DF65C8E04AB}"/>
+              </a:ext>
+            </a:extLst>
+          </p:cNvPr>
+          <p:cNvPicPr>
+            <a:picLocks noChangeAspect="1"/>
+          </p:cNvPicPr>
+          <p:nvPr/>
+        </p:nvPicPr>
+        <p:blipFill>
+          <a:blip r:embed="rId3">
+            <a:extLst>
+              <a:ext uri="{28A0092B-C50C-407E-A947-70E740481C1C}">
+                <a14:useLocalDpi xmlns:a14="http://schemas.microsoft.com/office/drawing/2010/main" val="0"/>
+              </a:ext>
+            </a:extLst>
+          </a:blip>
+          <a:stretch>
+            <a:fillRect/>
+          </a:stretch>
+        </p:blipFill>
+        <p:spPr>
+          <a:xfrm>
+            <a:off x="3048" y="0"/>
+            <a:ext cx="12188952" cy="6858000"/>
+          </a:xfrm>
+          <a:prstGeom prst="rect">
+            <a:avLst/>
+          </a:prstGeom>
+        </p:spPr>
+      </p:pic>
+      <p:sp>
+        <p:nvSpPr>
+          <p:cNvPr id="6" name="TextBox 5">
+            <a:extLst>
+              <a:ext uri="{FF2B5EF4-FFF2-40B4-BE49-F238E27FC236}">
+                <a16:creationId xmlns:a16="http://schemas.microsoft.com/office/drawing/2014/main" id="{F5C12D09-08F6-4A17-B25F-43A9B8E607AE}"/>
+              </a:ext>
+            </a:extLst>
+          </p:cNvPr>
+          <p:cNvSpPr txBox="1"/>
+          <p:nvPr/>
+        </p:nvSpPr>
+        <p:spPr>
+          <a:xfrm>
+            <a:off x="977258" y="113141"/>
+            <a:ext cx="7912360" cy="830997"/>
+          </a:xfrm>
+          <a:prstGeom prst="rect">
+            <a:avLst/>
+          </a:prstGeom>
+          <a:noFill/>
+        </p:spPr>
+        <p:txBody>
+          <a:bodyPr wrap="square" rtlCol="0">
+            <a:spAutoFit/>
+          </a:bodyPr>
+          <a:lstStyle/>
+          <a:p>
+            <a:pPr algn="ctr"/>
+            <a:r>
+              <a:rPr lang="en-US" sz="4800" dirty="0">
+                <a:solidFill>
+                  <a:srgbClr val="000066"/>
+                </a:solidFill>
+              </a:rPr>
+              <a:t>Composite IOD - modules</a:t>
+            </a:r>
+          </a:p>
+        </p:txBody>
+      </p:sp>
+      <p:pic>
+        <p:nvPicPr>
+          <p:cNvPr id="4" name="Picture 3">
+            <a:extLst>
+              <a:ext uri="{FF2B5EF4-FFF2-40B4-BE49-F238E27FC236}">
+                <a16:creationId xmlns:a16="http://schemas.microsoft.com/office/drawing/2014/main" id="{5289BB4C-9D96-47BC-A82D-315BD37526F1}"/>
+              </a:ext>
+            </a:extLst>
+          </p:cNvPr>
+          <p:cNvPicPr>
+            <a:picLocks noChangeAspect="1"/>
+          </p:cNvPicPr>
+          <p:nvPr/>
+        </p:nvPicPr>
+        <p:blipFill>
+          <a:blip r:embed="rId4"/>
+          <a:stretch>
+            <a:fillRect/>
+          </a:stretch>
+        </p:blipFill>
+        <p:spPr>
+          <a:xfrm>
+            <a:off x="2314964" y="1057279"/>
+            <a:ext cx="4781550" cy="5067300"/>
+          </a:xfrm>
+          <a:prstGeom prst="rect">
+            <a:avLst/>
+          </a:prstGeom>
+        </p:spPr>
+      </p:pic>
+    </p:spTree>
+    <p:extLst>
+      <p:ext uri="{BB962C8B-B14F-4D97-AF65-F5344CB8AC3E}">
+        <p14:creationId xmlns:p14="http://schemas.microsoft.com/office/powerpoint/2010/main" val="44825386"/>
+      </p:ext>
+    </p:extLst>
+  </p:cSld>
+  <p:clrMapOvr>
+    <a:masterClrMapping/>
+  </p:clrMapOvr>
+</p:sld>
+</file>
+
+<file path=ppt/slides/slide19.xml><?xml version="1.0" encoding="utf-8"?>
+<p:sld xmlns:a="http://schemas.openxmlformats.org/drawingml/2006/main" xmlns:r="http://schemas.openxmlformats.org/officeDocument/2006/relationships" xmlns:p="http://schemas.openxmlformats.org/presentationml/2006/main">
+  <p:cSld>
+    <p:spTree>
+      <p:nvGrpSpPr>
+        <p:cNvPr id="1" name=""/>
+        <p:cNvGrpSpPr/>
+        <p:nvPr/>
+      </p:nvGrpSpPr>
+      <p:grpSpPr>
+        <a:xfrm>
+          <a:off x="0" y="0"/>
+          <a:ext cx="0" cy="0"/>
+          <a:chOff x="0" y="0"/>
+          <a:chExt cx="0" cy="0"/>
+        </a:xfrm>
+      </p:grpSpPr>
+      <p:pic>
+        <p:nvPicPr>
+          <p:cNvPr id="5" name="Picture 4" descr="A close up of a mans face&#10;&#10;Description generated with high confidence">
+            <a:extLst>
+              <a:ext uri="{FF2B5EF4-FFF2-40B4-BE49-F238E27FC236}">
+                <a16:creationId xmlns:a16="http://schemas.microsoft.com/office/drawing/2014/main" id="{9C7AB213-0D7F-4A73-9919-4DF65C8E04AB}"/>
+              </a:ext>
+            </a:extLst>
+          </p:cNvPr>
+          <p:cNvPicPr>
+            <a:picLocks noChangeAspect="1"/>
+          </p:cNvPicPr>
+          <p:nvPr/>
+        </p:nvPicPr>
+        <p:blipFill>
+          <a:blip r:embed="rId3">
+            <a:extLst>
+              <a:ext uri="{28A0092B-C50C-407E-A947-70E740481C1C}">
+                <a14:useLocalDpi xmlns:a14="http://schemas.microsoft.com/office/drawing/2010/main" val="0"/>
+              </a:ext>
+            </a:extLst>
+          </a:blip>
+          <a:stretch>
+            <a:fillRect/>
+          </a:stretch>
+        </p:blipFill>
+        <p:spPr>
+          <a:xfrm>
+            <a:off x="3048" y="0"/>
+            <a:ext cx="12188952" cy="6858000"/>
+          </a:xfrm>
+          <a:prstGeom prst="rect">
+            <a:avLst/>
+          </a:prstGeom>
+        </p:spPr>
+      </p:pic>
+      <p:sp>
+        <p:nvSpPr>
+          <p:cNvPr id="6" name="TextBox 5">
+            <a:extLst>
+              <a:ext uri="{FF2B5EF4-FFF2-40B4-BE49-F238E27FC236}">
+                <a16:creationId xmlns:a16="http://schemas.microsoft.com/office/drawing/2014/main" id="{F5C12D09-08F6-4A17-B25F-43A9B8E607AE}"/>
+              </a:ext>
+            </a:extLst>
+          </p:cNvPr>
+          <p:cNvSpPr txBox="1"/>
+          <p:nvPr/>
+        </p:nvSpPr>
+        <p:spPr>
+          <a:xfrm>
+            <a:off x="977258" y="113141"/>
+            <a:ext cx="7912360" cy="830997"/>
+          </a:xfrm>
+          <a:prstGeom prst="rect">
+            <a:avLst/>
+          </a:prstGeom>
+          <a:noFill/>
+        </p:spPr>
+        <p:txBody>
+          <a:bodyPr wrap="square" rtlCol="0">
+            <a:spAutoFit/>
+          </a:bodyPr>
+          <a:lstStyle/>
+          <a:p>
+            <a:pPr algn="ctr"/>
+            <a:r>
+              <a:rPr lang="en-US" sz="4800" dirty="0">
+                <a:solidFill>
+                  <a:srgbClr val="000066"/>
+                </a:solidFill>
+              </a:rPr>
+              <a:t>DICOM Attributes</a:t>
+            </a:r>
+          </a:p>
+        </p:txBody>
+      </p:sp>
+      <p:sp>
+        <p:nvSpPr>
+          <p:cNvPr id="7" name="TextBox 6">
+            <a:extLst>
+              <a:ext uri="{FF2B5EF4-FFF2-40B4-BE49-F238E27FC236}">
+                <a16:creationId xmlns:a16="http://schemas.microsoft.com/office/drawing/2014/main" id="{704FC93A-0765-44A8-8772-9EB82808AFDB}"/>
+              </a:ext>
+            </a:extLst>
+          </p:cNvPr>
+          <p:cNvSpPr txBox="1"/>
+          <p:nvPr/>
+        </p:nvSpPr>
+        <p:spPr>
+          <a:xfrm>
+            <a:off x="671804" y="1057278"/>
+            <a:ext cx="9335278" cy="3139321"/>
+          </a:xfrm>
+          <a:prstGeom prst="rect">
+            <a:avLst/>
+          </a:prstGeom>
+          <a:noFill/>
+        </p:spPr>
+        <p:txBody>
+          <a:bodyPr wrap="square">
+            <a:spAutoFit/>
+          </a:bodyPr>
+          <a:lstStyle/>
+          <a:p>
+            <a:r>
+              <a:rPr lang="en-US" dirty="0"/>
+              <a:t>Attributes – smallest unit of information in IODs</a:t>
+            </a:r>
+          </a:p>
+          <a:p>
+            <a:endParaRPr lang="en-US" dirty="0"/>
+          </a:p>
+          <a:p>
+            <a:r>
+              <a:rPr lang="en-US" dirty="0"/>
+              <a:t>Definition - (</a:t>
+            </a:r>
+            <a:r>
+              <a:rPr lang="en-US" dirty="0" err="1"/>
+              <a:t>group,element</a:t>
+            </a:r>
+            <a:r>
+              <a:rPr lang="en-US" dirty="0"/>
+              <a:t>), VR, Value Length, Value</a:t>
+            </a:r>
+          </a:p>
+          <a:p>
+            <a:endParaRPr lang="en-US" dirty="0"/>
+          </a:p>
+          <a:p>
+            <a:pPr marL="285750" indent="-285750">
+              <a:buFont typeface="Arial" panose="020B0604020202020204" pitchFamily="34" charset="0"/>
+              <a:buChar char="•"/>
+            </a:pPr>
+            <a:r>
+              <a:rPr lang="en-US" dirty="0"/>
+              <a:t>(</a:t>
+            </a:r>
+            <a:r>
+              <a:rPr lang="en-US" dirty="0" err="1"/>
+              <a:t>Group,element</a:t>
+            </a:r>
+            <a:r>
+              <a:rPr lang="en-US" dirty="0"/>
+              <a:t>) – semantic meaning of the attribute, coded as 4B, e.g. </a:t>
+            </a:r>
+            <a:r>
+              <a:rPr lang="en-US" dirty="0" err="1"/>
+              <a:t>PatientName</a:t>
+            </a:r>
+            <a:r>
+              <a:rPr lang="en-US" dirty="0"/>
+              <a:t>, </a:t>
+            </a:r>
+            <a:r>
+              <a:rPr lang="en-US" dirty="0" err="1"/>
+              <a:t>StudyInstanceUID</a:t>
+            </a:r>
+            <a:r>
+              <a:rPr lang="en-US" dirty="0"/>
+              <a:t>, </a:t>
+            </a:r>
+            <a:r>
+              <a:rPr lang="en-US" dirty="0" err="1"/>
+              <a:t>SamplesPerPixel</a:t>
+            </a:r>
+            <a:endParaRPr lang="en-US" dirty="0"/>
+          </a:p>
+          <a:p>
+            <a:pPr marL="285750" indent="-285750">
+              <a:buFont typeface="Arial" panose="020B0604020202020204" pitchFamily="34" charset="0"/>
+              <a:buChar char="•"/>
+            </a:pPr>
+            <a:r>
+              <a:rPr lang="en-US" dirty="0"/>
+              <a:t>VR – Value Representation, represented as 2B, </a:t>
+            </a:r>
+            <a:r>
+              <a:rPr lang="en-US" dirty="0" err="1"/>
+              <a:t>eg</a:t>
+            </a:r>
+            <a:r>
+              <a:rPr lang="en-US" dirty="0"/>
+              <a:t>: CS – Coded string, UL – unsigned long; </a:t>
+            </a:r>
+            <a:r>
+              <a:rPr lang="en-US" dirty="0">
+                <a:hlinkClick r:id="rId4"/>
+              </a:rPr>
+              <a:t>6.2 Value Representation (VR) (nema.org)</a:t>
+            </a:r>
+            <a:endParaRPr lang="en-US" dirty="0"/>
+          </a:p>
+          <a:p>
+            <a:pPr marL="285750" indent="-285750">
+              <a:buFont typeface="Arial" panose="020B0604020202020204" pitchFamily="34" charset="0"/>
+              <a:buChar char="•"/>
+            </a:pPr>
+            <a:r>
+              <a:rPr lang="en-US" dirty="0"/>
+              <a:t>Value length 2B – Length in bytes of value (data)</a:t>
+            </a:r>
+          </a:p>
+          <a:p>
+            <a:pPr marL="285750" indent="-285750">
+              <a:buFont typeface="Arial" panose="020B0604020202020204" pitchFamily="34" charset="0"/>
+              <a:buChar char="•"/>
+            </a:pPr>
+            <a:r>
+              <a:rPr lang="en-US" dirty="0"/>
+              <a:t>Value – actual value of the attribute</a:t>
+            </a:r>
+          </a:p>
+          <a:p>
+            <a:endParaRPr lang="en-US" dirty="0"/>
+          </a:p>
+        </p:txBody>
+      </p:sp>
+    </p:spTree>
+    <p:extLst>
+      <p:ext uri="{BB962C8B-B14F-4D97-AF65-F5344CB8AC3E}">
+        <p14:creationId xmlns:p14="http://schemas.microsoft.com/office/powerpoint/2010/main" val="3442866681"/>
+      </p:ext>
+    </p:extLst>
+  </p:cSld>
+  <p:clrMapOvr>
+    <a:masterClrMapping/>
+  </p:clrMapOvr>
+</p:sld>
+</file>
+
+<file path=ppt/slides/slide2.xml><?xml version="1.0" encoding="utf-8"?>
+<p:sld xmlns:a="http://schemas.openxmlformats.org/drawingml/2006/main" xmlns:r="http://schemas.openxmlformats.org/officeDocument/2006/relationships" xmlns:p="http://schemas.openxmlformats.org/presentationml/2006/main">
+  <p:cSld>
+    <p:spTree>
+      <p:nvGrpSpPr>
+        <p:cNvPr id="1" name=""/>
+        <p:cNvGrpSpPr/>
+        <p:nvPr/>
+      </p:nvGrpSpPr>
+      <p:grpSpPr>
+        <a:xfrm>
+          <a:off x="0" y="0"/>
+          <a:ext cx="0" cy="0"/>
+          <a:chOff x="0" y="0"/>
+          <a:chExt cx="0" cy="0"/>
+        </a:xfrm>
+      </p:grpSpPr>
+      <p:pic>
+        <p:nvPicPr>
+          <p:cNvPr id="5" name="Picture 4">
+            <a:extLst>
+              <a:ext uri="{FF2B5EF4-FFF2-40B4-BE49-F238E27FC236}">
+                <a16:creationId xmlns:a16="http://schemas.microsoft.com/office/drawing/2014/main" id="{7BE9423C-D407-4191-AA1D-9DD2E902C09C}"/>
+              </a:ext>
+            </a:extLst>
+          </p:cNvPr>
+          <p:cNvPicPr>
+            <a:picLocks noChangeAspect="1"/>
+          </p:cNvPicPr>
+          <p:nvPr/>
+        </p:nvPicPr>
+        <p:blipFill>
+          <a:blip r:embed="rId2">
+            <a:extLst>
+              <a:ext uri="{28A0092B-C50C-407E-A947-70E740481C1C}">
+                <a14:useLocalDpi xmlns:a14="http://schemas.microsoft.com/office/drawing/2010/main" val="0"/>
+              </a:ext>
+            </a:extLst>
+          </a:blip>
+          <a:stretch>
+            <a:fillRect/>
+          </a:stretch>
+        </p:blipFill>
+        <p:spPr>
+          <a:xfrm>
+            <a:off x="79807" y="0"/>
+            <a:ext cx="12188952" cy="6858000"/>
+          </a:xfrm>
+          <a:prstGeom prst="rect">
+            <a:avLst/>
+          </a:prstGeom>
+        </p:spPr>
+      </p:pic>
+      <p:sp>
+        <p:nvSpPr>
+          <p:cNvPr id="4" name="TextBox 3">
+            <a:extLst>
+              <a:ext uri="{FF2B5EF4-FFF2-40B4-BE49-F238E27FC236}">
+                <a16:creationId xmlns:a16="http://schemas.microsoft.com/office/drawing/2014/main" id="{6B32A576-E599-408E-A36B-D58FE0EF57B9}"/>
+              </a:ext>
+            </a:extLst>
+          </p:cNvPr>
+          <p:cNvSpPr txBox="1"/>
+          <p:nvPr/>
+        </p:nvSpPr>
+        <p:spPr>
+          <a:xfrm>
+            <a:off x="585373" y="2553596"/>
+            <a:ext cx="7912360" cy="954107"/>
+          </a:xfrm>
+          <a:prstGeom prst="rect">
+            <a:avLst/>
+          </a:prstGeom>
+          <a:noFill/>
+        </p:spPr>
+        <p:txBody>
+          <a:bodyPr wrap="square" rtlCol="0">
+            <a:spAutoFit/>
+          </a:bodyPr>
+          <a:lstStyle/>
+          <a:p>
+            <a:r>
+              <a:rPr lang="en-US" sz="2800" dirty="0">
+                <a:solidFill>
+                  <a:srgbClr val="000066"/>
+                </a:solidFill>
+              </a:rPr>
+              <a:t>Bogdan Petrovan</a:t>
+            </a:r>
+          </a:p>
+          <a:p>
+            <a:r>
+              <a:rPr lang="en-US" sz="2800" dirty="0">
+                <a:solidFill>
+                  <a:srgbClr val="000066"/>
+                </a:solidFill>
+              </a:rPr>
+              <a:t>Director of Product Engineering</a:t>
+            </a:r>
+          </a:p>
+        </p:txBody>
+      </p:sp>
+      <p:sp>
+        <p:nvSpPr>
+          <p:cNvPr id="2" name="TextBox 1">
+            <a:extLst>
+              <a:ext uri="{FF2B5EF4-FFF2-40B4-BE49-F238E27FC236}">
+                <a16:creationId xmlns:a16="http://schemas.microsoft.com/office/drawing/2014/main" id="{CB53DFFE-7B78-455F-B901-9B94C5FA9DC4}"/>
+              </a:ext>
+            </a:extLst>
+          </p:cNvPr>
+          <p:cNvSpPr txBox="1"/>
+          <p:nvPr/>
+        </p:nvSpPr>
+        <p:spPr>
+          <a:xfrm>
+            <a:off x="391886" y="4264090"/>
+            <a:ext cx="6738896" cy="1107996"/>
+          </a:xfrm>
+          <a:prstGeom prst="rect">
+            <a:avLst/>
+          </a:prstGeom>
+          <a:noFill/>
+        </p:spPr>
+        <p:txBody>
+          <a:bodyPr wrap="none" rtlCol="0">
+            <a:spAutoFit/>
+          </a:bodyPr>
+          <a:lstStyle/>
+          <a:p>
+            <a:r>
+              <a:rPr lang="en-US" dirty="0">
+                <a:hlinkClick r:id="rId3"/>
+              </a:rPr>
+              <a:t>bpetrovan@laitek.com</a:t>
+            </a:r>
+            <a:r>
+              <a:rPr lang="en-US" dirty="0"/>
+              <a:t> </a:t>
+            </a:r>
+          </a:p>
+          <a:p>
+            <a:r>
+              <a:rPr lang="en-US" dirty="0"/>
+              <a:t>Support repo: </a:t>
+            </a:r>
+            <a:r>
+              <a:rPr lang="en-US" dirty="0">
+                <a:hlinkClick r:id="rId4"/>
+              </a:rPr>
+              <a:t>https://github.com/</a:t>
+            </a:r>
+            <a:r>
+              <a:rPr lang="en-US" sz="2400" b="1" dirty="0">
+                <a:hlinkClick r:id="rId4"/>
+              </a:rPr>
+              <a:t>petrovanster/dicom_intro</a:t>
+            </a:r>
+            <a:endParaRPr lang="en-US" sz="2400" b="1" dirty="0"/>
+          </a:p>
+          <a:p>
+            <a:endParaRPr lang="en-US" sz="2400" dirty="0"/>
+          </a:p>
+        </p:txBody>
+      </p:sp>
+    </p:spTree>
+    <p:extLst>
+      <p:ext uri="{BB962C8B-B14F-4D97-AF65-F5344CB8AC3E}">
+        <p14:creationId xmlns:p14="http://schemas.microsoft.com/office/powerpoint/2010/main" val="2491925098"/>
+      </p:ext>
+    </p:extLst>
+  </p:cSld>
+  <p:clrMapOvr>
+    <a:masterClrMapping/>
+  </p:clrMapOvr>
+</p:sld>
+</file>
+
+<file path=ppt/slides/slide20.xml><?xml version="1.0" encoding="utf-8"?>
+<p:sld xmlns:a="http://schemas.openxmlformats.org/drawingml/2006/main" xmlns:r="http://schemas.openxmlformats.org/officeDocument/2006/relationships" xmlns:p="http://schemas.openxmlformats.org/presentationml/2006/main">
+  <p:cSld>
+    <p:spTree>
+      <p:nvGrpSpPr>
+        <p:cNvPr id="1" name=""/>
+        <p:cNvGrpSpPr/>
+        <p:nvPr/>
+      </p:nvGrpSpPr>
+      <p:grpSpPr>
+        <a:xfrm>
+          <a:off x="0" y="0"/>
+          <a:ext cx="0" cy="0"/>
+          <a:chOff x="0" y="0"/>
+          <a:chExt cx="0" cy="0"/>
+        </a:xfrm>
+      </p:grpSpPr>
+      <p:pic>
+        <p:nvPicPr>
+          <p:cNvPr id="5" name="Picture 4" descr="A close up of a mans face&#10;&#10;Description generated with high confidence">
+            <a:extLst>
+              <a:ext uri="{FF2B5EF4-FFF2-40B4-BE49-F238E27FC236}">
+                <a16:creationId xmlns:a16="http://schemas.microsoft.com/office/drawing/2014/main" id="{9C7AB213-0D7F-4A73-9919-4DF65C8E04AB}"/>
+              </a:ext>
+            </a:extLst>
+          </p:cNvPr>
+          <p:cNvPicPr>
+            <a:picLocks noChangeAspect="1"/>
+          </p:cNvPicPr>
+          <p:nvPr/>
+        </p:nvPicPr>
+        <p:blipFill>
+          <a:blip r:embed="rId3">
+            <a:extLst>
+              <a:ext uri="{28A0092B-C50C-407E-A947-70E740481C1C}">
+                <a14:useLocalDpi xmlns:a14="http://schemas.microsoft.com/office/drawing/2010/main" val="0"/>
+              </a:ext>
+            </a:extLst>
+          </a:blip>
+          <a:stretch>
+            <a:fillRect/>
+          </a:stretch>
+        </p:blipFill>
+        <p:spPr>
+          <a:xfrm>
+            <a:off x="3048" y="0"/>
+            <a:ext cx="12188952" cy="6858000"/>
+          </a:xfrm>
+          <a:prstGeom prst="rect">
+            <a:avLst/>
+          </a:prstGeom>
+        </p:spPr>
+      </p:pic>
+      <p:sp>
+        <p:nvSpPr>
+          <p:cNvPr id="6" name="TextBox 5">
+            <a:extLst>
+              <a:ext uri="{FF2B5EF4-FFF2-40B4-BE49-F238E27FC236}">
+                <a16:creationId xmlns:a16="http://schemas.microsoft.com/office/drawing/2014/main" id="{F5C12D09-08F6-4A17-B25F-43A9B8E607AE}"/>
+              </a:ext>
+            </a:extLst>
+          </p:cNvPr>
+          <p:cNvSpPr txBox="1"/>
+          <p:nvPr/>
+        </p:nvSpPr>
+        <p:spPr>
+          <a:xfrm>
+            <a:off x="977258" y="113141"/>
+            <a:ext cx="7912360" cy="830997"/>
+          </a:xfrm>
+          <a:prstGeom prst="rect">
+            <a:avLst/>
+          </a:prstGeom>
+          <a:noFill/>
+        </p:spPr>
+        <p:txBody>
+          <a:bodyPr wrap="square" rtlCol="0">
+            <a:spAutoFit/>
+          </a:bodyPr>
+          <a:lstStyle/>
+          <a:p>
+            <a:pPr algn="ctr"/>
+            <a:r>
+              <a:rPr lang="en-US" sz="4800" dirty="0">
+                <a:solidFill>
+                  <a:srgbClr val="000066"/>
+                </a:solidFill>
+              </a:rPr>
+              <a:t>Image Module - highlights</a:t>
+            </a:r>
+          </a:p>
+        </p:txBody>
+      </p:sp>
+      <p:sp>
+        <p:nvSpPr>
+          <p:cNvPr id="7" name="Content Placeholder 2">
+            <a:extLst>
+              <a:ext uri="{FF2B5EF4-FFF2-40B4-BE49-F238E27FC236}">
+                <a16:creationId xmlns:a16="http://schemas.microsoft.com/office/drawing/2014/main" id="{3E58B0FA-A8C5-44F1-97DC-CA78F4EB275F}"/>
+              </a:ext>
+            </a:extLst>
+          </p:cNvPr>
+          <p:cNvSpPr>
+            <a:spLocks noGrp="1"/>
+          </p:cNvSpPr>
+          <p:nvPr>
+            <p:ph idx="1"/>
+          </p:nvPr>
+        </p:nvSpPr>
+        <p:spPr>
+          <a:xfrm>
+            <a:off x="642257" y="1321772"/>
+            <a:ext cx="10515600" cy="4351338"/>
+          </a:xfrm>
+        </p:spPr>
+        <p:txBody>
+          <a:bodyPr/>
+          <a:lstStyle/>
+          <a:p>
+            <a:r>
+              <a:rPr lang="en-US" dirty="0"/>
+              <a:t>Samples per pixel = 1/3</a:t>
+            </a:r>
+          </a:p>
+          <a:p>
+            <a:r>
+              <a:rPr lang="en-US" dirty="0"/>
+              <a:t>Bits per sample = 8/16</a:t>
+            </a:r>
+          </a:p>
+          <a:p>
+            <a:r>
+              <a:rPr lang="en-US" dirty="0"/>
+              <a:t>High bit = 7,8 / 12,14,16</a:t>
+            </a:r>
+          </a:p>
+          <a:p>
+            <a:r>
+              <a:rPr lang="en-US" dirty="0"/>
+              <a:t>Photometric Interpretation = MONO1/2, RGB, YUV, YUV 422, YUV 420</a:t>
+            </a:r>
+          </a:p>
+          <a:p>
+            <a:r>
+              <a:rPr lang="en-US" dirty="0"/>
+              <a:t>Planar Configuration = 0,1 – jpeg compression over planar 1</a:t>
+            </a:r>
+          </a:p>
+          <a:p>
+            <a:endParaRPr lang="en-US" dirty="0"/>
+          </a:p>
+          <a:p>
+            <a:r>
+              <a:rPr lang="en-US" dirty="0"/>
+              <a:t>According to the modality, there are specific attributes, </a:t>
+            </a:r>
+            <a:r>
+              <a:rPr lang="en-US" dirty="0" err="1"/>
+              <a:t>eg</a:t>
+            </a:r>
+            <a:r>
+              <a:rPr lang="en-US"/>
+              <a:t> </a:t>
+            </a:r>
+            <a:r>
+              <a:rPr lang="en-US">
+                <a:hlinkClick r:id="rId4"/>
+              </a:rPr>
+              <a:t>https://dicom.nema.org/medical/dicom/current/output/chtml/part03/sect_C.8.11.7.html</a:t>
+            </a:r>
+            <a:r>
+              <a:rPr lang="en-US"/>
+              <a:t> </a:t>
+            </a:r>
+            <a:endParaRPr lang="en-US" dirty="0"/>
+          </a:p>
+        </p:txBody>
+      </p:sp>
+    </p:spTree>
+    <p:extLst>
+      <p:ext uri="{BB962C8B-B14F-4D97-AF65-F5344CB8AC3E}">
+        <p14:creationId xmlns:p14="http://schemas.microsoft.com/office/powerpoint/2010/main" val="3899352193"/>
+      </p:ext>
+    </p:extLst>
+  </p:cSld>
+  <p:clrMapOvr>
+    <a:masterClrMapping/>
+  </p:clrMapOvr>
+</p:sld>
+</file>
+
+<file path=ppt/slides/slide21.xml><?xml version="1.0" encoding="utf-8"?>
+<p:sld xmlns:a="http://schemas.openxmlformats.org/drawingml/2006/main" xmlns:r="http://schemas.openxmlformats.org/officeDocument/2006/relationships" xmlns:p="http://schemas.openxmlformats.org/presentationml/2006/main">
+  <p:cSld>
+    <p:spTree>
+      <p:nvGrpSpPr>
+        <p:cNvPr id="1" name=""/>
+        <p:cNvGrpSpPr/>
+        <p:nvPr/>
+      </p:nvGrpSpPr>
+      <p:grpSpPr>
+        <a:xfrm>
+          <a:off x="0" y="0"/>
+          <a:ext cx="0" cy="0"/>
+          <a:chOff x="0" y="0"/>
+          <a:chExt cx="0" cy="0"/>
+        </a:xfrm>
+      </p:grpSpPr>
+      <p:pic>
+        <p:nvPicPr>
+          <p:cNvPr id="5" name="Picture 4" descr="A close up of a mans face&#10;&#10;Description generated with high confidence">
+            <a:extLst>
+              <a:ext uri="{FF2B5EF4-FFF2-40B4-BE49-F238E27FC236}">
+                <a16:creationId xmlns:a16="http://schemas.microsoft.com/office/drawing/2014/main" id="{9C7AB213-0D7F-4A73-9919-4DF65C8E04AB}"/>
+              </a:ext>
+            </a:extLst>
+          </p:cNvPr>
+          <p:cNvPicPr>
+            <a:picLocks noChangeAspect="1"/>
+          </p:cNvPicPr>
+          <p:nvPr/>
+        </p:nvPicPr>
+        <p:blipFill>
+          <a:blip r:embed="rId3">
+            <a:extLst>
+              <a:ext uri="{28A0092B-C50C-407E-A947-70E740481C1C}">
+                <a14:useLocalDpi xmlns:a14="http://schemas.microsoft.com/office/drawing/2010/main" val="0"/>
+              </a:ext>
+            </a:extLst>
+          </a:blip>
+          <a:stretch>
+            <a:fillRect/>
+          </a:stretch>
+        </p:blipFill>
+        <p:spPr>
+          <a:xfrm>
+            <a:off x="3048" y="0"/>
+            <a:ext cx="12188952" cy="6858000"/>
+          </a:xfrm>
+          <a:prstGeom prst="rect">
+            <a:avLst/>
+          </a:prstGeom>
+        </p:spPr>
+      </p:pic>
+      <p:sp>
+        <p:nvSpPr>
+          <p:cNvPr id="6" name="TextBox 5">
+            <a:extLst>
+              <a:ext uri="{FF2B5EF4-FFF2-40B4-BE49-F238E27FC236}">
+                <a16:creationId xmlns:a16="http://schemas.microsoft.com/office/drawing/2014/main" id="{F5C12D09-08F6-4A17-B25F-43A9B8E607AE}"/>
+              </a:ext>
+            </a:extLst>
+          </p:cNvPr>
+          <p:cNvSpPr txBox="1"/>
+          <p:nvPr/>
+        </p:nvSpPr>
+        <p:spPr>
+          <a:xfrm>
+            <a:off x="977258" y="75818"/>
+            <a:ext cx="7912360" cy="830997"/>
+          </a:xfrm>
+          <a:prstGeom prst="rect">
+            <a:avLst/>
+          </a:prstGeom>
+          <a:noFill/>
+        </p:spPr>
+        <p:txBody>
+          <a:bodyPr wrap="square" rtlCol="0">
+            <a:spAutoFit/>
+          </a:bodyPr>
+          <a:lstStyle/>
+          <a:p>
+            <a:pPr algn="ctr"/>
+            <a:r>
+              <a:rPr lang="en-US" sz="4800" dirty="0">
+                <a:solidFill>
+                  <a:srgbClr val="000066"/>
+                </a:solidFill>
+              </a:rPr>
+              <a:t>DICOM Media Files</a:t>
+            </a:r>
+          </a:p>
+        </p:txBody>
+      </p:sp>
+      <p:sp>
+        <p:nvSpPr>
+          <p:cNvPr id="4" name="TextBox 3">
+            <a:extLst>
+              <a:ext uri="{FF2B5EF4-FFF2-40B4-BE49-F238E27FC236}">
+                <a16:creationId xmlns:a16="http://schemas.microsoft.com/office/drawing/2014/main" id="{52AEA740-AE47-42CC-82ED-F83698F7508F}"/>
+              </a:ext>
+            </a:extLst>
+          </p:cNvPr>
+          <p:cNvSpPr txBox="1"/>
+          <p:nvPr/>
+        </p:nvSpPr>
+        <p:spPr>
+          <a:xfrm>
+            <a:off x="522514" y="1324947"/>
+            <a:ext cx="9792478" cy="2031325"/>
+          </a:xfrm>
+          <a:prstGeom prst="rect">
+            <a:avLst/>
+          </a:prstGeom>
+          <a:noFill/>
+        </p:spPr>
+        <p:txBody>
+          <a:bodyPr wrap="square" rtlCol="0">
+            <a:spAutoFit/>
+          </a:bodyPr>
+          <a:lstStyle/>
+          <a:p>
+            <a:r>
+              <a:rPr lang="en-US" dirty="0"/>
+              <a:t>Used for exchanging object via storage (e.g. DVDs)</a:t>
+            </a:r>
+          </a:p>
+          <a:p>
+            <a:endParaRPr lang="en-US" dirty="0"/>
+          </a:p>
+          <a:p>
+            <a:r>
+              <a:rPr lang="en-US" dirty="0"/>
+              <a:t>Remember: Storage is a communication channel! </a:t>
+            </a:r>
+          </a:p>
+          <a:p>
+            <a:endParaRPr lang="en-US" dirty="0"/>
+          </a:p>
+          <a:p>
+            <a:r>
+              <a:rPr lang="en-US" dirty="0"/>
+              <a:t>Part 10 of the standard describes the way to store the </a:t>
+            </a:r>
+            <a:r>
+              <a:rPr lang="en-US" dirty="0" err="1"/>
+              <a:t>dicom</a:t>
+            </a:r>
+            <a:r>
+              <a:rPr lang="en-US" dirty="0"/>
+              <a:t> objects into files, by predefined Presentation Contexts. From communication </a:t>
+            </a:r>
+            <a:r>
+              <a:rPr lang="en-US" dirty="0" err="1"/>
+              <a:t>pov</a:t>
+            </a:r>
+            <a:r>
+              <a:rPr lang="en-US" dirty="0"/>
+              <a:t>, both the source and the reader already negotiated the presentation contexts, by agreeing to this standard.  </a:t>
+            </a:r>
+          </a:p>
+        </p:txBody>
+      </p:sp>
+      <p:sp>
+        <p:nvSpPr>
+          <p:cNvPr id="3" name="TextBox 2">
+            <a:extLst>
+              <a:ext uri="{FF2B5EF4-FFF2-40B4-BE49-F238E27FC236}">
+                <a16:creationId xmlns:a16="http://schemas.microsoft.com/office/drawing/2014/main" id="{69A6DA08-8608-4110-BFFF-CF83933A4FED}"/>
+              </a:ext>
+            </a:extLst>
+          </p:cNvPr>
+          <p:cNvSpPr txBox="1"/>
+          <p:nvPr/>
+        </p:nvSpPr>
+        <p:spPr>
+          <a:xfrm>
+            <a:off x="573444" y="3429000"/>
+            <a:ext cx="9400592" cy="2123658"/>
+          </a:xfrm>
+          <a:prstGeom prst="rect">
+            <a:avLst/>
+          </a:prstGeom>
+          <a:noFill/>
+        </p:spPr>
+        <p:txBody>
+          <a:bodyPr wrap="square" rtlCol="0">
+            <a:spAutoFit/>
+          </a:bodyPr>
+          <a:lstStyle/>
+          <a:p>
+            <a:r>
+              <a:rPr lang="en-US" sz="1100" dirty="0">
+                <a:latin typeface="Courier New" panose="02070309020205020404" pitchFamily="49" charset="0"/>
+                <a:cs typeface="Courier New" panose="02070309020205020404" pitchFamily="49" charset="0"/>
+              </a:rPr>
+              <a:t> (0008, 0008) Image Type                          CS: ['DERIVED', 'SECONDARY', 'IMAGE ADDITION']</a:t>
+            </a:r>
+          </a:p>
+          <a:p>
+            <a:r>
+              <a:rPr lang="en-US" sz="1100" dirty="0">
+                <a:latin typeface="Courier New" panose="02070309020205020404" pitchFamily="49" charset="0"/>
+                <a:cs typeface="Courier New" panose="02070309020205020404" pitchFamily="49" charset="0"/>
+              </a:rPr>
+              <a:t> (0008, 0012) Instance Creation Date              DA: '20070315'</a:t>
+            </a:r>
+          </a:p>
+          <a:p>
+            <a:r>
+              <a:rPr lang="en-US" sz="1100" dirty="0">
+                <a:latin typeface="Courier New" panose="02070309020205020404" pitchFamily="49" charset="0"/>
+                <a:cs typeface="Courier New" panose="02070309020205020404" pitchFamily="49" charset="0"/>
+              </a:rPr>
+              <a:t> (0008, 0013) Instance Creation Time              TM: '132035'</a:t>
+            </a:r>
+          </a:p>
+          <a:p>
+            <a:r>
+              <a:rPr lang="en-US" sz="1100" dirty="0">
+                <a:latin typeface="Courier New" panose="02070309020205020404" pitchFamily="49" charset="0"/>
+                <a:cs typeface="Courier New" panose="02070309020205020404" pitchFamily="49" charset="0"/>
+              </a:rPr>
+              <a:t> (0008, 0016) SOP Class UID                       UI: CT Image Storage</a:t>
+            </a:r>
+          </a:p>
+          <a:p>
+            <a:r>
+              <a:rPr lang="en-US" sz="1100" dirty="0">
+                <a:latin typeface="Courier New" panose="02070309020205020404" pitchFamily="49" charset="0"/>
+                <a:cs typeface="Courier New" panose="02070309020205020404" pitchFamily="49" charset="0"/>
+              </a:rPr>
+              <a:t> (0008, 0018) SOP Instance UID                    UI: 1.2.276.0.50.192168001099.8252157.14547392.157</a:t>
+            </a:r>
+          </a:p>
+          <a:p>
+            <a:r>
+              <a:rPr lang="en-US" sz="1100" dirty="0">
+                <a:latin typeface="Courier New" panose="02070309020205020404" pitchFamily="49" charset="0"/>
+                <a:cs typeface="Courier New" panose="02070309020205020404" pitchFamily="49" charset="0"/>
+              </a:rPr>
+              <a:t> (0008, 0020) Study Date                          DA: '20010101'</a:t>
+            </a:r>
+          </a:p>
+          <a:p>
+            <a:r>
+              <a:rPr lang="en-US" sz="1100" dirty="0">
+                <a:latin typeface="Courier New" panose="02070309020205020404" pitchFamily="49" charset="0"/>
+                <a:cs typeface="Courier New" panose="02070309020205020404" pitchFamily="49" charset="0"/>
+              </a:rPr>
+              <a:t> (0008, 0022) Acquisition Date                    DA: '20070511'</a:t>
+            </a:r>
+          </a:p>
+          <a:p>
+            <a:r>
+              <a:rPr lang="en-US" sz="1100" dirty="0">
+                <a:latin typeface="Courier New" panose="02070309020205020404" pitchFamily="49" charset="0"/>
+                <a:cs typeface="Courier New" panose="02070309020205020404" pitchFamily="49" charset="0"/>
+              </a:rPr>
+              <a:t> (0008, 0023) Content Date                        DA: '20070511'</a:t>
+            </a:r>
+          </a:p>
+          <a:p>
+            <a:r>
+              <a:rPr lang="en-US" sz="1100" dirty="0">
+                <a:latin typeface="Courier New" panose="02070309020205020404" pitchFamily="49" charset="0"/>
+                <a:cs typeface="Courier New" panose="02070309020205020404" pitchFamily="49" charset="0"/>
+              </a:rPr>
+              <a:t> (0008, 0030) Study Time                          TM: '113646'</a:t>
+            </a:r>
+          </a:p>
+          <a:p>
+            <a:r>
+              <a:rPr lang="en-US" sz="1100" dirty="0">
+                <a:latin typeface="Courier New" panose="02070309020205020404" pitchFamily="49" charset="0"/>
+                <a:cs typeface="Courier New" panose="02070309020205020404" pitchFamily="49" charset="0"/>
+              </a:rPr>
+              <a:t> (0008, 0032) Acquisition Time                    TM: '113646'</a:t>
+            </a:r>
+          </a:p>
+          <a:p>
+            <a:r>
+              <a:rPr lang="en-US" sz="1100" dirty="0">
+                <a:latin typeface="Courier New" panose="02070309020205020404" pitchFamily="49" charset="0"/>
+                <a:cs typeface="Courier New" panose="02070309020205020404" pitchFamily="49" charset="0"/>
+              </a:rPr>
+              <a:t> (0008, 0033) Content Time                        TM: '113646’</a:t>
+            </a:r>
+          </a:p>
+          <a:p>
+            <a:r>
+              <a:rPr lang="en-US" sz="1100" dirty="0">
+                <a:latin typeface="Courier New" panose="02070309020205020404" pitchFamily="49" charset="0"/>
+                <a:cs typeface="Courier New" panose="02070309020205020404" pitchFamily="49" charset="0"/>
+              </a:rPr>
+              <a:t>….</a:t>
+            </a:r>
+          </a:p>
+        </p:txBody>
+      </p:sp>
+    </p:spTree>
+    <p:extLst>
+      <p:ext uri="{BB962C8B-B14F-4D97-AF65-F5344CB8AC3E}">
+        <p14:creationId xmlns:p14="http://schemas.microsoft.com/office/powerpoint/2010/main" val="3883854486"/>
+      </p:ext>
+    </p:extLst>
+  </p:cSld>
+  <p:clrMapOvr>
+    <a:masterClrMapping/>
+  </p:clrMapOvr>
+</p:sld>
+</file>
+
 <file path=ppt/slides/slide22.xml><?xml version="1.0" encoding="utf-8"?>
+<p:sld xmlns:a="http://schemas.openxmlformats.org/drawingml/2006/main" xmlns:r="http://schemas.openxmlformats.org/officeDocument/2006/relationships" xmlns:p="http://schemas.openxmlformats.org/presentationml/2006/main" show="0">
+  <p:cSld>
+    <p:spTree>
+      <p:nvGrpSpPr>
+        <p:cNvPr id="1" name=""/>
+        <p:cNvGrpSpPr/>
+        <p:nvPr/>
+      </p:nvGrpSpPr>
+      <p:grpSpPr>
+        <a:xfrm>
+          <a:off x="0" y="0"/>
+          <a:ext cx="0" cy="0"/>
+          <a:chOff x="0" y="0"/>
+          <a:chExt cx="0" cy="0"/>
+        </a:xfrm>
+      </p:grpSpPr>
+      <p:sp>
+        <p:nvSpPr>
+          <p:cNvPr id="2" name="Title 1">
+            <a:extLst>
+              <a:ext uri="{FF2B5EF4-FFF2-40B4-BE49-F238E27FC236}">
+                <a16:creationId xmlns:a16="http://schemas.microsoft.com/office/drawing/2014/main" id="{A80E96C0-3CDC-442A-AFC0-BDDB2654539D}"/>
+              </a:ext>
+            </a:extLst>
+          </p:cNvPr>
+          <p:cNvSpPr>
+            <a:spLocks noGrp="1"/>
+          </p:cNvSpPr>
+          <p:nvPr>
+            <p:ph type="title"/>
+          </p:nvPr>
+        </p:nvSpPr>
+        <p:spPr/>
+        <p:txBody>
+          <a:bodyPr/>
+          <a:lstStyle/>
+          <a:p>
+            <a:r>
+              <a:rPr lang="en-US" dirty="0"/>
+              <a:t>Image attributes</a:t>
+            </a:r>
+          </a:p>
+        </p:txBody>
+      </p:sp>
+      <p:sp>
+        <p:nvSpPr>
+          <p:cNvPr id="3" name="Content Placeholder 2">
+            <a:extLst>
+              <a:ext uri="{FF2B5EF4-FFF2-40B4-BE49-F238E27FC236}">
+                <a16:creationId xmlns:a16="http://schemas.microsoft.com/office/drawing/2014/main" id="{BDFDCB64-DA36-46E1-8100-121D3B5A7A67}"/>
+              </a:ext>
+            </a:extLst>
+          </p:cNvPr>
+          <p:cNvSpPr>
+            <a:spLocks noGrp="1"/>
+          </p:cNvSpPr>
+          <p:nvPr>
+            <p:ph idx="1"/>
+          </p:nvPr>
+        </p:nvSpPr>
+        <p:spPr/>
+        <p:txBody>
+          <a:bodyPr/>
+          <a:lstStyle/>
+          <a:p>
+            <a:r>
+              <a:rPr lang="en-US" dirty="0"/>
+              <a:t>Samples per pixel = 1/3</a:t>
+            </a:r>
+          </a:p>
+          <a:p>
+            <a:r>
+              <a:rPr lang="en-US" dirty="0"/>
+              <a:t>Bits per sample = 8/16</a:t>
+            </a:r>
+          </a:p>
+          <a:p>
+            <a:r>
+              <a:rPr lang="en-US" dirty="0"/>
+              <a:t>High bit = 7,8 / 12,14,16</a:t>
+            </a:r>
+          </a:p>
+          <a:p>
+            <a:r>
+              <a:rPr lang="en-US" dirty="0"/>
+              <a:t>Photometric </a:t>
+            </a:r>
+            <a:r>
+              <a:rPr lang="en-US" dirty="0" err="1"/>
+              <a:t>Intepretation</a:t>
+            </a:r>
+            <a:r>
+              <a:rPr lang="en-US" dirty="0"/>
+              <a:t> = MONO1.2, RGB, YUV, YUV 422, YUV 420</a:t>
+            </a:r>
+          </a:p>
+          <a:p>
+            <a:r>
+              <a:rPr lang="en-US" dirty="0"/>
+              <a:t>Planar Configuration = 0,1 – jpeg compression over planar 1</a:t>
+            </a:r>
+          </a:p>
+        </p:txBody>
+      </p:sp>
+    </p:spTree>
+    <p:extLst>
+      <p:ext uri="{BB962C8B-B14F-4D97-AF65-F5344CB8AC3E}">
+        <p14:creationId xmlns:p14="http://schemas.microsoft.com/office/powerpoint/2010/main" val="1128070362"/>
+      </p:ext>
+    </p:extLst>
+  </p:cSld>
+  <p:clrMapOvr>
+    <a:masterClrMapping/>
+  </p:clrMapOvr>
+</p:sld>
+</file>
+
+<file path=ppt/slides/slide23.xml><?xml version="1.0" encoding="utf-8"?>
 <p:sld xmlns:a="http://schemas.openxmlformats.org/drawingml/2006/main" xmlns:r="http://schemas.openxmlformats.org/officeDocument/2006/relationships" xmlns:p="http://schemas.openxmlformats.org/presentationml/2006/main">
   <p:cSld>
     <p:spTree>
@@ -25184,112 +25364,6 @@
 </p:sld>
 </file>
 
-<file path=ppt/slides/slide23.xml><?xml version="1.0" encoding="utf-8"?>
-<p:sld xmlns:a="http://schemas.openxmlformats.org/drawingml/2006/main" xmlns:r="http://schemas.openxmlformats.org/officeDocument/2006/relationships" xmlns:p="http://schemas.openxmlformats.org/presentationml/2006/main">
-  <p:cSld>
-    <p:spTree>
-      <p:nvGrpSpPr>
-        <p:cNvPr id="1" name=""/>
-        <p:cNvGrpSpPr/>
-        <p:nvPr/>
-      </p:nvGrpSpPr>
-      <p:grpSpPr>
-        <a:xfrm>
-          <a:off x="0" y="0"/>
-          <a:ext cx="0" cy="0"/>
-          <a:chOff x="0" y="0"/>
-          <a:chExt cx="0" cy="0"/>
-        </a:xfrm>
-      </p:grpSpPr>
-      <p:pic>
-        <p:nvPicPr>
-          <p:cNvPr id="5" name="Picture 4" descr="A close up of a mans face&#10;&#10;Description generated with high confidence">
-            <a:extLst>
-              <a:ext uri="{FF2B5EF4-FFF2-40B4-BE49-F238E27FC236}">
-                <a16:creationId xmlns:a16="http://schemas.microsoft.com/office/drawing/2014/main" id="{9C7AB213-0D7F-4A73-9919-4DF65C8E04AB}"/>
-              </a:ext>
-            </a:extLst>
-          </p:cNvPr>
-          <p:cNvPicPr>
-            <a:picLocks noChangeAspect="1"/>
-          </p:cNvPicPr>
-          <p:nvPr/>
-        </p:nvPicPr>
-        <p:blipFill>
-          <a:blip r:embed="rId3">
-            <a:extLst>
-              <a:ext uri="{28A0092B-C50C-407E-A947-70E740481C1C}">
-                <a14:useLocalDpi xmlns:a14="http://schemas.microsoft.com/office/drawing/2010/main" val="0"/>
-              </a:ext>
-            </a:extLst>
-          </a:blip>
-          <a:stretch>
-            <a:fillRect/>
-          </a:stretch>
-        </p:blipFill>
-        <p:spPr>
-          <a:xfrm>
-            <a:off x="3048" y="0"/>
-            <a:ext cx="12188952" cy="6858000"/>
-          </a:xfrm>
-          <a:prstGeom prst="rect">
-            <a:avLst/>
-          </a:prstGeom>
-        </p:spPr>
-      </p:pic>
-      <p:sp>
-        <p:nvSpPr>
-          <p:cNvPr id="6" name="TextBox 5">
-            <a:extLst>
-              <a:ext uri="{FF2B5EF4-FFF2-40B4-BE49-F238E27FC236}">
-                <a16:creationId xmlns:a16="http://schemas.microsoft.com/office/drawing/2014/main" id="{F5C12D09-08F6-4A17-B25F-43A9B8E607AE}"/>
-              </a:ext>
-            </a:extLst>
-          </p:cNvPr>
-          <p:cNvSpPr txBox="1"/>
-          <p:nvPr/>
-        </p:nvSpPr>
-        <p:spPr>
-          <a:xfrm>
-            <a:off x="977258" y="-85913"/>
-            <a:ext cx="7912360" cy="1569660"/>
-          </a:xfrm>
-          <a:prstGeom prst="rect">
-            <a:avLst/>
-          </a:prstGeom>
-          <a:noFill/>
-        </p:spPr>
-        <p:txBody>
-          <a:bodyPr wrap="square" rtlCol="0">
-            <a:spAutoFit/>
-          </a:bodyPr>
-          <a:lstStyle/>
-          <a:p>
-            <a:pPr algn="ctr"/>
-            <a:r>
-              <a:rPr lang="en-US" sz="4800" dirty="0">
-                <a:solidFill>
-                  <a:srgbClr val="000066"/>
-                </a:solidFill>
-              </a:rPr>
-              <a:t>App 1: Association Negotiation sample</a:t>
-            </a:r>
-          </a:p>
-        </p:txBody>
-      </p:sp>
-    </p:spTree>
-    <p:extLst>
-      <p:ext uri="{BB962C8B-B14F-4D97-AF65-F5344CB8AC3E}">
-        <p14:creationId xmlns:p14="http://schemas.microsoft.com/office/powerpoint/2010/main" val="4043594007"/>
-      </p:ext>
-    </p:extLst>
-  </p:cSld>
-  <p:clrMapOvr>
-    <a:masterClrMapping/>
-  </p:clrMapOvr>
-</p:sld>
-</file>
-
 <file path=ppt/slides/slide24.xml><?xml version="1.0" encoding="utf-8"?>
 <p:sld xmlns:a="http://schemas.openxmlformats.org/drawingml/2006/main" xmlns:r="http://schemas.openxmlformats.org/officeDocument/2006/relationships" xmlns:p="http://schemas.openxmlformats.org/presentationml/2006/main">
   <p:cSld>
@@ -25357,7 +25431,7 @@
         </p:nvSpPr>
         <p:spPr>
           <a:xfrm>
-            <a:off x="977258" y="75818"/>
+            <a:off x="977258" y="66487"/>
             <a:ext cx="7912360" cy="830997"/>
           </a:xfrm>
           <a:prstGeom prst="rect">
@@ -25378,17 +25452,17 @@
                   <a:srgbClr val="000066"/>
                 </a:solidFill>
               </a:rPr>
-              <a:t>DICOM Media Files</a:t>
+              <a:t>DICOM Media files</a:t>
             </a:r>
           </a:p>
         </p:txBody>
       </p:sp>
       <p:sp>
         <p:nvSpPr>
-          <p:cNvPr id="4" name="TextBox 3">
+          <p:cNvPr id="2" name="TextBox 1">
             <a:extLst>
               <a:ext uri="{FF2B5EF4-FFF2-40B4-BE49-F238E27FC236}">
-                <a16:creationId xmlns:a16="http://schemas.microsoft.com/office/drawing/2014/main" id="{52AEA740-AE47-42CC-82ED-F83698F7508F}"/>
+                <a16:creationId xmlns:a16="http://schemas.microsoft.com/office/drawing/2014/main" id="{D70480BF-3DB3-4831-B79F-62B377EA5064}"/>
               </a:ext>
             </a:extLst>
           </p:cNvPr>
@@ -25396,9 +25470,9 @@
           <p:nvPr/>
         </p:nvSpPr>
         <p:spPr>
-          <a:xfrm>
-            <a:off x="522514" y="1324947"/>
-            <a:ext cx="9792478" cy="2031325"/>
+          <a:xfrm flipH="1">
+            <a:off x="862148" y="1590869"/>
+            <a:ext cx="9102946" cy="369332"/>
           </a:xfrm>
           <a:prstGeom prst="rect">
             <a:avLst/>
@@ -25413,186 +25487,75 @@
           <a:p>
             <a:r>
               <a:rPr lang="en-US" dirty="0"/>
-              <a:t>Used for exchanging object via storage (e.g. DVDs)</a:t>
-            </a:r>
-          </a:p>
-          <a:p>
-            <a:endParaRPr lang="en-US" dirty="0"/>
-          </a:p>
-          <a:p>
-            <a:r>
-              <a:rPr lang="en-US" dirty="0"/>
-              <a:t>Remember: Storage is a communication channel! </a:t>
-            </a:r>
-          </a:p>
-          <a:p>
-            <a:endParaRPr lang="en-US" dirty="0"/>
-          </a:p>
-          <a:p>
-            <a:r>
-              <a:rPr lang="en-US" dirty="0"/>
-              <a:t>Part 10 of the standard describes the way to store the </a:t>
-            </a:r>
-            <a:r>
-              <a:rPr lang="en-US" dirty="0" err="1"/>
-              <a:t>dicom</a:t>
-            </a:r>
-            <a:r>
-              <a:rPr lang="en-US" dirty="0"/>
-              <a:t> objects into files, by predefined Presentation Contexts. From communication </a:t>
-            </a:r>
-            <a:r>
-              <a:rPr lang="en-US" dirty="0" err="1"/>
-              <a:t>pov</a:t>
-            </a:r>
-            <a:r>
-              <a:rPr lang="en-US" dirty="0"/>
-              <a:t>, both the source and the reader already negotiated the presentation contexts, by agreeing to this standard.  </a:t>
+              <a:t>Hex representation of the file format</a:t>
             </a:r>
           </a:p>
         </p:txBody>
       </p:sp>
-      <p:sp>
-        <p:nvSpPr>
-          <p:cNvPr id="3" name="TextBox 2">
+      <p:pic>
+        <p:nvPicPr>
+          <p:cNvPr id="4" name="Picture 3">
             <a:extLst>
               <a:ext uri="{FF2B5EF4-FFF2-40B4-BE49-F238E27FC236}">
-                <a16:creationId xmlns:a16="http://schemas.microsoft.com/office/drawing/2014/main" id="{69A6DA08-8608-4110-BFFF-CF83933A4FED}"/>
+                <a16:creationId xmlns:a16="http://schemas.microsoft.com/office/drawing/2014/main" id="{2E33EA3F-3217-41A4-96A9-88B22587DD0F}"/>
               </a:ext>
             </a:extLst>
           </p:cNvPr>
-          <p:cNvSpPr txBox="1"/>
+          <p:cNvPicPr>
+            <a:picLocks noChangeAspect="1"/>
+          </p:cNvPicPr>
           <p:nvPr/>
-        </p:nvSpPr>
+        </p:nvPicPr>
+        <p:blipFill>
+          <a:blip r:embed="rId4"/>
+          <a:stretch>
+            <a:fillRect/>
+          </a:stretch>
+        </p:blipFill>
         <p:spPr>
           <a:xfrm>
-            <a:off x="573444" y="3429000"/>
-            <a:ext cx="9400592" cy="2123658"/>
+            <a:off x="329526" y="2007244"/>
+            <a:ext cx="5588157" cy="5456545"/>
           </a:xfrm>
           <a:prstGeom prst="rect">
             <a:avLst/>
           </a:prstGeom>
-          <a:noFill/>
         </p:spPr>
-        <p:txBody>
-          <a:bodyPr wrap="square" rtlCol="0">
-            <a:spAutoFit/>
-          </a:bodyPr>
-          <a:lstStyle/>
-          <a:p>
-            <a:r>
-              <a:rPr lang="en-US" sz="1100" dirty="0">
-                <a:latin typeface="Courier New" panose="02070309020205020404" pitchFamily="49" charset="0"/>
-                <a:cs typeface="Courier New" panose="02070309020205020404" pitchFamily="49" charset="0"/>
-              </a:rPr>
-              <a:t> (0008, 0008) Image Type                          CS: ['DERIVED', 'SECONDARY', 'IMAGE ADDITION']</a:t>
-            </a:r>
-          </a:p>
-          <a:p>
-            <a:r>
-              <a:rPr lang="en-US" sz="1100" dirty="0">
-                <a:latin typeface="Courier New" panose="02070309020205020404" pitchFamily="49" charset="0"/>
-                <a:cs typeface="Courier New" panose="02070309020205020404" pitchFamily="49" charset="0"/>
-              </a:rPr>
-              <a:t> (0008, 0012) Instance Creation Date              DA: '20070315'</a:t>
-            </a:r>
-          </a:p>
-          <a:p>
-            <a:r>
-              <a:rPr lang="en-US" sz="1100" dirty="0">
-                <a:latin typeface="Courier New" panose="02070309020205020404" pitchFamily="49" charset="0"/>
-                <a:cs typeface="Courier New" panose="02070309020205020404" pitchFamily="49" charset="0"/>
-              </a:rPr>
-              <a:t> (0008, 0013) Instance Creation Time              TM: '132035'</a:t>
-            </a:r>
-          </a:p>
-          <a:p>
-            <a:r>
-              <a:rPr lang="en-US" sz="1100" dirty="0">
-                <a:latin typeface="Courier New" panose="02070309020205020404" pitchFamily="49" charset="0"/>
-                <a:cs typeface="Courier New" panose="02070309020205020404" pitchFamily="49" charset="0"/>
-              </a:rPr>
-              <a:t> (0008, 0016) SOP Class UID                       UI: CT Image Storage</a:t>
-            </a:r>
-          </a:p>
-          <a:p>
-            <a:r>
-              <a:rPr lang="en-US" sz="1100" dirty="0">
-                <a:latin typeface="Courier New" panose="02070309020205020404" pitchFamily="49" charset="0"/>
-                <a:cs typeface="Courier New" panose="02070309020205020404" pitchFamily="49" charset="0"/>
-              </a:rPr>
-              <a:t> (0008, 0018) SOP Instance UID                    UI: 1.2.276.0.50.192168001099.8252157.14547392.157</a:t>
-            </a:r>
-          </a:p>
-          <a:p>
-            <a:r>
-              <a:rPr lang="en-US" sz="1100" dirty="0">
-                <a:latin typeface="Courier New" panose="02070309020205020404" pitchFamily="49" charset="0"/>
-                <a:cs typeface="Courier New" panose="02070309020205020404" pitchFamily="49" charset="0"/>
-              </a:rPr>
-              <a:t> (0008, 0020) Study Date                          DA: '20010101'</a:t>
-            </a:r>
-          </a:p>
-          <a:p>
-            <a:r>
-              <a:rPr lang="en-US" sz="1100" dirty="0">
-                <a:latin typeface="Courier New" panose="02070309020205020404" pitchFamily="49" charset="0"/>
-                <a:cs typeface="Courier New" panose="02070309020205020404" pitchFamily="49" charset="0"/>
-              </a:rPr>
-              <a:t> (0008, 0022) Acquisition Date                    DA: '20070511'</a:t>
-            </a:r>
-          </a:p>
-          <a:p>
-            <a:r>
-              <a:rPr lang="en-US" sz="1100" dirty="0">
-                <a:latin typeface="Courier New" panose="02070309020205020404" pitchFamily="49" charset="0"/>
-                <a:cs typeface="Courier New" panose="02070309020205020404" pitchFamily="49" charset="0"/>
-              </a:rPr>
-              <a:t> (0008, 0023) Content Date                        DA: '20070511'</a:t>
-            </a:r>
-          </a:p>
-          <a:p>
-            <a:r>
-              <a:rPr lang="en-US" sz="1100" dirty="0">
-                <a:latin typeface="Courier New" panose="02070309020205020404" pitchFamily="49" charset="0"/>
-                <a:cs typeface="Courier New" panose="02070309020205020404" pitchFamily="49" charset="0"/>
-              </a:rPr>
-              <a:t> (0008, 0030) Study Time                          TM: '113646'</a:t>
-            </a:r>
-          </a:p>
-          <a:p>
-            <a:r>
-              <a:rPr lang="en-US" sz="1100" dirty="0">
-                <a:latin typeface="Courier New" panose="02070309020205020404" pitchFamily="49" charset="0"/>
-                <a:cs typeface="Courier New" panose="02070309020205020404" pitchFamily="49" charset="0"/>
-              </a:rPr>
-              <a:t> (0008, 0032) Acquisition Time                    TM: '113646'</a:t>
-            </a:r>
-          </a:p>
-          <a:p>
-            <a:r>
-              <a:rPr lang="en-US" sz="1100" dirty="0">
-                <a:latin typeface="Courier New" panose="02070309020205020404" pitchFamily="49" charset="0"/>
-                <a:cs typeface="Courier New" panose="02070309020205020404" pitchFamily="49" charset="0"/>
-              </a:rPr>
-              <a:t> (0008, 0033) Content Time                        TM: '113646’</a:t>
-            </a:r>
-          </a:p>
-          <a:p>
-            <a:r>
-              <a:rPr lang="en-US" sz="1100" dirty="0">
-                <a:latin typeface="Courier New" panose="02070309020205020404" pitchFamily="49" charset="0"/>
-                <a:cs typeface="Courier New" panose="02070309020205020404" pitchFamily="49" charset="0"/>
-              </a:rPr>
-              <a:t>….</a:t>
-            </a:r>
-          </a:p>
-        </p:txBody>
-      </p:sp>
+      </p:pic>
+      <p:pic>
+        <p:nvPicPr>
+          <p:cNvPr id="8" name="Picture 7">
+            <a:extLst>
+              <a:ext uri="{FF2B5EF4-FFF2-40B4-BE49-F238E27FC236}">
+                <a16:creationId xmlns:a16="http://schemas.microsoft.com/office/drawing/2014/main" id="{5103FBBB-86DB-4F4C-81FA-323BE8D152DF}"/>
+              </a:ext>
+            </a:extLst>
+          </p:cNvPr>
+          <p:cNvPicPr>
+            <a:picLocks noChangeAspect="1"/>
+          </p:cNvPicPr>
+          <p:nvPr/>
+        </p:nvPicPr>
+        <p:blipFill>
+          <a:blip r:embed="rId5"/>
+          <a:stretch>
+            <a:fillRect/>
+          </a:stretch>
+        </p:blipFill>
+        <p:spPr>
+          <a:xfrm>
+            <a:off x="6033174" y="2007244"/>
+            <a:ext cx="5961816" cy="2355206"/>
+          </a:xfrm>
+          <a:prstGeom prst="rect">
+            <a:avLst/>
+          </a:prstGeom>
+        </p:spPr>
+      </p:pic>
     </p:spTree>
     <p:extLst>
       <p:ext uri="{BB962C8B-B14F-4D97-AF65-F5344CB8AC3E}">
-        <p14:creationId xmlns:p14="http://schemas.microsoft.com/office/powerpoint/2010/main" val="3883854486"/>
+        <p14:creationId xmlns:p14="http://schemas.microsoft.com/office/powerpoint/2010/main" val="3070175961"/>
       </p:ext>
     </p:extLst>
   </p:cSld>
@@ -25690,7 +25653,23 @@
                   <a:srgbClr val="000066"/>
                 </a:solidFill>
               </a:rPr>
-              <a:t>DICOM Media files</a:t>
+              <a:t>App 2: </a:t>
+            </a:r>
+            <a:r>
+              <a:rPr lang="en-US" sz="4800" dirty="0" err="1">
+                <a:solidFill>
+                  <a:srgbClr val="000066"/>
+                </a:solidFill>
+              </a:rPr>
+              <a:t>Dicom</a:t>
+            </a:r>
+            <a:r>
+              <a:rPr lang="en-US" sz="4800" dirty="0">
+                <a:solidFill>
+                  <a:srgbClr val="000066"/>
+                </a:solidFill>
+              </a:rPr>
+              <a:t> objects</a:t>
             </a:r>
           </a:p>
         </p:txBody>
@@ -25725,75 +25704,15 @@
           <a:p>
             <a:r>
               <a:rPr lang="en-US" dirty="0"/>
-              <a:t>Hex representation of the file format</a:t>
+              <a:t>You will load a DICOM Object from a file, inspect attributes.</a:t>
             </a:r>
           </a:p>
         </p:txBody>
       </p:sp>
-      <p:pic>
-        <p:nvPicPr>
-          <p:cNvPr id="4" name="Picture 3">
-            <a:extLst>
-              <a:ext uri="{FF2B5EF4-FFF2-40B4-BE49-F238E27FC236}">
-                <a16:creationId xmlns:a16="http://schemas.microsoft.com/office/drawing/2014/main" id="{2E33EA3F-3217-41A4-96A9-88B22587DD0F}"/>
-              </a:ext>
-            </a:extLst>
-          </p:cNvPr>
-          <p:cNvPicPr>
-            <a:picLocks noChangeAspect="1"/>
-          </p:cNvPicPr>
-          <p:nvPr/>
-        </p:nvPicPr>
-        <p:blipFill>
-          <a:blip r:embed="rId4"/>
-          <a:stretch>
-            <a:fillRect/>
-          </a:stretch>
-        </p:blipFill>
-        <p:spPr>
-          <a:xfrm>
-            <a:off x="329526" y="2007244"/>
-            <a:ext cx="5588157" cy="5456545"/>
-          </a:xfrm>
-          <a:prstGeom prst="rect">
-            <a:avLst/>
-          </a:prstGeom>
-        </p:spPr>
-      </p:pic>
-      <p:pic>
-        <p:nvPicPr>
-          <p:cNvPr id="8" name="Picture 7">
-            <a:extLst>
-              <a:ext uri="{FF2B5EF4-FFF2-40B4-BE49-F238E27FC236}">
-                <a16:creationId xmlns:a16="http://schemas.microsoft.com/office/drawing/2014/main" id="{5103FBBB-86DB-4F4C-81FA-323BE8D152DF}"/>
-              </a:ext>
-            </a:extLst>
-          </p:cNvPr>
-          <p:cNvPicPr>
-            <a:picLocks noChangeAspect="1"/>
-          </p:cNvPicPr>
-          <p:nvPr/>
-        </p:nvPicPr>
-        <p:blipFill>
-          <a:blip r:embed="rId5"/>
-          <a:stretch>
-            <a:fillRect/>
-          </a:stretch>
-        </p:blipFill>
-        <p:spPr>
-          <a:xfrm>
-            <a:off x="6033174" y="2007244"/>
-            <a:ext cx="5961816" cy="2355206"/>
-          </a:xfrm>
-          <a:prstGeom prst="rect">
-            <a:avLst/>
-          </a:prstGeom>
-        </p:spPr>
-      </p:pic>
     </p:spTree>
     <p:extLst>
       <p:ext uri="{BB962C8B-B14F-4D97-AF65-F5344CB8AC3E}">
-        <p14:creationId xmlns:p14="http://schemas.microsoft.com/office/powerpoint/2010/main" val="3070175961"/>
+        <p14:creationId xmlns:p14="http://schemas.microsoft.com/office/powerpoint/2010/main" val="3083945493"/>
       </p:ext>
     </p:extLst>
   </p:cSld>
@@ -25891,163 +25810,6 @@
                   <a:srgbClr val="000066"/>
                 </a:solidFill>
               </a:rPr>
-              <a:t>App 2: </a:t>
-            </a:r>
-            <a:r>
-              <a:rPr lang="en-US" sz="4800" dirty="0" err="1">
-                <a:solidFill>
-                  <a:srgbClr val="000066"/>
-                </a:solidFill>
-              </a:rPr>
-              <a:t>Dicom</a:t>
-            </a:r>
-            <a:r>
-              <a:rPr lang="en-US" sz="4800" dirty="0">
-                <a:solidFill>
-                  <a:srgbClr val="000066"/>
-                </a:solidFill>
-              </a:rPr>
-              <a:t> objects</a:t>
-            </a:r>
-          </a:p>
-        </p:txBody>
-      </p:sp>
-      <p:sp>
-        <p:nvSpPr>
-          <p:cNvPr id="2" name="TextBox 1">
-            <a:extLst>
-              <a:ext uri="{FF2B5EF4-FFF2-40B4-BE49-F238E27FC236}">
-                <a16:creationId xmlns:a16="http://schemas.microsoft.com/office/drawing/2014/main" id="{D70480BF-3DB3-4831-B79F-62B377EA5064}"/>
-              </a:ext>
-            </a:extLst>
-          </p:cNvPr>
-          <p:cNvSpPr txBox="1"/>
-          <p:nvPr/>
-        </p:nvSpPr>
-        <p:spPr>
-          <a:xfrm flipH="1">
-            <a:off x="862148" y="1590869"/>
-            <a:ext cx="9102946" cy="369332"/>
-          </a:xfrm>
-          <a:prstGeom prst="rect">
-            <a:avLst/>
-          </a:prstGeom>
-          <a:noFill/>
-        </p:spPr>
-        <p:txBody>
-          <a:bodyPr wrap="square" rtlCol="0">
-            <a:spAutoFit/>
-          </a:bodyPr>
-          <a:lstStyle/>
-          <a:p>
-            <a:r>
-              <a:rPr lang="en-US" dirty="0"/>
-              <a:t>You will load a DICOM Object from a file, inspect attributes.</a:t>
-            </a:r>
-          </a:p>
-        </p:txBody>
-      </p:sp>
-    </p:spTree>
-    <p:extLst>
-      <p:ext uri="{BB962C8B-B14F-4D97-AF65-F5344CB8AC3E}">
-        <p14:creationId xmlns:p14="http://schemas.microsoft.com/office/powerpoint/2010/main" val="3083945493"/>
-      </p:ext>
-    </p:extLst>
-  </p:cSld>
-  <p:clrMapOvr>
-    <a:masterClrMapping/>
-  </p:clrMapOvr>
-</p:sld>
-</file>
-
-<file path=ppt/slides/slide27.xml><?xml version="1.0" encoding="utf-8"?>
-<p:sld xmlns:a="http://schemas.openxmlformats.org/drawingml/2006/main" xmlns:r="http://schemas.openxmlformats.org/officeDocument/2006/relationships" xmlns:p="http://schemas.openxmlformats.org/presentationml/2006/main">
-  <p:cSld>
-    <p:spTree>
-      <p:nvGrpSpPr>
-        <p:cNvPr id="1" name=""/>
-        <p:cNvGrpSpPr/>
-        <p:nvPr/>
-      </p:nvGrpSpPr>
-      <p:grpSpPr>
-        <a:xfrm>
-          <a:off x="0" y="0"/>
-          <a:ext cx="0" cy="0"/>
-          <a:chOff x="0" y="0"/>
-          <a:chExt cx="0" cy="0"/>
-        </a:xfrm>
-      </p:grpSpPr>
-      <p:pic>
-        <p:nvPicPr>
-          <p:cNvPr id="5" name="Picture 4" descr="A close up of a mans face&#10;&#10;Description generated with high confidence">
-            <a:extLst>
-              <a:ext uri="{FF2B5EF4-FFF2-40B4-BE49-F238E27FC236}">
-                <a16:creationId xmlns:a16="http://schemas.microsoft.com/office/drawing/2014/main" id="{9C7AB213-0D7F-4A73-9919-4DF65C8E04AB}"/>
-              </a:ext>
-            </a:extLst>
-          </p:cNvPr>
-          <p:cNvPicPr>
-            <a:picLocks noChangeAspect="1"/>
-          </p:cNvPicPr>
-          <p:nvPr/>
-        </p:nvPicPr>
-        <p:blipFill>
-          <a:blip r:embed="rId3">
-            <a:extLst>
-              <a:ext uri="{28A0092B-C50C-407E-A947-70E740481C1C}">
-                <a14:useLocalDpi xmlns:a14="http://schemas.microsoft.com/office/drawing/2010/main" val="0"/>
-              </a:ext>
-            </a:extLst>
-          </a:blip>
-          <a:stretch>
-            <a:fillRect/>
-          </a:stretch>
-        </p:blipFill>
-        <p:spPr>
-          <a:xfrm>
-            <a:off x="3048" y="0"/>
-            <a:ext cx="12188952" cy="6858000"/>
-          </a:xfrm>
-          <a:prstGeom prst="rect">
-            <a:avLst/>
-          </a:prstGeom>
-        </p:spPr>
-      </p:pic>
-      <p:sp>
-        <p:nvSpPr>
-          <p:cNvPr id="6" name="TextBox 5">
-            <a:extLst>
-              <a:ext uri="{FF2B5EF4-FFF2-40B4-BE49-F238E27FC236}">
-                <a16:creationId xmlns:a16="http://schemas.microsoft.com/office/drawing/2014/main" id="{F5C12D09-08F6-4A17-B25F-43A9B8E607AE}"/>
-              </a:ext>
-            </a:extLst>
-          </p:cNvPr>
-          <p:cNvSpPr txBox="1"/>
-          <p:nvPr/>
-        </p:nvSpPr>
-        <p:spPr>
-          <a:xfrm>
-            <a:off x="977258" y="66487"/>
-            <a:ext cx="7912360" cy="830997"/>
-          </a:xfrm>
-          <a:prstGeom prst="rect">
-            <a:avLst/>
-          </a:prstGeom>
-          <a:noFill/>
-        </p:spPr>
-        <p:txBody>
-          <a:bodyPr wrap="square" rtlCol="0">
-            <a:spAutoFit/>
-          </a:bodyPr>
-          <a:lstStyle/>
-          <a:p>
-            <a:pPr algn="ctr"/>
-            <a:r>
-              <a:rPr lang="en-US" sz="4800" dirty="0">
-                <a:solidFill>
-                  <a:srgbClr val="000066"/>
-                </a:solidFill>
-              </a:rPr>
               <a:t>App 3: Pixel Data</a:t>
             </a:r>
           </a:p>
@@ -26101,7 +25863,7 @@
 </p:sld>
 </file>
 
-<file path=ppt/slides/slide28.xml><?xml version="1.0" encoding="utf-8"?>
+<file path=ppt/slides/slide27.xml><?xml version="1.0" encoding="utf-8"?>
 <p:sld xmlns:a="http://schemas.openxmlformats.org/drawingml/2006/main" xmlns:r="http://schemas.openxmlformats.org/officeDocument/2006/relationships" xmlns:p="http://schemas.openxmlformats.org/presentationml/2006/main">
   <p:cSld>
     <p:spTree>
@@ -26207,7 +25969,7 @@
 </p:sld>
 </file>
 
-<file path=ppt/slides/slide29.xml><?xml version="1.0" encoding="utf-8"?>
+<file path=ppt/slides/slide28.xml><?xml version="1.0" encoding="utf-8"?>
 <p:sld xmlns:a="http://schemas.openxmlformats.org/drawingml/2006/main" xmlns:r="http://schemas.openxmlformats.org/officeDocument/2006/relationships" xmlns:p="http://schemas.openxmlformats.org/presentationml/2006/main">
   <p:cSld>
     <p:spTree>
@@ -26288,6 +26050,86 @@
     <p:extLst>
       <p:ext uri="{BB962C8B-B14F-4D97-AF65-F5344CB8AC3E}">
         <p14:creationId xmlns:p14="http://schemas.microsoft.com/office/powerpoint/2010/main" val="437834885"/>
+      </p:ext>
+    </p:extLst>
+  </p:cSld>
+  <p:clrMapOvr>
+    <a:masterClrMapping/>
+  </p:clrMapOvr>
+</p:sld>
+</file>
+
+<file path=ppt/slides/slide29.xml><?xml version="1.0" encoding="utf-8"?>
+<p:sld xmlns:a="http://schemas.openxmlformats.org/drawingml/2006/main" xmlns:r="http://schemas.openxmlformats.org/officeDocument/2006/relationships" xmlns:p="http://schemas.openxmlformats.org/presentationml/2006/main">
+  <p:cSld>
+    <p:spTree>
+      <p:nvGrpSpPr>
+        <p:cNvPr id="1" name=""/>
+        <p:cNvGrpSpPr/>
+        <p:nvPr/>
+      </p:nvGrpSpPr>
+      <p:grpSpPr>
+        <a:xfrm>
+          <a:off x="0" y="0"/>
+          <a:ext cx="0" cy="0"/>
+          <a:chOff x="0" y="0"/>
+          <a:chExt cx="0" cy="0"/>
+        </a:xfrm>
+      </p:grpSpPr>
+      <p:sp>
+        <p:nvSpPr>
+          <p:cNvPr id="2" name="Title 1">
+            <a:extLst>
+              <a:ext uri="{FF2B5EF4-FFF2-40B4-BE49-F238E27FC236}">
+                <a16:creationId xmlns:a16="http://schemas.microsoft.com/office/drawing/2014/main" id="{4DB80C4E-38CC-4350-BDF0-C7F61C8CB2EE}"/>
+              </a:ext>
+            </a:extLst>
+          </p:cNvPr>
+          <p:cNvSpPr>
+            <a:spLocks noGrp="1"/>
+          </p:cNvSpPr>
+          <p:nvPr>
+            <p:ph type="title"/>
+          </p:nvPr>
+        </p:nvSpPr>
+        <p:spPr/>
+        <p:txBody>
+          <a:bodyPr/>
+          <a:lstStyle/>
+          <a:p>
+            <a:endParaRPr lang="en-US"/>
+          </a:p>
+        </p:txBody>
+      </p:sp>
+      <p:sp>
+        <p:nvSpPr>
+          <p:cNvPr id="3" name="Content Placeholder 2">
+            <a:extLst>
+              <a:ext uri="{FF2B5EF4-FFF2-40B4-BE49-F238E27FC236}">
+                <a16:creationId xmlns:a16="http://schemas.microsoft.com/office/drawing/2014/main" id="{0E868ADC-818C-48AD-A620-F405AA3DAD12}"/>
+              </a:ext>
+            </a:extLst>
+          </p:cNvPr>
+          <p:cNvSpPr>
+            <a:spLocks noGrp="1"/>
+          </p:cNvSpPr>
+          <p:nvPr>
+            <p:ph idx="1"/>
+          </p:nvPr>
+        </p:nvSpPr>
+        <p:spPr/>
+        <p:txBody>
+          <a:bodyPr/>
+          <a:lstStyle/>
+          <a:p>
+            <a:endParaRPr lang="en-US"/>
+          </a:p>
+        </p:txBody>
+      </p:sp>
+    </p:spTree>
+    <p:extLst>
+      <p:ext uri="{BB962C8B-B14F-4D97-AF65-F5344CB8AC3E}">
+        <p14:creationId xmlns:p14="http://schemas.microsoft.com/office/powerpoint/2010/main" val="3690559984"/>
       </p:ext>
     </p:extLst>
   </p:cSld>
@@ -26543,86 +26385,6 @@
           <a:chExt cx="0" cy="0"/>
         </a:xfrm>
       </p:grpSpPr>
-      <p:sp>
-        <p:nvSpPr>
-          <p:cNvPr id="2" name="Title 1">
-            <a:extLst>
-              <a:ext uri="{FF2B5EF4-FFF2-40B4-BE49-F238E27FC236}">
-                <a16:creationId xmlns:a16="http://schemas.microsoft.com/office/drawing/2014/main" id="{4DB80C4E-38CC-4350-BDF0-C7F61C8CB2EE}"/>
-              </a:ext>
-            </a:extLst>
-          </p:cNvPr>
-          <p:cNvSpPr>
-            <a:spLocks noGrp="1"/>
-          </p:cNvSpPr>
-          <p:nvPr>
-            <p:ph type="title"/>
-          </p:nvPr>
-        </p:nvSpPr>
-        <p:spPr/>
-        <p:txBody>
-          <a:bodyPr/>
-          <a:lstStyle/>
-          <a:p>
-            <a:endParaRPr lang="en-US"/>
-          </a:p>
-        </p:txBody>
-      </p:sp>
-      <p:sp>
-        <p:nvSpPr>
-          <p:cNvPr id="3" name="Content Placeholder 2">
-            <a:extLst>
-              <a:ext uri="{FF2B5EF4-FFF2-40B4-BE49-F238E27FC236}">
-                <a16:creationId xmlns:a16="http://schemas.microsoft.com/office/drawing/2014/main" id="{0E868ADC-818C-48AD-A620-F405AA3DAD12}"/>
-              </a:ext>
-            </a:extLst>
-          </p:cNvPr>
-          <p:cNvSpPr>
-            <a:spLocks noGrp="1"/>
-          </p:cNvSpPr>
-          <p:nvPr>
-            <p:ph idx="1"/>
-          </p:nvPr>
-        </p:nvSpPr>
-        <p:spPr/>
-        <p:txBody>
-          <a:bodyPr/>
-          <a:lstStyle/>
-          <a:p>
-            <a:endParaRPr lang="en-US"/>
-          </a:p>
-        </p:txBody>
-      </p:sp>
-    </p:spTree>
-    <p:extLst>
-      <p:ext uri="{BB962C8B-B14F-4D97-AF65-F5344CB8AC3E}">
-        <p14:creationId xmlns:p14="http://schemas.microsoft.com/office/powerpoint/2010/main" val="3690559984"/>
-      </p:ext>
-    </p:extLst>
-  </p:cSld>
-  <p:clrMapOvr>
-    <a:masterClrMapping/>
-  </p:clrMapOvr>
-</p:sld>
-</file>
-
-<file path=ppt/slides/slide31.xml><?xml version="1.0" encoding="utf-8"?>
-<p:sld xmlns:a="http://schemas.openxmlformats.org/drawingml/2006/main" xmlns:r="http://schemas.openxmlformats.org/officeDocument/2006/relationships" xmlns:p="http://schemas.openxmlformats.org/presentationml/2006/main">
-  <p:cSld>
-    <p:spTree>
-      <p:nvGrpSpPr>
-        <p:cNvPr id="1" name=""/>
-        <p:cNvGrpSpPr/>
-        <p:nvPr/>
-      </p:nvGrpSpPr>
-      <p:grpSpPr>
-        <a:xfrm>
-          <a:off x="0" y="0"/>
-          <a:ext cx="0" cy="0"/>
-          <a:chOff x="0" y="0"/>
-          <a:chExt cx="0" cy="0"/>
-        </a:xfrm>
-      </p:grpSpPr>
       <p:pic>
         <p:nvPicPr>
           <p:cNvPr id="5" name="Picture 4" descr="A close up of a mans face&#10;&#10;Description generated with high confidence">
@@ -26758,7 +26520,7 @@
 </p:sld>
 </file>
 
-<file path=ppt/slides/slide32.xml><?xml version="1.0" encoding="utf-8"?>
+<file path=ppt/slides/slide31.xml><?xml version="1.0" encoding="utf-8"?>
 <p:sld xmlns:a="http://schemas.openxmlformats.org/drawingml/2006/main" xmlns:r="http://schemas.openxmlformats.org/officeDocument/2006/relationships" xmlns:p="http://schemas.openxmlformats.org/presentationml/2006/main">
   <p:cSld>
     <p:spTree>
@@ -26940,7 +26702,7 @@
 </p:sld>
 </file>
 
-<file path=ppt/slides/slide33.xml><?xml version="1.0" encoding="utf-8"?>
+<file path=ppt/slides/slide32.xml><?xml version="1.0" encoding="utf-8"?>
 <p:sld xmlns:a="http://schemas.openxmlformats.org/drawingml/2006/main" xmlns:r="http://schemas.openxmlformats.org/officeDocument/2006/relationships" xmlns:p="http://schemas.openxmlformats.org/presentationml/2006/main">
   <p:cSld>
     <p:spTree>
@@ -27278,7 +27040,7 @@
 </p:sld>
 </file>
 
-<file path=ppt/slides/slide34.xml><?xml version="1.0" encoding="utf-8"?>
+<file path=ppt/slides/slide33.xml><?xml version="1.0" encoding="utf-8"?>
 <p:sld xmlns:a="http://schemas.openxmlformats.org/drawingml/2006/main" xmlns:r="http://schemas.openxmlformats.org/officeDocument/2006/relationships" xmlns:p="http://schemas.openxmlformats.org/presentationml/2006/main">
   <p:cSld>
     <p:spTree>
@@ -27502,7 +27264,7 @@
 </p:sld>
 </file>
 
-<file path=ppt/slides/slide35.xml><?xml version="1.0" encoding="utf-8"?>
+<file path=ppt/slides/slide34.xml><?xml version="1.0" encoding="utf-8"?>
 <p:sld xmlns:a="http://schemas.openxmlformats.org/drawingml/2006/main" xmlns:r="http://schemas.openxmlformats.org/officeDocument/2006/relationships" xmlns:p="http://schemas.openxmlformats.org/presentationml/2006/main">
   <p:cSld>
     <p:spTree>
@@ -27807,7 +27569,7 @@
 </p:sld>
 </file>
 
-<file path=ppt/slides/slide36.xml><?xml version="1.0" encoding="utf-8"?>
+<file path=ppt/slides/slide35.xml><?xml version="1.0" encoding="utf-8"?>
 <p:sld xmlns:a="http://schemas.openxmlformats.org/drawingml/2006/main" xmlns:r="http://schemas.openxmlformats.org/officeDocument/2006/relationships" xmlns:p="http://schemas.openxmlformats.org/presentationml/2006/main" show="0">
   <p:cSld>
     <p:spTree>
@@ -29185,7 +28947,7 @@
 </p:sld>
 </file>
 
-<file path=ppt/slides/slide37.xml><?xml version="1.0" encoding="utf-8"?>
+<file path=ppt/slides/slide36.xml><?xml version="1.0" encoding="utf-8"?>
 <p:sld xmlns:a="http://schemas.openxmlformats.org/drawingml/2006/main" xmlns:r="http://schemas.openxmlformats.org/officeDocument/2006/relationships" xmlns:p="http://schemas.openxmlformats.org/presentationml/2006/main">
   <p:cSld>
     <p:spTree>
@@ -30701,7 +30463,7 @@
 </p:sld>
 </file>
 
-<file path=ppt/slides/slide38.xml><?xml version="1.0" encoding="utf-8"?>
+<file path=ppt/slides/slide37.xml><?xml version="1.0" encoding="utf-8"?>
 <p:sld xmlns:a="http://schemas.openxmlformats.org/drawingml/2006/main" xmlns:r="http://schemas.openxmlformats.org/officeDocument/2006/relationships" xmlns:p="http://schemas.openxmlformats.org/presentationml/2006/main">
   <p:cSld>
     <p:spTree>
@@ -30968,7 +30730,7 @@
 </p:sld>
 </file>
 
-<file path=ppt/slides/slide39.xml><?xml version="1.0" encoding="utf-8"?>
+<file path=ppt/slides/slide38.xml><?xml version="1.0" encoding="utf-8"?>
 <p:sld xmlns:a="http://schemas.openxmlformats.org/drawingml/2006/main" xmlns:r="http://schemas.openxmlformats.org/officeDocument/2006/relationships" xmlns:p="http://schemas.openxmlformats.org/presentationml/2006/main">
   <p:cSld>
     <p:spTree>
@@ -31058,7 +30820,7 @@
               <a:pPr>
                 <a:defRPr/>
               </a:pPr>
-              <a:t>39</a:t>
+              <a:t>38</a:t>
             </a:fld>
             <a:endParaRPr lang="en-US" dirty="0"/>
           </a:p>
@@ -31432,6 +31194,145 @@
 </p:sld>
 </file>
 
+<file path=ppt/slides/slide39.xml><?xml version="1.0" encoding="utf-8"?>
+<p:sld xmlns:a="http://schemas.openxmlformats.org/drawingml/2006/main" xmlns:r="http://schemas.openxmlformats.org/officeDocument/2006/relationships" xmlns:p="http://schemas.openxmlformats.org/presentationml/2006/main">
+  <p:cSld>
+    <p:spTree>
+      <p:nvGrpSpPr>
+        <p:cNvPr id="1" name=""/>
+        <p:cNvGrpSpPr/>
+        <p:nvPr/>
+      </p:nvGrpSpPr>
+      <p:grpSpPr>
+        <a:xfrm>
+          <a:off x="0" y="0"/>
+          <a:ext cx="0" cy="0"/>
+          <a:chOff x="0" y="0"/>
+          <a:chExt cx="0" cy="0"/>
+        </a:xfrm>
+      </p:grpSpPr>
+      <p:sp>
+        <p:nvSpPr>
+          <p:cNvPr id="5" name="Title 4"/>
+          <p:cNvSpPr>
+            <a:spLocks noGrp="1"/>
+          </p:cNvSpPr>
+          <p:nvPr>
+            <p:ph type="title"/>
+          </p:nvPr>
+        </p:nvSpPr>
+        <p:spPr/>
+        <p:txBody>
+          <a:bodyPr/>
+          <a:lstStyle/>
+          <a:p>
+            <a:r>
+              <a:rPr lang="en-US" sz="2400" b="1" dirty="0">
+                <a:latin typeface="Trebuchet MS" panose="020B0603020202020204" pitchFamily="34" charset="0"/>
+                <a:cs typeface="Arial" panose="020B0604020202020204" pitchFamily="34" charset="0"/>
+              </a:rPr>
+              <a:t>Migration Setup – Server Configuration</a:t>
+            </a:r>
+          </a:p>
+        </p:txBody>
+      </p:sp>
+      <p:sp>
+        <p:nvSpPr>
+          <p:cNvPr id="3" name="Footer Placeholder 2"/>
+          <p:cNvSpPr>
+            <a:spLocks noGrp="1"/>
+          </p:cNvSpPr>
+          <p:nvPr>
+            <p:ph type="ftr" sz="quarter" idx="14"/>
+          </p:nvPr>
+        </p:nvSpPr>
+        <p:spPr/>
+        <p:txBody>
+          <a:bodyPr/>
+          <a:lstStyle/>
+          <a:p>
+            <a:pPr>
+              <a:defRPr/>
+            </a:pPr>
+            <a:r>
+              <a:rPr lang="en-US" dirty="0"/>
+              <a:t>©2018 All Rights Reserved. Laitek Inc.</a:t>
+            </a:r>
+          </a:p>
+        </p:txBody>
+      </p:sp>
+      <p:sp>
+        <p:nvSpPr>
+          <p:cNvPr id="4" name="Slide Number Placeholder 3"/>
+          <p:cNvSpPr>
+            <a:spLocks noGrp="1"/>
+          </p:cNvSpPr>
+          <p:nvPr>
+            <p:ph type="sldNum" sz="quarter" idx="15"/>
+          </p:nvPr>
+        </p:nvSpPr>
+        <p:spPr/>
+        <p:txBody>
+          <a:bodyPr/>
+          <a:lstStyle/>
+          <a:p>
+            <a:pPr>
+              <a:defRPr/>
+            </a:pPr>
+            <a:fld id="{3CC78360-EA07-4F1B-862F-C82F8DD3A373}" type="slidenum">
+              <a:rPr lang="en-US"/>
+              <a:pPr>
+                <a:defRPr/>
+              </a:pPr>
+              <a:t>39</a:t>
+            </a:fld>
+            <a:endParaRPr lang="en-US" dirty="0"/>
+          </a:p>
+        </p:txBody>
+      </p:sp>
+      <p:pic>
+        <p:nvPicPr>
+          <p:cNvPr id="2" name="Picture 1">
+            <a:extLst>
+              <a:ext uri="{FF2B5EF4-FFF2-40B4-BE49-F238E27FC236}">
+                <a16:creationId xmlns:a16="http://schemas.microsoft.com/office/drawing/2014/main" id="{E9B9A2CA-FB31-4CBB-9321-837056413730}"/>
+              </a:ext>
+            </a:extLst>
+          </p:cNvPr>
+          <p:cNvPicPr>
+            <a:picLocks noChangeAspect="1"/>
+          </p:cNvPicPr>
+          <p:nvPr/>
+        </p:nvPicPr>
+        <p:blipFill>
+          <a:blip r:embed="rId2"/>
+          <a:stretch>
+            <a:fillRect/>
+          </a:stretch>
+        </p:blipFill>
+        <p:spPr>
+          <a:xfrm>
+            <a:off x="1648288" y="1831972"/>
+            <a:ext cx="8895425" cy="3194057"/>
+          </a:xfrm>
+          <a:prstGeom prst="rect">
+            <a:avLst/>
+          </a:prstGeom>
+        </p:spPr>
+      </p:pic>
+    </p:spTree>
+    <p:extLst>
+      <p:ext uri="{BB962C8B-B14F-4D97-AF65-F5344CB8AC3E}">
+        <p14:creationId xmlns:p14="http://schemas.microsoft.com/office/powerpoint/2010/main" val="1231434890"/>
+      </p:ext>
+    </p:extLst>
+  </p:cSld>
+  <p:clrMapOvr>
+    <a:masterClrMapping/>
+  </p:clrMapOvr>
+</p:sld>
+</file>
+
 <file path=ppt/slides/slide4.xml><?xml version="1.0" encoding="utf-8"?>
 <p:sld xmlns:a="http://schemas.openxmlformats.org/drawingml/2006/main" xmlns:r="http://schemas.openxmlformats.org/officeDocument/2006/relationships" xmlns:p="http://schemas.openxmlformats.org/presentationml/2006/main">
   <p:cSld>
@@ -31769,7 +31670,7 @@
                 <a:latin typeface="Trebuchet MS" panose="020B0603020202020204" pitchFamily="34" charset="0"/>
                 <a:cs typeface="Arial" panose="020B0604020202020204" pitchFamily="34" charset="0"/>
               </a:rPr>
-              <a:t>Migration Setup – Server Configuration</a:t>
+              <a:t>Migration Setup - Initialization</a:t>
             </a:r>
           </a:p>
         </p:txBody>
@@ -31823,145 +31724,6 @@
                 <a:defRPr/>
               </a:pPr>
               <a:t>40</a:t>
-            </a:fld>
-            <a:endParaRPr lang="en-US" dirty="0"/>
-          </a:p>
-        </p:txBody>
-      </p:sp>
-      <p:pic>
-        <p:nvPicPr>
-          <p:cNvPr id="2" name="Picture 1">
-            <a:extLst>
-              <a:ext uri="{FF2B5EF4-FFF2-40B4-BE49-F238E27FC236}">
-                <a16:creationId xmlns:a16="http://schemas.microsoft.com/office/drawing/2014/main" id="{E9B9A2CA-FB31-4CBB-9321-837056413730}"/>
-              </a:ext>
-            </a:extLst>
-          </p:cNvPr>
-          <p:cNvPicPr>
-            <a:picLocks noChangeAspect="1"/>
-          </p:cNvPicPr>
-          <p:nvPr/>
-        </p:nvPicPr>
-        <p:blipFill>
-          <a:blip r:embed="rId2"/>
-          <a:stretch>
-            <a:fillRect/>
-          </a:stretch>
-        </p:blipFill>
-        <p:spPr>
-          <a:xfrm>
-            <a:off x="1648288" y="1831972"/>
-            <a:ext cx="8895425" cy="3194057"/>
-          </a:xfrm>
-          <a:prstGeom prst="rect">
-            <a:avLst/>
-          </a:prstGeom>
-        </p:spPr>
-      </p:pic>
-    </p:spTree>
-    <p:extLst>
-      <p:ext uri="{BB962C8B-B14F-4D97-AF65-F5344CB8AC3E}">
-        <p14:creationId xmlns:p14="http://schemas.microsoft.com/office/powerpoint/2010/main" val="1231434890"/>
-      </p:ext>
-    </p:extLst>
-  </p:cSld>
-  <p:clrMapOvr>
-    <a:masterClrMapping/>
-  </p:clrMapOvr>
-</p:sld>
-</file>
-
-<file path=ppt/slides/slide41.xml><?xml version="1.0" encoding="utf-8"?>
-<p:sld xmlns:a="http://schemas.openxmlformats.org/drawingml/2006/main" xmlns:r="http://schemas.openxmlformats.org/officeDocument/2006/relationships" xmlns:p="http://schemas.openxmlformats.org/presentationml/2006/main">
-  <p:cSld>
-    <p:spTree>
-      <p:nvGrpSpPr>
-        <p:cNvPr id="1" name=""/>
-        <p:cNvGrpSpPr/>
-        <p:nvPr/>
-      </p:nvGrpSpPr>
-      <p:grpSpPr>
-        <a:xfrm>
-          <a:off x="0" y="0"/>
-          <a:ext cx="0" cy="0"/>
-          <a:chOff x="0" y="0"/>
-          <a:chExt cx="0" cy="0"/>
-        </a:xfrm>
-      </p:grpSpPr>
-      <p:sp>
-        <p:nvSpPr>
-          <p:cNvPr id="5" name="Title 4"/>
-          <p:cNvSpPr>
-            <a:spLocks noGrp="1"/>
-          </p:cNvSpPr>
-          <p:nvPr>
-            <p:ph type="title"/>
-          </p:nvPr>
-        </p:nvSpPr>
-        <p:spPr/>
-        <p:txBody>
-          <a:bodyPr/>
-          <a:lstStyle/>
-          <a:p>
-            <a:r>
-              <a:rPr lang="en-US" sz="2400" b="1" dirty="0">
-                <a:latin typeface="Trebuchet MS" panose="020B0603020202020204" pitchFamily="34" charset="0"/>
-                <a:cs typeface="Arial" panose="020B0604020202020204" pitchFamily="34" charset="0"/>
-              </a:rPr>
-              <a:t>Migration Setup - Initialization</a:t>
-            </a:r>
-          </a:p>
-        </p:txBody>
-      </p:sp>
-      <p:sp>
-        <p:nvSpPr>
-          <p:cNvPr id="3" name="Footer Placeholder 2"/>
-          <p:cNvSpPr>
-            <a:spLocks noGrp="1"/>
-          </p:cNvSpPr>
-          <p:nvPr>
-            <p:ph type="ftr" sz="quarter" idx="14"/>
-          </p:nvPr>
-        </p:nvSpPr>
-        <p:spPr/>
-        <p:txBody>
-          <a:bodyPr/>
-          <a:lstStyle/>
-          <a:p>
-            <a:pPr>
-              <a:defRPr/>
-            </a:pPr>
-            <a:r>
-              <a:rPr lang="en-US" dirty="0"/>
-              <a:t>©2018 All Rights Reserved. Laitek Inc.</a:t>
-            </a:r>
-          </a:p>
-        </p:txBody>
-      </p:sp>
-      <p:sp>
-        <p:nvSpPr>
-          <p:cNvPr id="4" name="Slide Number Placeholder 3"/>
-          <p:cNvSpPr>
-            <a:spLocks noGrp="1"/>
-          </p:cNvSpPr>
-          <p:nvPr>
-            <p:ph type="sldNum" sz="quarter" idx="15"/>
-          </p:nvPr>
-        </p:nvSpPr>
-        <p:spPr/>
-        <p:txBody>
-          <a:bodyPr/>
-          <a:lstStyle/>
-          <a:p>
-            <a:pPr>
-              <a:defRPr/>
-            </a:pPr>
-            <a:fld id="{3CC78360-EA07-4F1B-862F-C82F8DD3A373}" type="slidenum">
-              <a:rPr lang="en-US"/>
-              <a:pPr>
-                <a:defRPr/>
-              </a:pPr>
-              <a:t>41</a:t>
             </a:fld>
             <a:endParaRPr lang="en-US" dirty="0"/>
           </a:p>
@@ -32186,7 +31948,7 @@
 </p:sld>
 </file>
 
-<file path=ppt/slides/slide42.xml><?xml version="1.0" encoding="utf-8"?>
+<file path=ppt/slides/slide41.xml><?xml version="1.0" encoding="utf-8"?>
 <p:sld xmlns:a="http://schemas.openxmlformats.org/drawingml/2006/main" xmlns:r="http://schemas.openxmlformats.org/officeDocument/2006/relationships" xmlns:p="http://schemas.openxmlformats.org/presentationml/2006/main">
   <p:cSld>
     <p:spTree>
@@ -32281,7 +32043,7 @@
               <a:pPr>
                 <a:defRPr/>
               </a:pPr>
-              <a:t>42</a:t>
+              <a:t>41</a:t>
             </a:fld>
             <a:endParaRPr lang="en-US" dirty="0"/>
           </a:p>
@@ -32507,7 +32269,7 @@
 </p:sld>
 </file>
 
-<file path=ppt/slides/slide43.xml><?xml version="1.0" encoding="utf-8"?>
+<file path=ppt/slides/slide42.xml><?xml version="1.0" encoding="utf-8"?>
 <p:sld xmlns:a="http://schemas.openxmlformats.org/drawingml/2006/main" xmlns:r="http://schemas.openxmlformats.org/officeDocument/2006/relationships" xmlns:p="http://schemas.openxmlformats.org/presentationml/2006/main">
   <p:cSld>
     <p:spTree>
@@ -32594,7 +32356,7 @@
               <a:pPr>
                 <a:defRPr/>
               </a:pPr>
-              <a:t>43</a:t>
+              <a:t>42</a:t>
             </a:fld>
             <a:endParaRPr lang="en-US" dirty="0"/>
           </a:p>
@@ -32643,7 +32405,7 @@
 </p:sld>
 </file>
 
-<file path=ppt/slides/slide44.xml><?xml version="1.0" encoding="utf-8"?>
+<file path=ppt/slides/slide43.xml><?xml version="1.0" encoding="utf-8"?>
 <p:sld xmlns:a="http://schemas.openxmlformats.org/drawingml/2006/main" xmlns:r="http://schemas.openxmlformats.org/officeDocument/2006/relationships" xmlns:p="http://schemas.openxmlformats.org/presentationml/2006/main">
   <p:cSld>
     <p:spTree>
@@ -32733,7 +32495,7 @@
               <a:pPr>
                 <a:defRPr/>
               </a:pPr>
-              <a:t>44</a:t>
+              <a:t>43</a:t>
             </a:fld>
             <a:endParaRPr lang="en-US" dirty="0"/>
           </a:p>
@@ -32782,7 +32544,7 @@
 </p:sld>
 </file>
 
-<file path=ppt/slides/slide45.xml><?xml version="1.0" encoding="utf-8"?>
+<file path=ppt/slides/slide44.xml><?xml version="1.0" encoding="utf-8"?>
 <p:sld xmlns:a="http://schemas.openxmlformats.org/drawingml/2006/main" xmlns:r="http://schemas.openxmlformats.org/officeDocument/2006/relationships" xmlns:p="http://schemas.openxmlformats.org/presentationml/2006/main">
   <p:cSld>
     <p:spTree>
@@ -32872,7 +32634,7 @@
               <a:pPr>
                 <a:defRPr/>
               </a:pPr>
-              <a:t>45</a:t>
+              <a:t>44</a:t>
             </a:fld>
             <a:endParaRPr lang="en-US" dirty="0"/>
           </a:p>
@@ -32921,7 +32683,7 @@
 </p:sld>
 </file>
 
-<file path=ppt/slides/slide46.xml><?xml version="1.0" encoding="utf-8"?>
+<file path=ppt/slides/slide45.xml><?xml version="1.0" encoding="utf-8"?>
 <p:sld xmlns:a="http://schemas.openxmlformats.org/drawingml/2006/main" xmlns:r="http://schemas.openxmlformats.org/officeDocument/2006/relationships" xmlns:p="http://schemas.openxmlformats.org/presentationml/2006/main">
   <p:cSld>
     <p:spTree>
@@ -33018,7 +32780,7 @@
               <a:pPr>
                 <a:defRPr/>
               </a:pPr>
-              <a:t>46</a:t>
+              <a:t>45</a:t>
             </a:fld>
             <a:endParaRPr lang="en-US" dirty="0"/>
           </a:p>
@@ -33067,7 +32829,7 @@
 </p:sld>
 </file>
 
-<file path=ppt/slides/slide47.xml><?xml version="1.0" encoding="utf-8"?>
+<file path=ppt/slides/slide46.xml><?xml version="1.0" encoding="utf-8"?>
 <p:sld xmlns:a="http://schemas.openxmlformats.org/drawingml/2006/main" xmlns:r="http://schemas.openxmlformats.org/officeDocument/2006/relationships" xmlns:p="http://schemas.openxmlformats.org/presentationml/2006/main">
   <p:cSld>
     <p:spTree>
@@ -33637,94 +33399,6 @@
           <p:cNvPr id="2" name="Title 1">
             <a:extLst>
               <a:ext uri="{FF2B5EF4-FFF2-40B4-BE49-F238E27FC236}">
-                <a16:creationId xmlns:a16="http://schemas.microsoft.com/office/drawing/2014/main" id="{C6AD5BB5-30AE-4647-9D89-D5AF3A30395E}"/>
-              </a:ext>
-            </a:extLst>
-          </p:cNvPr>
-          <p:cNvSpPr>
-            <a:spLocks noGrp="1"/>
-          </p:cNvSpPr>
-          <p:nvPr>
-            <p:ph type="title"/>
-          </p:nvPr>
-        </p:nvSpPr>
-        <p:spPr/>
-        <p:txBody>
-          <a:bodyPr/>
-          <a:lstStyle/>
-          <a:p>
-            <a:r>
-              <a:rPr lang="en-US" dirty="0"/>
-              <a:t>About Laitek 4-5 slide-</a:t>
-            </a:r>
-            <a:r>
-              <a:rPr lang="en-US" dirty="0" err="1"/>
-              <a:t>uri</a:t>
-            </a:r>
-            <a:endParaRPr lang="en-US" dirty="0"/>
-          </a:p>
-        </p:txBody>
-      </p:sp>
-      <p:sp>
-        <p:nvSpPr>
-          <p:cNvPr id="3" name="Content Placeholder 2">
-            <a:extLst>
-              <a:ext uri="{FF2B5EF4-FFF2-40B4-BE49-F238E27FC236}">
-                <a16:creationId xmlns:a16="http://schemas.microsoft.com/office/drawing/2014/main" id="{B4A89489-4F7B-4BAB-9DFA-4B0E11C1539B}"/>
-              </a:ext>
-            </a:extLst>
-          </p:cNvPr>
-          <p:cNvSpPr>
-            <a:spLocks noGrp="1"/>
-          </p:cNvSpPr>
-          <p:nvPr>
-            <p:ph idx="1"/>
-          </p:nvPr>
-        </p:nvSpPr>
-        <p:spPr/>
-        <p:txBody>
-          <a:bodyPr/>
-          <a:lstStyle/>
-          <a:p>
-            <a:endParaRPr lang="en-US"/>
-          </a:p>
-        </p:txBody>
-      </p:sp>
-    </p:spTree>
-    <p:extLst>
-      <p:ext uri="{BB962C8B-B14F-4D97-AF65-F5344CB8AC3E}">
-        <p14:creationId xmlns:p14="http://schemas.microsoft.com/office/powerpoint/2010/main" val="3969553410"/>
-      </p:ext>
-    </p:extLst>
-  </p:cSld>
-  <p:clrMapOvr>
-    <a:masterClrMapping/>
-  </p:clrMapOvr>
-</p:sld>
-</file>
-
-<file path=ppt/slides/slide7.xml><?xml version="1.0" encoding="utf-8"?>
-<p:sld xmlns:a="http://schemas.openxmlformats.org/drawingml/2006/main" xmlns:r="http://schemas.openxmlformats.org/officeDocument/2006/relationships" xmlns:p="http://schemas.openxmlformats.org/presentationml/2006/main">
-  <p:cSld>
-    <p:spTree>
-      <p:nvGrpSpPr>
-        <p:cNvPr id="1" name=""/>
-        <p:cNvGrpSpPr/>
-        <p:nvPr/>
-      </p:nvGrpSpPr>
-      <p:grpSpPr>
-        <a:xfrm>
-          <a:off x="0" y="0"/>
-          <a:ext cx="0" cy="0"/>
-          <a:chOff x="0" y="0"/>
-          <a:chExt cx="0" cy="0"/>
-        </a:xfrm>
-      </p:grpSpPr>
-      <p:sp>
-        <p:nvSpPr>
-          <p:cNvPr id="2" name="Title 1">
-            <a:extLst>
-              <a:ext uri="{FF2B5EF4-FFF2-40B4-BE49-F238E27FC236}">
                 <a16:creationId xmlns:a16="http://schemas.microsoft.com/office/drawing/2014/main" id="{A6D9A6CC-E164-48AD-B4D4-D4F796269097}"/>
               </a:ext>
             </a:extLst>
@@ -33795,7 +33469,27 @@
             </a:pPr>
             <a:r>
               <a:rPr lang="en-US" dirty="0"/>
+              <a:t>Application 1: </a:t>
+            </a:r>
+          </a:p>
+          <a:p>
+            <a:pPr marL="514350" indent="-514350">
+              <a:buFont typeface="+mj-lt"/>
+              <a:buAutoNum type="arabicPeriod"/>
+            </a:pPr>
+            <a:r>
+              <a:rPr lang="en-US" dirty="0"/>
               <a:t>Informational Model</a:t>
+            </a:r>
+          </a:p>
+          <a:p>
+            <a:pPr marL="514350" indent="-514350">
+              <a:buFont typeface="+mj-lt"/>
+              <a:buAutoNum type="arabicPeriod"/>
+            </a:pPr>
+            <a:r>
+              <a:rPr lang="en-US" dirty="0"/>
+              <a:t>Applications</a:t>
             </a:r>
           </a:p>
           <a:p>
@@ -33827,7 +33521,7 @@
 </p:sld>
 </file>
 
-<file path=ppt/slides/slide8.xml><?xml version="1.0" encoding="utf-8"?>
+<file path=ppt/slides/slide7.xml><?xml version="1.0" encoding="utf-8"?>
 <p:sld xmlns:a="http://schemas.openxmlformats.org/drawingml/2006/main" xmlns:r="http://schemas.openxmlformats.org/officeDocument/2006/relationships" xmlns:p="http://schemas.openxmlformats.org/presentationml/2006/main">
   <p:cSld>
     <p:spTree>
@@ -34102,7 +33796,7 @@
 </p:sld>
 </file>
 
-<file path=ppt/slides/slide9.xml><?xml version="1.0" encoding="utf-8"?>
+<file path=ppt/slides/slide8.xml><?xml version="1.0" encoding="utf-8"?>
 <p:sld xmlns:a="http://schemas.openxmlformats.org/drawingml/2006/main" xmlns:r="http://schemas.openxmlformats.org/officeDocument/2006/relationships" xmlns:p="http://schemas.openxmlformats.org/presentationml/2006/main">
   <p:cSld>
     <p:spTree>
@@ -34380,6 +34074,255 @@
     <p:extLst>
       <p:ext uri="{BB962C8B-B14F-4D97-AF65-F5344CB8AC3E}">
         <p14:creationId xmlns:p14="http://schemas.microsoft.com/office/powerpoint/2010/main" val="2590445406"/>
+      </p:ext>
+    </p:extLst>
+  </p:cSld>
+  <p:clrMapOvr>
+    <a:masterClrMapping/>
+  </p:clrMapOvr>
+</p:sld>
+</file>
+
+<file path=ppt/slides/slide9.xml><?xml version="1.0" encoding="utf-8"?>
+<p:sld xmlns:a="http://schemas.openxmlformats.org/drawingml/2006/main" xmlns:r="http://schemas.openxmlformats.org/officeDocument/2006/relationships" xmlns:p="http://schemas.openxmlformats.org/presentationml/2006/main">
+  <p:cSld>
+    <p:spTree>
+      <p:nvGrpSpPr>
+        <p:cNvPr id="1" name=""/>
+        <p:cNvGrpSpPr/>
+        <p:nvPr/>
+      </p:nvGrpSpPr>
+      <p:grpSpPr>
+        <a:xfrm>
+          <a:off x="0" y="0"/>
+          <a:ext cx="0" cy="0"/>
+          <a:chOff x="0" y="0"/>
+          <a:chExt cx="0" cy="0"/>
+        </a:xfrm>
+      </p:grpSpPr>
+      <p:pic>
+        <p:nvPicPr>
+          <p:cNvPr id="5" name="Picture 4" descr="A close up of a mans face&#10;&#10;Description generated with high confidence">
+            <a:extLst>
+              <a:ext uri="{FF2B5EF4-FFF2-40B4-BE49-F238E27FC236}">
+                <a16:creationId xmlns:a16="http://schemas.microsoft.com/office/drawing/2014/main" id="{9C7AB213-0D7F-4A73-9919-4DF65C8E04AB}"/>
+              </a:ext>
+            </a:extLst>
+          </p:cNvPr>
+          <p:cNvPicPr>
+            <a:picLocks noChangeAspect="1"/>
+          </p:cNvPicPr>
+          <p:nvPr/>
+        </p:nvPicPr>
+        <p:blipFill>
+          <a:blip r:embed="rId3">
+            <a:extLst>
+              <a:ext uri="{28A0092B-C50C-407E-A947-70E740481C1C}">
+                <a14:useLocalDpi xmlns:a14="http://schemas.microsoft.com/office/drawing/2010/main" val="0"/>
+              </a:ext>
+            </a:extLst>
+          </a:blip>
+          <a:stretch>
+            <a:fillRect/>
+          </a:stretch>
+        </p:blipFill>
+        <p:spPr>
+          <a:xfrm>
+            <a:off x="0" y="0"/>
+            <a:ext cx="12188952" cy="6858000"/>
+          </a:xfrm>
+          <a:prstGeom prst="rect">
+            <a:avLst/>
+          </a:prstGeom>
+        </p:spPr>
+      </p:pic>
+      <p:sp>
+        <p:nvSpPr>
+          <p:cNvPr id="6" name="TextBox 5">
+            <a:extLst>
+              <a:ext uri="{FF2B5EF4-FFF2-40B4-BE49-F238E27FC236}">
+                <a16:creationId xmlns:a16="http://schemas.microsoft.com/office/drawing/2014/main" id="{F5C12D09-08F6-4A17-B25F-43A9B8E607AE}"/>
+              </a:ext>
+            </a:extLst>
+          </p:cNvPr>
+          <p:cNvSpPr txBox="1"/>
+          <p:nvPr/>
+        </p:nvSpPr>
+        <p:spPr>
+          <a:xfrm>
+            <a:off x="888617" y="94479"/>
+            <a:ext cx="7912360" cy="830997"/>
+          </a:xfrm>
+          <a:prstGeom prst="rect">
+            <a:avLst/>
+          </a:prstGeom>
+          <a:noFill/>
+        </p:spPr>
+        <p:txBody>
+          <a:bodyPr wrap="square" rtlCol="0">
+            <a:spAutoFit/>
+          </a:bodyPr>
+          <a:lstStyle/>
+          <a:p>
+            <a:pPr algn="ctr"/>
+            <a:r>
+              <a:rPr lang="en-US" sz="4800" dirty="0">
+                <a:solidFill>
+                  <a:srgbClr val="000066"/>
+                </a:solidFill>
+              </a:rPr>
+              <a:t>Associations</a:t>
+            </a:r>
+          </a:p>
+        </p:txBody>
+      </p:sp>
+      <p:sp>
+        <p:nvSpPr>
+          <p:cNvPr id="7" name="TextBox 6">
+            <a:extLst>
+              <a:ext uri="{FF2B5EF4-FFF2-40B4-BE49-F238E27FC236}">
+                <a16:creationId xmlns:a16="http://schemas.microsoft.com/office/drawing/2014/main" id="{DF675596-D6A7-417B-B547-2E32CEACBDE3}"/>
+              </a:ext>
+            </a:extLst>
+          </p:cNvPr>
+          <p:cNvSpPr txBox="1"/>
+          <p:nvPr/>
+        </p:nvSpPr>
+        <p:spPr>
+          <a:xfrm>
+            <a:off x="324715" y="3176542"/>
+            <a:ext cx="9924964" cy="2585323"/>
+          </a:xfrm>
+          <a:prstGeom prst="rect">
+            <a:avLst/>
+          </a:prstGeom>
+          <a:noFill/>
+        </p:spPr>
+        <p:txBody>
+          <a:bodyPr wrap="square" lIns="91440" tIns="45720" rIns="91440" bIns="45720" anchor="t">
+            <a:spAutoFit/>
+          </a:bodyPr>
+          <a:lstStyle/>
+          <a:p>
+            <a:pPr marL="285750" indent="-285750">
+              <a:buFont typeface="Arial" panose="020B0604020202020204" pitchFamily="34" charset="0"/>
+              <a:buChar char="•"/>
+            </a:pPr>
+            <a:r>
+              <a:rPr lang="en-US" dirty="0"/>
+              <a:t>Simple: </a:t>
+            </a:r>
+          </a:p>
+          <a:p>
+            <a:pPr marL="742950" lvl="1" indent="-285750">
+              <a:buFont typeface="Arial" panose="020B0604020202020204" pitchFamily="34" charset="0"/>
+              <a:buChar char="•"/>
+            </a:pPr>
+            <a:r>
+              <a:rPr lang="en-US" dirty="0"/>
+              <a:t>The SCU will start the communication and will ask the SCP if it supports a certain service. </a:t>
+            </a:r>
+          </a:p>
+          <a:p>
+            <a:pPr marL="742950" lvl="1" indent="-285750">
+              <a:buFont typeface="Arial" panose="020B0604020202020204" pitchFamily="34" charset="0"/>
+              <a:buChar char="•"/>
+            </a:pPr>
+            <a:r>
+              <a:rPr lang="en-US" dirty="0"/>
+              <a:t>The SCP will respond accordingly.</a:t>
+            </a:r>
+          </a:p>
+          <a:p>
+            <a:pPr marL="742950" lvl="1" indent="-285750">
+              <a:buFont typeface="Arial" panose="020B0604020202020204" pitchFamily="34" charset="0"/>
+              <a:buChar char="•"/>
+            </a:pPr>
+            <a:r>
+              <a:rPr lang="en-US" dirty="0"/>
+              <a:t>The SCU will ask something related to that service (ex: do a </a:t>
+            </a:r>
+            <a:r>
+              <a:rPr lang="en-US" dirty="0" err="1"/>
+              <a:t>cfind</a:t>
+            </a:r>
+            <a:r>
+              <a:rPr lang="en-US" dirty="0"/>
+              <a:t> or store an image)</a:t>
+            </a:r>
+          </a:p>
+          <a:p>
+            <a:pPr marL="742950" lvl="1" indent="-285750">
+              <a:buFont typeface="Arial" panose="020B0604020202020204" pitchFamily="34" charset="0"/>
+              <a:buChar char="•"/>
+            </a:pPr>
+            <a:r>
+              <a:rPr lang="en-US" dirty="0"/>
+              <a:t>The SCP will provide the negotiated services (respond, store images)</a:t>
+            </a:r>
+          </a:p>
+          <a:p>
+            <a:pPr marL="742950" lvl="1" indent="-285750">
+              <a:buFont typeface="Arial" panose="020B0604020202020204" pitchFamily="34" charset="0"/>
+              <a:buChar char="•"/>
+            </a:pPr>
+            <a:r>
+              <a:rPr lang="en-US" dirty="0"/>
+              <a:t>The SCU when done can drop the association or ask an association release</a:t>
+            </a:r>
+          </a:p>
+          <a:p>
+            <a:pPr marL="742950" lvl="1" indent="-285750">
+              <a:buFont typeface="Arial" panose="020B0604020202020204" pitchFamily="34" charset="0"/>
+              <a:buChar char="•"/>
+            </a:pPr>
+            <a:r>
+              <a:rPr lang="en-US" dirty="0"/>
+              <a:t>The SCP will acknowledge the association release	</a:t>
+            </a:r>
+          </a:p>
+          <a:p>
+            <a:r>
+              <a:rPr lang="en-US" dirty="0"/>
+              <a:t>(the initial service request and how that service will be managed by the two participants during communications is the actual association negotiation)</a:t>
+            </a:r>
+          </a:p>
+        </p:txBody>
+      </p:sp>
+      <p:pic>
+        <p:nvPicPr>
+          <p:cNvPr id="8" name="Picture 7">
+            <a:extLst>
+              <a:ext uri="{FF2B5EF4-FFF2-40B4-BE49-F238E27FC236}">
+                <a16:creationId xmlns:a16="http://schemas.microsoft.com/office/drawing/2014/main" id="{7758DD89-4B2A-4213-B505-66922F83DEAA}"/>
+              </a:ext>
+            </a:extLst>
+          </p:cNvPr>
+          <p:cNvPicPr>
+            <a:picLocks noChangeAspect="1"/>
+          </p:cNvPicPr>
+          <p:nvPr/>
+        </p:nvPicPr>
+        <p:blipFill>
+          <a:blip r:embed="rId4"/>
+          <a:stretch>
+            <a:fillRect/>
+          </a:stretch>
+        </p:blipFill>
+        <p:spPr>
+          <a:xfrm>
+            <a:off x="2877917" y="1252272"/>
+            <a:ext cx="4457700" cy="1381125"/>
+          </a:xfrm>
+          <a:prstGeom prst="rect">
+            <a:avLst/>
+          </a:prstGeom>
+        </p:spPr>
+      </p:pic>
+    </p:spTree>
+    <p:extLst>
+      <p:ext uri="{BB962C8B-B14F-4D97-AF65-F5344CB8AC3E}">
+        <p14:creationId xmlns:p14="http://schemas.microsoft.com/office/powerpoint/2010/main" val="1066047630"/>
       </p:ext>
     </p:extLst>
   </p:cSld>
@@ -34980,19 +34923,6 @@
 </file>
 
 <file path=customXml/item1.xml><?xml version="1.0" encoding="utf-8"?>
-<p:properties xmlns:p="http://schemas.microsoft.com/office/2006/metadata/properties" xmlns:xsi="http://www.w3.org/2001/XMLSchema-instance" xmlns:pc="http://schemas.microsoft.com/office/infopath/2007/PartnerControls">
-  <documentManagement>
-    <_dlc_DocId xmlns="8e89f44b-c4dc-4104-b87d-c0760bd0ce10">AFJCFFCUCECP-2102554853-2492</_dlc_DocId>
-    <_dlc_DocIdUrl xmlns="8e89f44b-c4dc-4104-b87d-c0760bd0ce10">
-      <Url>https://laitek.sharepoint.com/_layouts/15/DocIdRedir.aspx?ID=AFJCFFCUCECP-2102554853-2492</Url>
-      <Description>AFJCFFCUCECP-2102554853-2492</Description>
-    </_dlc_DocIdUrl>
-    <UpdatestobeApproved xmlns="ade59ab6-c4d7-47e3-aebc-f49c6b484a21">No</UpdatestobeApproved>
-  </documentManagement>
-</p:properties>
-</file>
-
-<file path=customXml/item2.xml><?xml version="1.0" encoding="utf-8"?>
 <ct:contentTypeSchema xmlns:ct="http://schemas.microsoft.com/office/2006/metadata/contentType" xmlns:ma="http://schemas.microsoft.com/office/2006/metadata/properties/metaAttributes" ct:_="" ma:_="" ma:contentTypeName="Document" ma:contentTypeID="0x010100810F58FC3948B04D9C0728BC9E1A28A2" ma:contentTypeVersion="187" ma:contentTypeDescription="Create a new document." ma:contentTypeScope="" ma:versionID="2f3c352f390563427a1671b31307c6bd">
   <xsd:schema xmlns:xsd="http://www.w3.org/2001/XMLSchema" xmlns:xs="http://www.w3.org/2001/XMLSchema" xmlns:p="http://schemas.microsoft.com/office/2006/metadata/properties" xmlns:ns2="8e89f44b-c4dc-4104-b87d-c0760bd0ce10" xmlns:ns3="ade59ab6-c4d7-47e3-aebc-f49c6b484a21" targetNamespace="http://schemas.microsoft.com/office/2006/metadata/properties" ma:root="true" ma:fieldsID="f7477e4078dcb259f7952f496d322f8c" ns2:_="" ns3:_="">
     <xsd:import namespace="8e89f44b-c4dc-4104-b87d-c0760bd0ce10"/>
@@ -35235,6 +35165,15 @@
 </ct:contentTypeSchema>
 </file>
 
+<file path=customXml/item2.xml><?xml version="1.0" encoding="utf-8"?>
+<?mso-contentType ?>
+<FormTemplates xmlns="http://schemas.microsoft.com/sharepoint/v3/contenttype/forms">
+  <Display>DocumentLibraryForm</Display>
+  <Edit>DocumentLibraryForm</Edit>
+  <New>DocumentLibraryForm</New>
+</FormTemplates>
+</file>
+
 <file path=customXml/item3.xml><?xml version="1.0" encoding="utf-8"?>
 <?mso-contentType ?>
 <spe:Receivers xmlns:spe="http://schemas.microsoft.com/sharepoint/events">
@@ -35286,32 +35225,19 @@
 </file>
 
 <file path=customXml/item4.xml><?xml version="1.0" encoding="utf-8"?>
-<?mso-contentType ?>
-<FormTemplates xmlns="http://schemas.microsoft.com/sharepoint/v3/contenttype/forms">
-  <Display>DocumentLibraryForm</Display>
-  <Edit>DocumentLibraryForm</Edit>
-  <New>DocumentLibraryForm</New>
-</FormTemplates>
+<p:properties xmlns:p="http://schemas.microsoft.com/office/2006/metadata/properties" xmlns:xsi="http://www.w3.org/2001/XMLSchema-instance" xmlns:pc="http://schemas.microsoft.com/office/infopath/2007/PartnerControls">
+  <documentManagement>
+    <_dlc_DocId xmlns="8e89f44b-c4dc-4104-b87d-c0760bd0ce10">AFJCFFCUCECP-2102554853-2492</_dlc_DocId>
+    <_dlc_DocIdUrl xmlns="8e89f44b-c4dc-4104-b87d-c0760bd0ce10">
+      <Url>https://laitek.sharepoint.com/_layouts/15/DocIdRedir.aspx?ID=AFJCFFCUCECP-2102554853-2492</Url>
+      <Description>AFJCFFCUCECP-2102554853-2492</Description>
+    </_dlc_DocIdUrl>
+    <UpdatestobeApproved xmlns="ade59ab6-c4d7-47e3-aebc-f49c6b484a21">No</UpdatestobeApproved>
+  </documentManagement>
+</p:properties>
 </file>
 
 <file path=customXml/itemProps1.xml><?xml version="1.0" encoding="utf-8"?>
-<ds:datastoreItem xmlns:ds="http://schemas.openxmlformats.org/officeDocument/2006/customXml" ds:itemID="{4519BBF8-1DAC-444F-9840-6576A91122E1}">
-  <ds:schemaRefs>
-    <ds:schemaRef ds:uri="http://schemas.microsoft.com/office/2006/documentManagement/types"/>
-    <ds:schemaRef ds:uri="http://purl.org/dc/elements/1.1/"/>
-    <ds:schemaRef ds:uri="ade59ab6-c4d7-47e3-aebc-f49c6b484a21"/>
-    <ds:schemaRef ds:uri="http://schemas.microsoft.com/office/infopath/2007/PartnerControls"/>
-    <ds:schemaRef ds:uri="http://schemas.openxmlformats.org/package/2006/metadata/core-properties"/>
-    <ds:schemaRef ds:uri="http://purl.org/dc/dcmitype/"/>
-    <ds:schemaRef ds:uri="http://purl.org/dc/terms/"/>
-    <ds:schemaRef ds:uri="8e89f44b-c4dc-4104-b87d-c0760bd0ce10"/>
-    <ds:schemaRef ds:uri="http://schemas.microsoft.com/office/2006/metadata/properties"/>
-    <ds:schemaRef ds:uri="http://www.w3.org/XML/1998/namespace"/>
-  </ds:schemaRefs>
-</ds:datastoreItem>
-</file>
-
-<file path=customXml/itemProps2.xml><?xml version="1.0" encoding="utf-8"?>
 <ds:datastoreItem xmlns:ds="http://schemas.openxmlformats.org/officeDocument/2006/customXml" ds:itemID="{1632E5AD-3605-4BB2-9A07-7782D28AF567}">
   <ds:schemaRefs>
     <ds:schemaRef ds:uri="http://schemas.microsoft.com/office/2006/metadata/contentType"/>
@@ -35330,6 +35256,14 @@
 </ds:datastoreItem>
 </file>
 
+<file path=customXml/itemProps2.xml><?xml version="1.0" encoding="utf-8"?>
+<ds:datastoreItem xmlns:ds="http://schemas.openxmlformats.org/officeDocument/2006/customXml" ds:itemID="{7E847847-FD8F-4B1F-BEF4-8AEE410A0D07}">
+  <ds:schemaRefs>
+    <ds:schemaRef ds:uri="http://schemas.microsoft.com/sharepoint/v3/contenttype/forms"/>
+  </ds:schemaRefs>
+</ds:datastoreItem>
+</file>
+
 <file path=customXml/itemProps3.xml><?xml version="1.0" encoding="utf-8"?>
 <ds:datastoreItem xmlns:ds="http://schemas.openxmlformats.org/officeDocument/2006/customXml" ds:itemID="{65C9D58E-42EE-49D4-BE80-1A43B134590C}">
   <ds:schemaRefs>
@@ -35339,9 +35273,18 @@
 </file>
 
 <file path=customXml/itemProps4.xml><?xml version="1.0" encoding="utf-8"?>
-<ds:datastoreItem xmlns:ds="http://schemas.openxmlformats.org/officeDocument/2006/customXml" ds:itemID="{7E847847-FD8F-4B1F-BEF4-8AEE410A0D07}">
+<ds:datastoreItem xmlns:ds="http://schemas.openxmlformats.org/officeDocument/2006/customXml" ds:itemID="{4519BBF8-1DAC-444F-9840-6576A91122E1}">
   <ds:schemaRefs>
-    <ds:schemaRef ds:uri="http://schemas.microsoft.com/sharepoint/v3/contenttype/forms"/>
+    <ds:schemaRef ds:uri="http://schemas.microsoft.com/office/2006/documentManagement/types"/>
+    <ds:schemaRef ds:uri="http://purl.org/dc/elements/1.1/"/>
+    <ds:schemaRef ds:uri="ade59ab6-c4d7-47e3-aebc-f49c6b484a21"/>
+    <ds:schemaRef ds:uri="http://schemas.microsoft.com/office/infopath/2007/PartnerControls"/>
+    <ds:schemaRef ds:uri="http://schemas.openxmlformats.org/package/2006/metadata/core-properties"/>
+    <ds:schemaRef ds:uri="http://purl.org/dc/dcmitype/"/>
+    <ds:schemaRef ds:uri="http://purl.org/dc/terms/"/>
+    <ds:schemaRef ds:uri="8e89f44b-c4dc-4104-b87d-c0760bd0ce10"/>
+    <ds:schemaRef ds:uri="http://schemas.microsoft.com/office/2006/metadata/properties"/>
+    <ds:schemaRef ds:uri="http://www.w3.org/XML/1998/namespace"/>
   </ds:schemaRefs>
 </ds:datastoreItem>
 </file>